--- a/slides/Lecture4-01-23-25-LinearAlgebra.pptx
+++ b/slides/Lecture4-01-23-25-LinearAlgebra.pptx
@@ -6051,10 +6051,16 @@
           <a:lstStyle/>
           <a:p>
             <a:r>
+              <a:rPr lang="en-US" sz="2200">
+                <a:latin typeface="LM Sans 10" panose="00000500000000000000" pitchFamily="50" charset="0"/>
+              </a:rPr>
+              <a:t>Lecture 4: </a:t>
+            </a:r>
+            <a:r>
               <a:rPr lang="en-US" sz="2200" dirty="0">
                 <a:latin typeface="LM Sans 10" panose="00000500000000000000" pitchFamily="50" charset="0"/>
               </a:rPr>
-              <a:t>Lecture 13: Linear algebra and matrices</a:t>
+              <a:t>Linear algebra and matrices</a:t>
             </a:r>
             <a:endParaRPr lang="uk-UA" sz="2200" dirty="0">
               <a:latin typeface="+mj-lt"/>
@@ -8932,8 +8938,8 @@
           </a:prstGeom>
         </p:spPr>
       </p:pic>
-      <mc:AlternateContent xmlns:mc="http://schemas.openxmlformats.org/markup-compatibility/2006">
-        <mc:Choice xmlns:a14="http://schemas.microsoft.com/office/drawing/2010/main" Requires="a14">
+      <mc:AlternateContent xmlns:mc="http://schemas.openxmlformats.org/markup-compatibility/2006" xmlns:a14="http://schemas.microsoft.com/office/drawing/2010/main">
+        <mc:Choice Requires="a14">
           <p:sp>
             <p:nvSpPr>
               <p:cNvPr id="11" name="Rectangle 10">
@@ -8991,7 +8997,7 @@
             </p:txBody>
           </p:sp>
         </mc:Choice>
-        <mc:Fallback>
+        <mc:Fallback xmlns="">
           <p:sp>
             <p:nvSpPr>
               <p:cNvPr id="11" name="Rectangle 10">
@@ -9036,8 +9042,8 @@
           </p:sp>
         </mc:Fallback>
       </mc:AlternateContent>
-      <mc:AlternateContent xmlns:mc="http://schemas.openxmlformats.org/markup-compatibility/2006">
-        <mc:Choice xmlns:a14="http://schemas.microsoft.com/office/drawing/2010/main" Requires="a14">
+      <mc:AlternateContent xmlns:mc="http://schemas.openxmlformats.org/markup-compatibility/2006" xmlns:a14="http://schemas.microsoft.com/office/drawing/2010/main">
+        <mc:Choice Requires="a14">
           <p:sp>
             <p:nvSpPr>
               <p:cNvPr id="12" name="Rectangle 11">
@@ -9181,7 +9187,7 @@
             </p:txBody>
           </p:sp>
         </mc:Choice>
-        <mc:Fallback>
+        <mc:Fallback xmlns="">
           <p:sp>
             <p:nvSpPr>
               <p:cNvPr id="12" name="Rectangle 11">

--- a/slides/Lecture4-01-23-25-LinearAlgebra.pptx
+++ b/slides/Lecture4-01-23-25-LinearAlgebra.pptx
@@ -5,32 +5,33 @@
     <p:sldMasterId id="2147483660" r:id="rId1"/>
   </p:sldMasterIdLst>
   <p:notesMasterIdLst>
-    <p:notesMasterId r:id="rId25"/>
+    <p:notesMasterId r:id="rId26"/>
   </p:notesMasterIdLst>
   <p:sldIdLst>
     <p:sldId id="259" r:id="rId2"/>
     <p:sldId id="972" r:id="rId3"/>
-    <p:sldId id="973" r:id="rId4"/>
-    <p:sldId id="974" r:id="rId5"/>
-    <p:sldId id="975" r:id="rId6"/>
-    <p:sldId id="977" r:id="rId7"/>
-    <p:sldId id="976" r:id="rId8"/>
-    <p:sldId id="978" r:id="rId9"/>
-    <p:sldId id="979" r:id="rId10"/>
-    <p:sldId id="991" r:id="rId11"/>
-    <p:sldId id="980" r:id="rId12"/>
-    <p:sldId id="981" r:id="rId13"/>
-    <p:sldId id="982" r:id="rId14"/>
-    <p:sldId id="992" r:id="rId15"/>
-    <p:sldId id="983" r:id="rId16"/>
-    <p:sldId id="984" r:id="rId17"/>
-    <p:sldId id="985" r:id="rId18"/>
-    <p:sldId id="993" r:id="rId19"/>
-    <p:sldId id="986" r:id="rId20"/>
-    <p:sldId id="987" r:id="rId21"/>
-    <p:sldId id="988" r:id="rId22"/>
-    <p:sldId id="989" r:id="rId23"/>
-    <p:sldId id="990" r:id="rId24"/>
+    <p:sldId id="994" r:id="rId4"/>
+    <p:sldId id="973" r:id="rId5"/>
+    <p:sldId id="974" r:id="rId6"/>
+    <p:sldId id="975" r:id="rId7"/>
+    <p:sldId id="977" r:id="rId8"/>
+    <p:sldId id="976" r:id="rId9"/>
+    <p:sldId id="978" r:id="rId10"/>
+    <p:sldId id="979" r:id="rId11"/>
+    <p:sldId id="991" r:id="rId12"/>
+    <p:sldId id="980" r:id="rId13"/>
+    <p:sldId id="981" r:id="rId14"/>
+    <p:sldId id="982" r:id="rId15"/>
+    <p:sldId id="992" r:id="rId16"/>
+    <p:sldId id="983" r:id="rId17"/>
+    <p:sldId id="984" r:id="rId18"/>
+    <p:sldId id="985" r:id="rId19"/>
+    <p:sldId id="993" r:id="rId20"/>
+    <p:sldId id="986" r:id="rId21"/>
+    <p:sldId id="987" r:id="rId22"/>
+    <p:sldId id="988" r:id="rId23"/>
+    <p:sldId id="989" r:id="rId24"/>
+    <p:sldId id="990" r:id="rId25"/>
   </p:sldIdLst>
   <p:sldSz cx="12192000" cy="6858000"/>
   <p:notesSz cx="7102475" cy="10234613"/>
@@ -136,6 +137,7 @@
           <p14:sldIdLst>
             <p14:sldId id="259"/>
             <p14:sldId id="972"/>
+            <p14:sldId id="994"/>
             <p14:sldId id="973"/>
             <p14:sldId id="974"/>
             <p14:sldId id="975"/>
@@ -269,7 +271,7 @@
           <a:p>
             <a:fld id="{961AF02B-09B0-4980-983D-27C0EDB561B5}" type="datetimeFigureOut">
               <a:rPr lang="uk-UA" smtClean="0"/>
-              <a:t>23.01.25</a:t>
+              <a:t>28.01.25</a:t>
             </a:fld>
             <a:endParaRPr lang="uk-UA"/>
           </a:p>
@@ -695,7 +697,7 @@
     </p:spTree>
     <p:extLst>
       <p:ext uri="{BB962C8B-B14F-4D97-AF65-F5344CB8AC3E}">
-        <p14:creationId xmlns:p14="http://schemas.microsoft.com/office/powerpoint/2010/main" val="4279797357"/>
+        <p14:creationId xmlns:p14="http://schemas.microsoft.com/office/powerpoint/2010/main" val="1931242455"/>
       </p:ext>
     </p:extLst>
   </p:cSld>
@@ -779,7 +781,7 @@
     </p:spTree>
     <p:extLst>
       <p:ext uri="{BB962C8B-B14F-4D97-AF65-F5344CB8AC3E}">
-        <p14:creationId xmlns:p14="http://schemas.microsoft.com/office/powerpoint/2010/main" val="2898168999"/>
+        <p14:creationId xmlns:p14="http://schemas.microsoft.com/office/powerpoint/2010/main" val="4279797357"/>
       </p:ext>
     </p:extLst>
   </p:cSld>
@@ -863,7 +865,7 @@
     </p:spTree>
     <p:extLst>
       <p:ext uri="{BB962C8B-B14F-4D97-AF65-F5344CB8AC3E}">
-        <p14:creationId xmlns:p14="http://schemas.microsoft.com/office/powerpoint/2010/main" val="17149144"/>
+        <p14:creationId xmlns:p14="http://schemas.microsoft.com/office/powerpoint/2010/main" val="2898168999"/>
       </p:ext>
     </p:extLst>
   </p:cSld>
@@ -947,7 +949,7 @@
     </p:spTree>
     <p:extLst>
       <p:ext uri="{BB962C8B-B14F-4D97-AF65-F5344CB8AC3E}">
-        <p14:creationId xmlns:p14="http://schemas.microsoft.com/office/powerpoint/2010/main" val="2905680175"/>
+        <p14:creationId xmlns:p14="http://schemas.microsoft.com/office/powerpoint/2010/main" val="17149144"/>
       </p:ext>
     </p:extLst>
   </p:cSld>
@@ -1031,7 +1033,7 @@
     </p:spTree>
     <p:extLst>
       <p:ext uri="{BB962C8B-B14F-4D97-AF65-F5344CB8AC3E}">
-        <p14:creationId xmlns:p14="http://schemas.microsoft.com/office/powerpoint/2010/main" val="2681465472"/>
+        <p14:creationId xmlns:p14="http://schemas.microsoft.com/office/powerpoint/2010/main" val="2905680175"/>
       </p:ext>
     </p:extLst>
   </p:cSld>
@@ -1115,7 +1117,7 @@
     </p:spTree>
     <p:extLst>
       <p:ext uri="{BB962C8B-B14F-4D97-AF65-F5344CB8AC3E}">
-        <p14:creationId xmlns:p14="http://schemas.microsoft.com/office/powerpoint/2010/main" val="1649414225"/>
+        <p14:creationId xmlns:p14="http://schemas.microsoft.com/office/powerpoint/2010/main" val="2681465472"/>
       </p:ext>
     </p:extLst>
   </p:cSld>
@@ -1199,7 +1201,7 @@
     </p:spTree>
     <p:extLst>
       <p:ext uri="{BB962C8B-B14F-4D97-AF65-F5344CB8AC3E}">
-        <p14:creationId xmlns:p14="http://schemas.microsoft.com/office/powerpoint/2010/main" val="2317751694"/>
+        <p14:creationId xmlns:p14="http://schemas.microsoft.com/office/powerpoint/2010/main" val="1649414225"/>
       </p:ext>
     </p:extLst>
   </p:cSld>
@@ -1283,7 +1285,7 @@
     </p:spTree>
     <p:extLst>
       <p:ext uri="{BB962C8B-B14F-4D97-AF65-F5344CB8AC3E}">
-        <p14:creationId xmlns:p14="http://schemas.microsoft.com/office/powerpoint/2010/main" val="2339976183"/>
+        <p14:creationId xmlns:p14="http://schemas.microsoft.com/office/powerpoint/2010/main" val="2317751694"/>
       </p:ext>
     </p:extLst>
   </p:cSld>
@@ -1367,7 +1369,7 @@
     </p:spTree>
     <p:extLst>
       <p:ext uri="{BB962C8B-B14F-4D97-AF65-F5344CB8AC3E}">
-        <p14:creationId xmlns:p14="http://schemas.microsoft.com/office/powerpoint/2010/main" val="3398394379"/>
+        <p14:creationId xmlns:p14="http://schemas.microsoft.com/office/powerpoint/2010/main" val="2339976183"/>
       </p:ext>
     </p:extLst>
   </p:cSld>
@@ -1451,7 +1453,7 @@
     </p:spTree>
     <p:extLst>
       <p:ext uri="{BB962C8B-B14F-4D97-AF65-F5344CB8AC3E}">
-        <p14:creationId xmlns:p14="http://schemas.microsoft.com/office/powerpoint/2010/main" val="3047226100"/>
+        <p14:creationId xmlns:p14="http://schemas.microsoft.com/office/powerpoint/2010/main" val="3398394379"/>
       </p:ext>
     </p:extLst>
   </p:cSld>
@@ -1619,7 +1621,7 @@
     </p:spTree>
     <p:extLst>
       <p:ext uri="{BB962C8B-B14F-4D97-AF65-F5344CB8AC3E}">
-        <p14:creationId xmlns:p14="http://schemas.microsoft.com/office/powerpoint/2010/main" val="2988225417"/>
+        <p14:creationId xmlns:p14="http://schemas.microsoft.com/office/powerpoint/2010/main" val="3047226100"/>
       </p:ext>
     </p:extLst>
   </p:cSld>
@@ -1703,7 +1705,7 @@
     </p:spTree>
     <p:extLst>
       <p:ext uri="{BB962C8B-B14F-4D97-AF65-F5344CB8AC3E}">
-        <p14:creationId xmlns:p14="http://schemas.microsoft.com/office/powerpoint/2010/main" val="2559758727"/>
+        <p14:creationId xmlns:p14="http://schemas.microsoft.com/office/powerpoint/2010/main" val="2988225417"/>
       </p:ext>
     </p:extLst>
   </p:cSld>
@@ -1787,7 +1789,7 @@
     </p:spTree>
     <p:extLst>
       <p:ext uri="{BB962C8B-B14F-4D97-AF65-F5344CB8AC3E}">
-        <p14:creationId xmlns:p14="http://schemas.microsoft.com/office/powerpoint/2010/main" val="1672443288"/>
+        <p14:creationId xmlns:p14="http://schemas.microsoft.com/office/powerpoint/2010/main" val="2559758727"/>
       </p:ext>
     </p:extLst>
   </p:cSld>
@@ -1871,7 +1873,7 @@
     </p:spTree>
     <p:extLst>
       <p:ext uri="{BB962C8B-B14F-4D97-AF65-F5344CB8AC3E}">
-        <p14:creationId xmlns:p14="http://schemas.microsoft.com/office/powerpoint/2010/main" val="1443763794"/>
+        <p14:creationId xmlns:p14="http://schemas.microsoft.com/office/powerpoint/2010/main" val="1672443288"/>
       </p:ext>
     </p:extLst>
   </p:cSld>
@@ -1881,7 +1883,7 @@
 </p:notes>
 </file>
 
-<file path=ppt/notesSlides/notesSlide3.xml><?xml version="1.0" encoding="utf-8"?>
+<file path=ppt/notesSlides/notesSlide24.xml><?xml version="1.0" encoding="utf-8"?>
 <p:notes xmlns:a="http://schemas.openxmlformats.org/drawingml/2006/main" xmlns:r="http://schemas.openxmlformats.org/officeDocument/2006/relationships" xmlns:p="http://schemas.openxmlformats.org/presentationml/2006/main">
   <p:cSld>
     <p:spTree>
@@ -1946,6 +1948,114 @@
           <a:p>
             <a:fld id="{2F0C5EC2-2CF5-460B-AE73-90022B24A426}" type="slidenum">
               <a:rPr lang="uk-UA" smtClean="0"/>
+              <a:t>24</a:t>
+            </a:fld>
+            <a:endParaRPr lang="uk-UA"/>
+          </a:p>
+        </p:txBody>
+      </p:sp>
+    </p:spTree>
+    <p:extLst>
+      <p:ext uri="{BB962C8B-B14F-4D97-AF65-F5344CB8AC3E}">
+        <p14:creationId xmlns:p14="http://schemas.microsoft.com/office/powerpoint/2010/main" val="1443763794"/>
+      </p:ext>
+    </p:extLst>
+  </p:cSld>
+  <p:clrMapOvr>
+    <a:masterClrMapping/>
+  </p:clrMapOvr>
+</p:notes>
+</file>
+
+<file path=ppt/notesSlides/notesSlide3.xml><?xml version="1.0" encoding="utf-8"?>
+<p:notes xmlns:a="http://schemas.openxmlformats.org/drawingml/2006/main" xmlns:r="http://schemas.openxmlformats.org/officeDocument/2006/relationships" xmlns:p="http://schemas.openxmlformats.org/presentationml/2006/main">
+  <p:cSld>
+    <p:spTree>
+      <p:nvGrpSpPr>
+        <p:cNvPr id="1" name="">
+          <a:extLst>
+            <a:ext uri="{FF2B5EF4-FFF2-40B4-BE49-F238E27FC236}">
+              <a16:creationId xmlns:a16="http://schemas.microsoft.com/office/drawing/2014/main" id="{BB03FACC-455E-3FD6-A8E3-BD2427B1D05E}"/>
+            </a:ext>
+          </a:extLst>
+        </p:cNvPr>
+        <p:cNvGrpSpPr/>
+        <p:nvPr/>
+      </p:nvGrpSpPr>
+      <p:grpSpPr>
+        <a:xfrm>
+          <a:off x="0" y="0"/>
+          <a:ext cx="0" cy="0"/>
+          <a:chOff x="0" y="0"/>
+          <a:chExt cx="0" cy="0"/>
+        </a:xfrm>
+      </p:grpSpPr>
+      <p:sp>
+        <p:nvSpPr>
+          <p:cNvPr id="2" name="Slide Image Placeholder 1">
+            <a:extLst>
+              <a:ext uri="{FF2B5EF4-FFF2-40B4-BE49-F238E27FC236}">
+                <a16:creationId xmlns:a16="http://schemas.microsoft.com/office/drawing/2014/main" id="{E063D8A7-BA65-5B57-CA78-82388BF2C453}"/>
+              </a:ext>
+            </a:extLst>
+          </p:cNvPr>
+          <p:cNvSpPr>
+            <a:spLocks noGrp="1" noRot="1" noChangeAspect="1"/>
+          </p:cNvSpPr>
+          <p:nvPr>
+            <p:ph type="sldImg"/>
+          </p:nvPr>
+        </p:nvSpPr>
+        <p:spPr/>
+      </p:sp>
+      <p:sp>
+        <p:nvSpPr>
+          <p:cNvPr id="3" name="Notes Placeholder 2">
+            <a:extLst>
+              <a:ext uri="{FF2B5EF4-FFF2-40B4-BE49-F238E27FC236}">
+                <a16:creationId xmlns:a16="http://schemas.microsoft.com/office/drawing/2014/main" id="{4D3A26C7-718E-06E0-8BEF-4E9E5DD9F3E9}"/>
+              </a:ext>
+            </a:extLst>
+          </p:cNvPr>
+          <p:cNvSpPr>
+            <a:spLocks noGrp="1"/>
+          </p:cNvSpPr>
+          <p:nvPr>
+            <p:ph type="body" idx="1"/>
+          </p:nvPr>
+        </p:nvSpPr>
+        <p:spPr/>
+        <p:txBody>
+          <a:bodyPr/>
+          <a:lstStyle/>
+          <a:p>
+            <a:endParaRPr lang="en-US" dirty="0"/>
+          </a:p>
+        </p:txBody>
+      </p:sp>
+      <p:sp>
+        <p:nvSpPr>
+          <p:cNvPr id="4" name="Slide Number Placeholder 3">
+            <a:extLst>
+              <a:ext uri="{FF2B5EF4-FFF2-40B4-BE49-F238E27FC236}">
+                <a16:creationId xmlns:a16="http://schemas.microsoft.com/office/drawing/2014/main" id="{FE9D2BAB-B255-D5A6-C64F-1751B40693D2}"/>
+              </a:ext>
+            </a:extLst>
+          </p:cNvPr>
+          <p:cNvSpPr>
+            <a:spLocks noGrp="1"/>
+          </p:cNvSpPr>
+          <p:nvPr>
+            <p:ph type="sldNum" sz="quarter" idx="5"/>
+          </p:nvPr>
+        </p:nvSpPr>
+        <p:spPr/>
+        <p:txBody>
+          <a:bodyPr/>
+          <a:lstStyle/>
+          <a:p>
+            <a:fld id="{2F0C5EC2-2CF5-460B-AE73-90022B24A426}" type="slidenum">
+              <a:rPr lang="uk-UA" smtClean="0"/>
               <a:t>3</a:t>
             </a:fld>
             <a:endParaRPr lang="uk-UA"/>
@@ -1955,7 +2065,7 @@
     </p:spTree>
     <p:extLst>
       <p:ext uri="{BB962C8B-B14F-4D97-AF65-F5344CB8AC3E}">
-        <p14:creationId xmlns:p14="http://schemas.microsoft.com/office/powerpoint/2010/main" val="2384968038"/>
+        <p14:creationId xmlns:p14="http://schemas.microsoft.com/office/powerpoint/2010/main" val="173100662"/>
       </p:ext>
     </p:extLst>
   </p:cSld>
@@ -2039,7 +2149,7 @@
     </p:spTree>
     <p:extLst>
       <p:ext uri="{BB962C8B-B14F-4D97-AF65-F5344CB8AC3E}">
-        <p14:creationId xmlns:p14="http://schemas.microsoft.com/office/powerpoint/2010/main" val="686789929"/>
+        <p14:creationId xmlns:p14="http://schemas.microsoft.com/office/powerpoint/2010/main" val="2384968038"/>
       </p:ext>
     </p:extLst>
   </p:cSld>
@@ -2123,7 +2233,7 @@
     </p:spTree>
     <p:extLst>
       <p:ext uri="{BB962C8B-B14F-4D97-AF65-F5344CB8AC3E}">
-        <p14:creationId xmlns:p14="http://schemas.microsoft.com/office/powerpoint/2010/main" val="1076976229"/>
+        <p14:creationId xmlns:p14="http://schemas.microsoft.com/office/powerpoint/2010/main" val="686789929"/>
       </p:ext>
     </p:extLst>
   </p:cSld>
@@ -2207,7 +2317,7 @@
     </p:spTree>
     <p:extLst>
       <p:ext uri="{BB962C8B-B14F-4D97-AF65-F5344CB8AC3E}">
-        <p14:creationId xmlns:p14="http://schemas.microsoft.com/office/powerpoint/2010/main" val="698151550"/>
+        <p14:creationId xmlns:p14="http://schemas.microsoft.com/office/powerpoint/2010/main" val="1076976229"/>
       </p:ext>
     </p:extLst>
   </p:cSld>
@@ -2291,7 +2401,7 @@
     </p:spTree>
     <p:extLst>
       <p:ext uri="{BB962C8B-B14F-4D97-AF65-F5344CB8AC3E}">
-        <p14:creationId xmlns:p14="http://schemas.microsoft.com/office/powerpoint/2010/main" val="4238634204"/>
+        <p14:creationId xmlns:p14="http://schemas.microsoft.com/office/powerpoint/2010/main" val="698151550"/>
       </p:ext>
     </p:extLst>
   </p:cSld>
@@ -2375,7 +2485,7 @@
     </p:spTree>
     <p:extLst>
       <p:ext uri="{BB962C8B-B14F-4D97-AF65-F5344CB8AC3E}">
-        <p14:creationId xmlns:p14="http://schemas.microsoft.com/office/powerpoint/2010/main" val="2733144064"/>
+        <p14:creationId xmlns:p14="http://schemas.microsoft.com/office/powerpoint/2010/main" val="4238634204"/>
       </p:ext>
     </p:extLst>
   </p:cSld>
@@ -2459,7 +2569,7 @@
     </p:spTree>
     <p:extLst>
       <p:ext uri="{BB962C8B-B14F-4D97-AF65-F5344CB8AC3E}">
-        <p14:creationId xmlns:p14="http://schemas.microsoft.com/office/powerpoint/2010/main" val="1931242455"/>
+        <p14:creationId xmlns:p14="http://schemas.microsoft.com/office/powerpoint/2010/main" val="2733144064"/>
       </p:ext>
     </p:extLst>
   </p:cSld>
@@ -6051,16 +6161,10 @@
           <a:lstStyle/>
           <a:p>
             <a:r>
-              <a:rPr lang="en-US" sz="2200">
-                <a:latin typeface="LM Sans 10" panose="00000500000000000000" pitchFamily="50" charset="0"/>
-              </a:rPr>
-              <a:t>Lecture 4: </a:t>
-            </a:r>
-            <a:r>
               <a:rPr lang="en-US" sz="2200" dirty="0">
                 <a:latin typeface="LM Sans 10" panose="00000500000000000000" pitchFamily="50" charset="0"/>
               </a:rPr>
-              <a:t>Linear algebra and matrices</a:t>
+              <a:t>Lecture 4: Linear algebra and matrices</a:t>
             </a:r>
             <a:endParaRPr lang="uk-UA" sz="2200" dirty="0">
               <a:latin typeface="+mj-lt"/>
@@ -6100,7 +6204,7 @@
               <a:rPr lang="en-US" dirty="0">
                 <a:latin typeface="LM Sans 10" panose="00000500000000000000" pitchFamily="50" charset="0"/>
               </a:rPr>
-              <a:t>January 23, 2025</a:t>
+              <a:t>January 28, 2025</a:t>
             </a:r>
             <a:endParaRPr lang="uk-UA" dirty="0"/>
           </a:p>
@@ -6390,40 +6494,10 @@
           </a:prstGeom>
         </p:spPr>
       </p:pic>
-      <p:pic>
-        <p:nvPicPr>
-          <p:cNvPr id="10" name="Picture 9">
-            <a:extLst>
-              <a:ext uri="{FF2B5EF4-FFF2-40B4-BE49-F238E27FC236}">
-                <a16:creationId xmlns:a16="http://schemas.microsoft.com/office/drawing/2014/main" id="{297F39E5-CDDF-0338-E76B-E6342E10B045}"/>
-              </a:ext>
-            </a:extLst>
-          </p:cNvPr>
-          <p:cNvPicPr>
-            <a:picLocks noChangeAspect="1"/>
-          </p:cNvPicPr>
-          <p:nvPr/>
-        </p:nvPicPr>
-        <p:blipFill>
-          <a:blip r:embed="rId4"/>
-          <a:stretch>
-            <a:fillRect/>
-          </a:stretch>
-        </p:blipFill>
-        <p:spPr>
-          <a:xfrm>
-            <a:off x="7686492" y="2335324"/>
-            <a:ext cx="3811222" cy="2928134"/>
-          </a:xfrm>
-          <a:prstGeom prst="rect">
-            <a:avLst/>
-          </a:prstGeom>
-        </p:spPr>
-      </p:pic>
     </p:spTree>
     <p:extLst>
       <p:ext uri="{BB962C8B-B14F-4D97-AF65-F5344CB8AC3E}">
-        <p14:creationId xmlns:p14="http://schemas.microsoft.com/office/powerpoint/2010/main" val="2666803348"/>
+        <p14:creationId xmlns:p14="http://schemas.microsoft.com/office/powerpoint/2010/main" val="2499898874"/>
       </p:ext>
     </p:extLst>
   </p:cSld>
@@ -6475,7 +6549,7 @@
               <a:rPr lang="en-US" dirty="0">
                 <a:latin typeface="LM Sans 10" panose="00000500000000000000" pitchFamily="50" charset="0"/>
               </a:rPr>
-              <a:t>Gaussian elimination: Zero diagonal elements</a:t>
+              <a:t>Gaussian elimination: Implementation</a:t>
             </a:r>
             <a:endParaRPr lang="uk-UA" dirty="0"/>
           </a:p>
@@ -6503,57 +6577,15 @@
           <a:lstStyle/>
           <a:p>
             <a:endParaRPr lang="en-US"/>
-          </a:p>
-        </p:txBody>
-      </p:sp>
-      <p:sp>
-        <p:nvSpPr>
-          <p:cNvPr id="3" name="Rectangle 2">
-            <a:extLst>
-              <a:ext uri="{FF2B5EF4-FFF2-40B4-BE49-F238E27FC236}">
-                <a16:creationId xmlns:a16="http://schemas.microsoft.com/office/drawing/2014/main" id="{7FE9B406-20B0-9059-272C-886E905D5F73}"/>
-              </a:ext>
-            </a:extLst>
-          </p:cNvPr>
-          <p:cNvSpPr/>
-          <p:nvPr/>
-        </p:nvSpPr>
-        <p:spPr>
-          <a:xfrm>
-            <a:off x="767979" y="1236198"/>
-            <a:ext cx="9736248" cy="707886"/>
-          </a:xfrm>
-          <a:prstGeom prst="rect">
-            <a:avLst/>
-          </a:prstGeom>
-        </p:spPr>
-        <p:txBody>
-          <a:bodyPr wrap="square">
-            <a:spAutoFit/>
-          </a:bodyPr>
-          <a:lstStyle/>
-          <a:p>
-            <a:pPr algn="just">
-              <a:spcAft>
-                <a:spcPts val="600"/>
-              </a:spcAft>
-              <a:buClr>
-                <a:srgbClr val="0808FF"/>
-              </a:buClr>
-            </a:pPr>
-            <a:r>
-              <a:rPr lang="en-US" sz="2000" dirty="0"/>
-              <a:t>The trivial implementation of Gaussian elimination will fail if any of the diagonal elements becomes equal to zero in the process of solving</a:t>
-            </a:r>
           </a:p>
         </p:txBody>
       </p:sp>
       <p:pic>
         <p:nvPicPr>
-          <p:cNvPr id="6" name="Picture 5">
-            <a:extLst>
-              <a:ext uri="{FF2B5EF4-FFF2-40B4-BE49-F238E27FC236}">
-                <a16:creationId xmlns:a16="http://schemas.microsoft.com/office/drawing/2014/main" id="{5A379478-682D-6E3D-8FB8-3C54AB0B34B6}"/>
+          <p:cNvPr id="5" name="Picture 4">
+            <a:extLst>
+              <a:ext uri="{FF2B5EF4-FFF2-40B4-BE49-F238E27FC236}">
+                <a16:creationId xmlns:a16="http://schemas.microsoft.com/office/drawing/2014/main" id="{BEA058B3-ACD7-3F18-71D1-2DB1CD08CB3F}"/>
               </a:ext>
             </a:extLst>
           </p:cNvPr>
@@ -6570,62 +6602,20 @@
         </p:blipFill>
         <p:spPr>
           <a:xfrm>
-            <a:off x="4740917" y="2650394"/>
-            <a:ext cx="2437458" cy="903356"/>
+            <a:off x="621767" y="1561921"/>
+            <a:ext cx="6523426" cy="4474940"/>
           </a:xfrm>
           <a:prstGeom prst="rect">
             <a:avLst/>
           </a:prstGeom>
         </p:spPr>
       </p:pic>
-      <p:sp>
-        <p:nvSpPr>
-          <p:cNvPr id="7" name="Rectangle 6">
-            <a:extLst>
-              <a:ext uri="{FF2B5EF4-FFF2-40B4-BE49-F238E27FC236}">
-                <a16:creationId xmlns:a16="http://schemas.microsoft.com/office/drawing/2014/main" id="{7CAA047F-E11F-886D-C436-5C44DEAAF54B}"/>
-              </a:ext>
-            </a:extLst>
-          </p:cNvPr>
-          <p:cNvSpPr/>
-          <p:nvPr/>
-        </p:nvSpPr>
-        <p:spPr>
-          <a:xfrm>
-            <a:off x="767979" y="2250284"/>
-            <a:ext cx="1679520" cy="400110"/>
-          </a:xfrm>
-          <a:prstGeom prst="rect">
-            <a:avLst/>
-          </a:prstGeom>
-        </p:spPr>
-        <p:txBody>
-          <a:bodyPr wrap="square">
-            <a:spAutoFit/>
-          </a:bodyPr>
-          <a:lstStyle/>
-          <a:p>
-            <a:pPr algn="just">
-              <a:spcAft>
-                <a:spcPts val="600"/>
-              </a:spcAft>
-              <a:buClr>
-                <a:srgbClr val="0808FF"/>
-              </a:buClr>
-            </a:pPr>
-            <a:r>
-              <a:rPr lang="en-US" sz="2000" dirty="0"/>
-              <a:t>For example:</a:t>
-            </a:r>
-          </a:p>
-        </p:txBody>
-      </p:sp>
       <p:pic>
         <p:nvPicPr>
-          <p:cNvPr id="8" name="Picture 7">
-            <a:extLst>
-              <a:ext uri="{FF2B5EF4-FFF2-40B4-BE49-F238E27FC236}">
-                <a16:creationId xmlns:a16="http://schemas.microsoft.com/office/drawing/2014/main" id="{2F94120C-87E2-05DB-C382-F57EDAF5778A}"/>
+          <p:cNvPr id="10" name="Picture 9">
+            <a:extLst>
+              <a:ext uri="{FF2B5EF4-FFF2-40B4-BE49-F238E27FC236}">
+                <a16:creationId xmlns:a16="http://schemas.microsoft.com/office/drawing/2014/main" id="{297F39E5-CDDF-0338-E76B-E6342E10B045}"/>
               </a:ext>
             </a:extLst>
           </p:cNvPr>
@@ -6642,8 +6632,8 @@
         </p:blipFill>
         <p:spPr>
           <a:xfrm>
-            <a:off x="2536315" y="3845049"/>
-            <a:ext cx="6199576" cy="1856063"/>
+            <a:off x="7686492" y="2335324"/>
+            <a:ext cx="3811222" cy="2928134"/>
           </a:xfrm>
           <a:prstGeom prst="rect">
             <a:avLst/>
@@ -6653,7 +6643,7 @@
     </p:spTree>
     <p:extLst>
       <p:ext uri="{BB962C8B-B14F-4D97-AF65-F5344CB8AC3E}">
-        <p14:creationId xmlns:p14="http://schemas.microsoft.com/office/powerpoint/2010/main" val="3096999856"/>
+        <p14:creationId xmlns:p14="http://schemas.microsoft.com/office/powerpoint/2010/main" val="2666803348"/>
       </p:ext>
     </p:extLst>
   </p:cSld>
@@ -6705,7 +6695,7 @@
               <a:rPr lang="en-US" dirty="0">
                 <a:latin typeface="LM Sans 10" panose="00000500000000000000" pitchFamily="50" charset="0"/>
               </a:rPr>
-              <a:t>Gaussian elimination: Pivoting</a:t>
+              <a:t>Gaussian elimination: Zero diagonal elements</a:t>
             </a:r>
             <a:endParaRPr lang="uk-UA" dirty="0"/>
           </a:p>
@@ -6750,8 +6740,8 @@
         </p:nvSpPr>
         <p:spPr>
           <a:xfrm>
-            <a:off x="670008" y="2967645"/>
-            <a:ext cx="9736248" cy="400110"/>
+            <a:off x="767979" y="1236198"/>
+            <a:ext cx="9736248" cy="707886"/>
           </a:xfrm>
           <a:prstGeom prst="rect">
             <a:avLst/>
@@ -6773,15 +6763,7 @@
             </a:pPr>
             <a:r>
               <a:rPr lang="en-US" sz="2000" dirty="0"/>
-              <a:t>This is called </a:t>
-            </a:r>
-            <a:r>
-              <a:rPr lang="en-US" sz="2000" i="1" dirty="0"/>
-              <a:t>pivoting</a:t>
-            </a:r>
-            <a:r>
-              <a:rPr lang="en-US" sz="2000" dirty="0"/>
-              <a:t>, which does not change the solution</a:t>
+              <a:t>The trivial implementation of Gaussian elimination will fail if any of the diagonal elements becomes equal to zero in the process of solving</a:t>
             </a:r>
           </a:p>
         </p:txBody>
@@ -6808,8 +6790,8 @@
         </p:blipFill>
         <p:spPr>
           <a:xfrm>
-            <a:off x="2438345" y="1778636"/>
-            <a:ext cx="2428403" cy="900000"/>
+            <a:off x="4740917" y="2650394"/>
+            <a:ext cx="2437458" cy="903356"/>
           </a:xfrm>
           <a:prstGeom prst="rect">
             <a:avLst/>
@@ -6830,8 +6812,8 @@
         </p:nvSpPr>
         <p:spPr>
           <a:xfrm>
-            <a:off x="670008" y="1212897"/>
-            <a:ext cx="8847218" cy="400110"/>
+            <a:off x="767979" y="2250284"/>
+            <a:ext cx="1679520" cy="400110"/>
           </a:xfrm>
           <a:prstGeom prst="rect">
             <a:avLst/>
@@ -6853,17 +6835,17 @@
             </a:pPr>
             <a:r>
               <a:rPr lang="en-US" sz="2000" dirty="0"/>
-              <a:t>We can simply exchange rows 1 &amp; 2 and avoid the vanishing diagonal element </a:t>
+              <a:t>For example:</a:t>
             </a:r>
           </a:p>
         </p:txBody>
       </p:sp>
       <p:pic>
         <p:nvPicPr>
-          <p:cNvPr id="5" name="Picture 4">
-            <a:extLst>
-              <a:ext uri="{FF2B5EF4-FFF2-40B4-BE49-F238E27FC236}">
-                <a16:creationId xmlns:a16="http://schemas.microsoft.com/office/drawing/2014/main" id="{7B714D8C-222C-77AA-C001-6FB2B2706743}"/>
+          <p:cNvPr id="8" name="Picture 7">
+            <a:extLst>
+              <a:ext uri="{FF2B5EF4-FFF2-40B4-BE49-F238E27FC236}">
+                <a16:creationId xmlns:a16="http://schemas.microsoft.com/office/drawing/2014/main" id="{2F94120C-87E2-05DB-C382-F57EDAF5778A}"/>
               </a:ext>
             </a:extLst>
           </p:cNvPr>
@@ -6880,210 +6862,18 @@
         </p:blipFill>
         <p:spPr>
           <a:xfrm>
-            <a:off x="6063345" y="1778636"/>
-            <a:ext cx="2516667" cy="900000"/>
+            <a:off x="2536315" y="3845049"/>
+            <a:ext cx="6199576" cy="1856063"/>
           </a:xfrm>
           <a:prstGeom prst="rect">
             <a:avLst/>
           </a:prstGeom>
         </p:spPr>
       </p:pic>
-      <p:sp>
-        <p:nvSpPr>
-          <p:cNvPr id="9" name="Arrow: Right 8">
-            <a:extLst>
-              <a:ext uri="{FF2B5EF4-FFF2-40B4-BE49-F238E27FC236}">
-                <a16:creationId xmlns:a16="http://schemas.microsoft.com/office/drawing/2014/main" id="{356743C1-CFB0-1954-96A2-4B092F76478B}"/>
-              </a:ext>
-            </a:extLst>
-          </p:cNvPr>
-          <p:cNvSpPr/>
-          <p:nvPr/>
-        </p:nvSpPr>
-        <p:spPr>
-          <a:xfrm>
-            <a:off x="5209407" y="2102071"/>
-            <a:ext cx="549426" cy="253130"/>
-          </a:xfrm>
-          <a:prstGeom prst="rightArrow">
-            <a:avLst/>
-          </a:prstGeom>
-        </p:spPr>
-        <p:style>
-          <a:lnRef idx="2">
-            <a:schemeClr val="accent1">
-              <a:shade val="50000"/>
-            </a:schemeClr>
-          </a:lnRef>
-          <a:fillRef idx="1">
-            <a:schemeClr val="accent1"/>
-          </a:fillRef>
-          <a:effectRef idx="0">
-            <a:schemeClr val="accent1"/>
-          </a:effectRef>
-          <a:fontRef idx="minor">
-            <a:schemeClr val="lt1"/>
-          </a:fontRef>
-        </p:style>
-        <p:txBody>
-          <a:bodyPr rtlCol="0" anchor="ctr"/>
-          <a:lstStyle/>
-          <a:p>
-            <a:pPr algn="ctr"/>
-            <a:endParaRPr lang="en-US"/>
-          </a:p>
-        </p:txBody>
-      </p:sp>
-      <p:sp>
-        <p:nvSpPr>
-          <p:cNvPr id="10" name="Rectangle 9">
-            <a:extLst>
-              <a:ext uri="{FF2B5EF4-FFF2-40B4-BE49-F238E27FC236}">
-                <a16:creationId xmlns:a16="http://schemas.microsoft.com/office/drawing/2014/main" id="{96712B2A-6FD2-DE9D-9A83-CB3AAA3A41BF}"/>
-              </a:ext>
-            </a:extLst>
-          </p:cNvPr>
-          <p:cNvSpPr/>
-          <p:nvPr/>
-        </p:nvSpPr>
-        <p:spPr>
-          <a:xfrm>
-            <a:off x="670008" y="3592882"/>
-            <a:ext cx="9736248" cy="1015663"/>
-          </a:xfrm>
-          <a:prstGeom prst="rect">
-            <a:avLst/>
-          </a:prstGeom>
-        </p:spPr>
-        <p:txBody>
-          <a:bodyPr wrap="square">
-            <a:spAutoFit/>
-          </a:bodyPr>
-          <a:lstStyle/>
-          <a:p>
-            <a:pPr algn="just">
-              <a:spcAft>
-                <a:spcPts val="600"/>
-              </a:spcAft>
-              <a:buClr>
-                <a:srgbClr val="0808FF"/>
-              </a:buClr>
-            </a:pPr>
-            <a:r>
-              <a:rPr lang="en-US" sz="2000" dirty="0"/>
-              <a:t>The optimal choice of a pivot is the largest element in magnitude (minimizes the round-off error by avoiding division by small numbers). For numerical stability, pivoting should be performed even when there are no vanishing diagonal elements</a:t>
-            </a:r>
-          </a:p>
-        </p:txBody>
-      </p:sp>
-      <p:sp>
-        <p:nvSpPr>
-          <p:cNvPr id="11" name="Rectangle 10">
-            <a:extLst>
-              <a:ext uri="{FF2B5EF4-FFF2-40B4-BE49-F238E27FC236}">
-                <a16:creationId xmlns:a16="http://schemas.microsoft.com/office/drawing/2014/main" id="{2BBBA5A7-CB63-093B-E5C0-473B41CE4768}"/>
-              </a:ext>
-            </a:extLst>
-          </p:cNvPr>
-          <p:cNvSpPr/>
-          <p:nvPr/>
-        </p:nvSpPr>
-        <p:spPr>
-          <a:xfrm>
-            <a:off x="670008" y="5023576"/>
-            <a:ext cx="9736248" cy="400110"/>
-          </a:xfrm>
-          <a:prstGeom prst="rect">
-            <a:avLst/>
-          </a:prstGeom>
-        </p:spPr>
-        <p:txBody>
-          <a:bodyPr wrap="square">
-            <a:spAutoFit/>
-          </a:bodyPr>
-          <a:lstStyle/>
-          <a:p>
-            <a:pPr algn="just">
-              <a:spcAft>
-                <a:spcPts val="600"/>
-              </a:spcAft>
-              <a:buClr>
-                <a:srgbClr val="0808FF"/>
-              </a:buClr>
-            </a:pPr>
-            <a:r>
-              <a:rPr lang="en-US" sz="2000" i="1" dirty="0"/>
-              <a:t>Partial pivoting: </a:t>
-            </a:r>
-            <a:r>
-              <a:rPr lang="en-US" sz="2000" dirty="0"/>
-              <a:t>Exchange rows only </a:t>
-            </a:r>
-          </a:p>
-        </p:txBody>
-      </p:sp>
-      <p:sp>
-        <p:nvSpPr>
-          <p:cNvPr id="12" name="Rectangle 11">
-            <a:extLst>
-              <a:ext uri="{FF2B5EF4-FFF2-40B4-BE49-F238E27FC236}">
-                <a16:creationId xmlns:a16="http://schemas.microsoft.com/office/drawing/2014/main" id="{2D7EF07D-9B71-5A82-16F9-1AFE5A5668CB}"/>
-              </a:ext>
-            </a:extLst>
-          </p:cNvPr>
-          <p:cNvSpPr/>
-          <p:nvPr/>
-        </p:nvSpPr>
-        <p:spPr>
-          <a:xfrm>
-            <a:off x="670008" y="5645103"/>
-            <a:ext cx="9736248" cy="400110"/>
-          </a:xfrm>
-          <a:prstGeom prst="rect">
-            <a:avLst/>
-          </a:prstGeom>
-        </p:spPr>
-        <p:txBody>
-          <a:bodyPr wrap="square">
-            <a:spAutoFit/>
-          </a:bodyPr>
-          <a:lstStyle/>
-          <a:p>
-            <a:pPr algn="just">
-              <a:spcAft>
-                <a:spcPts val="600"/>
-              </a:spcAft>
-              <a:buClr>
-                <a:srgbClr val="0808FF"/>
-              </a:buClr>
-            </a:pPr>
-            <a:r>
-              <a:rPr lang="en-US" sz="2000" dirty="0"/>
-              <a:t>    </a:t>
-            </a:r>
-            <a:r>
-              <a:rPr lang="en-US" sz="2000" i="1" dirty="0"/>
-              <a:t>Full pivoting: </a:t>
-            </a:r>
-            <a:r>
-              <a:rPr lang="en-US" sz="2000" dirty="0"/>
-              <a:t>Exchange both rows and columns (the order of elements in </a:t>
-            </a:r>
-            <a:r>
-              <a:rPr lang="en-US" sz="2000" i="1" dirty="0"/>
-              <a:t>x</a:t>
-            </a:r>
-            <a:r>
-              <a:rPr lang="en-US" sz="2000" dirty="0"/>
-              <a:t> changes)</a:t>
-            </a:r>
-          </a:p>
-        </p:txBody>
-      </p:sp>
     </p:spTree>
     <p:extLst>
       <p:ext uri="{BB962C8B-B14F-4D97-AF65-F5344CB8AC3E}">
-        <p14:creationId xmlns:p14="http://schemas.microsoft.com/office/powerpoint/2010/main" val="4037719207"/>
+        <p14:creationId xmlns:p14="http://schemas.microsoft.com/office/powerpoint/2010/main" val="3096999856"/>
       </p:ext>
     </p:extLst>
   </p:cSld>
@@ -7135,7 +6925,7 @@
               <a:rPr lang="en-US" dirty="0">
                 <a:latin typeface="LM Sans 10" panose="00000500000000000000" pitchFamily="50" charset="0"/>
               </a:rPr>
-              <a:t>Partial pivoting implementation</a:t>
+              <a:t>Gaussian elimination: Pivoting</a:t>
             </a:r>
             <a:endParaRPr lang="uk-UA" dirty="0"/>
           </a:p>
@@ -7163,6 +6953,56 @@
           <a:lstStyle/>
           <a:p>
             <a:endParaRPr lang="en-US"/>
+          </a:p>
+        </p:txBody>
+      </p:sp>
+      <p:sp>
+        <p:nvSpPr>
+          <p:cNvPr id="3" name="Rectangle 2">
+            <a:extLst>
+              <a:ext uri="{FF2B5EF4-FFF2-40B4-BE49-F238E27FC236}">
+                <a16:creationId xmlns:a16="http://schemas.microsoft.com/office/drawing/2014/main" id="{7FE9B406-20B0-9059-272C-886E905D5F73}"/>
+              </a:ext>
+            </a:extLst>
+          </p:cNvPr>
+          <p:cNvSpPr/>
+          <p:nvPr/>
+        </p:nvSpPr>
+        <p:spPr>
+          <a:xfrm>
+            <a:off x="670008" y="2967645"/>
+            <a:ext cx="9736248" cy="400110"/>
+          </a:xfrm>
+          <a:prstGeom prst="rect">
+            <a:avLst/>
+          </a:prstGeom>
+        </p:spPr>
+        <p:txBody>
+          <a:bodyPr wrap="square">
+            <a:spAutoFit/>
+          </a:bodyPr>
+          <a:lstStyle/>
+          <a:p>
+            <a:pPr algn="just">
+              <a:spcAft>
+                <a:spcPts val="600"/>
+              </a:spcAft>
+              <a:buClr>
+                <a:srgbClr val="0808FF"/>
+              </a:buClr>
+            </a:pPr>
+            <a:r>
+              <a:rPr lang="en-US" sz="2000" dirty="0"/>
+              <a:t>This is called </a:t>
+            </a:r>
+            <a:r>
+              <a:rPr lang="en-US" sz="2000" b="1" i="1" dirty="0"/>
+              <a:t>pivoting</a:t>
+            </a:r>
+            <a:r>
+              <a:rPr lang="en-US" sz="2000" dirty="0"/>
+              <a:t>, which does not change the solution</a:t>
+            </a:r>
           </a:p>
         </p:txBody>
       </p:sp>
@@ -7171,7 +7011,7 @@
           <p:cNvPr id="6" name="Picture 5">
             <a:extLst>
               <a:ext uri="{FF2B5EF4-FFF2-40B4-BE49-F238E27FC236}">
-                <a16:creationId xmlns:a16="http://schemas.microsoft.com/office/drawing/2014/main" id="{E723808B-8204-D3B9-CAFC-24A3238194D7}"/>
+                <a16:creationId xmlns:a16="http://schemas.microsoft.com/office/drawing/2014/main" id="{5A379478-682D-6E3D-8FB8-3C54AB0B34B6}"/>
               </a:ext>
             </a:extLst>
           </p:cNvPr>
@@ -7188,18 +7028,290 @@
         </p:blipFill>
         <p:spPr>
           <a:xfrm>
-            <a:off x="835012" y="1200024"/>
-            <a:ext cx="4702705" cy="5437503"/>
+            <a:off x="2438345" y="1778636"/>
+            <a:ext cx="2428403" cy="900000"/>
           </a:xfrm>
           <a:prstGeom prst="rect">
             <a:avLst/>
           </a:prstGeom>
         </p:spPr>
       </p:pic>
+      <p:sp>
+        <p:nvSpPr>
+          <p:cNvPr id="7" name="Rectangle 6">
+            <a:extLst>
+              <a:ext uri="{FF2B5EF4-FFF2-40B4-BE49-F238E27FC236}">
+                <a16:creationId xmlns:a16="http://schemas.microsoft.com/office/drawing/2014/main" id="{7CAA047F-E11F-886D-C436-5C44DEAAF54B}"/>
+              </a:ext>
+            </a:extLst>
+          </p:cNvPr>
+          <p:cNvSpPr/>
+          <p:nvPr/>
+        </p:nvSpPr>
+        <p:spPr>
+          <a:xfrm>
+            <a:off x="670008" y="1212897"/>
+            <a:ext cx="8847218" cy="400110"/>
+          </a:xfrm>
+          <a:prstGeom prst="rect">
+            <a:avLst/>
+          </a:prstGeom>
+        </p:spPr>
+        <p:txBody>
+          <a:bodyPr wrap="square">
+            <a:spAutoFit/>
+          </a:bodyPr>
+          <a:lstStyle/>
+          <a:p>
+            <a:pPr algn="just">
+              <a:spcAft>
+                <a:spcPts val="600"/>
+              </a:spcAft>
+              <a:buClr>
+                <a:srgbClr val="0808FF"/>
+              </a:buClr>
+            </a:pPr>
+            <a:r>
+              <a:rPr lang="en-US" sz="2000" dirty="0"/>
+              <a:t>We can simply exchange rows 1 &amp; 2 and avoid the vanishing diagonal element </a:t>
+            </a:r>
+          </a:p>
+        </p:txBody>
+      </p:sp>
+      <p:pic>
+        <p:nvPicPr>
+          <p:cNvPr id="5" name="Picture 4">
+            <a:extLst>
+              <a:ext uri="{FF2B5EF4-FFF2-40B4-BE49-F238E27FC236}">
+                <a16:creationId xmlns:a16="http://schemas.microsoft.com/office/drawing/2014/main" id="{7B714D8C-222C-77AA-C001-6FB2B2706743}"/>
+              </a:ext>
+            </a:extLst>
+          </p:cNvPr>
+          <p:cNvPicPr>
+            <a:picLocks noChangeAspect="1"/>
+          </p:cNvPicPr>
+          <p:nvPr/>
+        </p:nvPicPr>
+        <p:blipFill>
+          <a:blip r:embed="rId4"/>
+          <a:stretch>
+            <a:fillRect/>
+          </a:stretch>
+        </p:blipFill>
+        <p:spPr>
+          <a:xfrm>
+            <a:off x="6063345" y="1778636"/>
+            <a:ext cx="2516667" cy="900000"/>
+          </a:xfrm>
+          <a:prstGeom prst="rect">
+            <a:avLst/>
+          </a:prstGeom>
+        </p:spPr>
+      </p:pic>
+      <p:sp>
+        <p:nvSpPr>
+          <p:cNvPr id="9" name="Arrow: Right 8">
+            <a:extLst>
+              <a:ext uri="{FF2B5EF4-FFF2-40B4-BE49-F238E27FC236}">
+                <a16:creationId xmlns:a16="http://schemas.microsoft.com/office/drawing/2014/main" id="{356743C1-CFB0-1954-96A2-4B092F76478B}"/>
+              </a:ext>
+            </a:extLst>
+          </p:cNvPr>
+          <p:cNvSpPr/>
+          <p:nvPr/>
+        </p:nvSpPr>
+        <p:spPr>
+          <a:xfrm>
+            <a:off x="5209407" y="2102071"/>
+            <a:ext cx="549426" cy="253130"/>
+          </a:xfrm>
+          <a:prstGeom prst="rightArrow">
+            <a:avLst/>
+          </a:prstGeom>
+        </p:spPr>
+        <p:style>
+          <a:lnRef idx="2">
+            <a:schemeClr val="accent1">
+              <a:shade val="50000"/>
+            </a:schemeClr>
+          </a:lnRef>
+          <a:fillRef idx="1">
+            <a:schemeClr val="accent1"/>
+          </a:fillRef>
+          <a:effectRef idx="0">
+            <a:schemeClr val="accent1"/>
+          </a:effectRef>
+          <a:fontRef idx="minor">
+            <a:schemeClr val="lt1"/>
+          </a:fontRef>
+        </p:style>
+        <p:txBody>
+          <a:bodyPr rtlCol="0" anchor="ctr"/>
+          <a:lstStyle/>
+          <a:p>
+            <a:pPr algn="ctr"/>
+            <a:endParaRPr lang="en-US"/>
+          </a:p>
+        </p:txBody>
+      </p:sp>
+      <p:sp>
+        <p:nvSpPr>
+          <p:cNvPr id="10" name="Rectangle 9">
+            <a:extLst>
+              <a:ext uri="{FF2B5EF4-FFF2-40B4-BE49-F238E27FC236}">
+                <a16:creationId xmlns:a16="http://schemas.microsoft.com/office/drawing/2014/main" id="{96712B2A-6FD2-DE9D-9A83-CB3AAA3A41BF}"/>
+              </a:ext>
+            </a:extLst>
+          </p:cNvPr>
+          <p:cNvSpPr/>
+          <p:nvPr/>
+        </p:nvSpPr>
+        <p:spPr>
+          <a:xfrm>
+            <a:off x="670008" y="3592882"/>
+            <a:ext cx="9736248" cy="1015663"/>
+          </a:xfrm>
+          <a:prstGeom prst="rect">
+            <a:avLst/>
+          </a:prstGeom>
+        </p:spPr>
+        <p:txBody>
+          <a:bodyPr wrap="square">
+            <a:spAutoFit/>
+          </a:bodyPr>
+          <a:lstStyle/>
+          <a:p>
+            <a:pPr algn="just">
+              <a:spcAft>
+                <a:spcPts val="600"/>
+              </a:spcAft>
+              <a:buClr>
+                <a:srgbClr val="0808FF"/>
+              </a:buClr>
+            </a:pPr>
+            <a:r>
+              <a:rPr lang="en-US" sz="2000" dirty="0"/>
+              <a:t>The optimal choice of a pivot is the </a:t>
+            </a:r>
+            <a:r>
+              <a:rPr lang="en-US" sz="2000" b="1" dirty="0"/>
+              <a:t>largest element in magnitude </a:t>
+            </a:r>
+            <a:r>
+              <a:rPr lang="en-US" sz="2000" dirty="0"/>
+              <a:t>(minimizes the round-off error by avoiding division by small numbers). For numerical stability, pivoting should be performed even when there are no vanishing diagonal elements</a:t>
+            </a:r>
+          </a:p>
+        </p:txBody>
+      </p:sp>
+      <p:sp>
+        <p:nvSpPr>
+          <p:cNvPr id="11" name="Rectangle 10">
+            <a:extLst>
+              <a:ext uri="{FF2B5EF4-FFF2-40B4-BE49-F238E27FC236}">
+                <a16:creationId xmlns:a16="http://schemas.microsoft.com/office/drawing/2014/main" id="{2BBBA5A7-CB63-093B-E5C0-473B41CE4768}"/>
+              </a:ext>
+            </a:extLst>
+          </p:cNvPr>
+          <p:cNvSpPr/>
+          <p:nvPr/>
+        </p:nvSpPr>
+        <p:spPr>
+          <a:xfrm>
+            <a:off x="670008" y="5023576"/>
+            <a:ext cx="9736248" cy="400110"/>
+          </a:xfrm>
+          <a:prstGeom prst="rect">
+            <a:avLst/>
+          </a:prstGeom>
+        </p:spPr>
+        <p:txBody>
+          <a:bodyPr wrap="square">
+            <a:spAutoFit/>
+          </a:bodyPr>
+          <a:lstStyle/>
+          <a:p>
+            <a:pPr algn="just">
+              <a:spcAft>
+                <a:spcPts val="600"/>
+              </a:spcAft>
+              <a:buClr>
+                <a:srgbClr val="0808FF"/>
+              </a:buClr>
+            </a:pPr>
+            <a:r>
+              <a:rPr lang="en-US" sz="2000" i="1" dirty="0"/>
+              <a:t>Partial pivoting: </a:t>
+            </a:r>
+            <a:r>
+              <a:rPr lang="en-US" sz="2000" dirty="0"/>
+              <a:t>Exchange rows only </a:t>
+            </a:r>
+          </a:p>
+        </p:txBody>
+      </p:sp>
+      <p:sp>
+        <p:nvSpPr>
+          <p:cNvPr id="12" name="Rectangle 11">
+            <a:extLst>
+              <a:ext uri="{FF2B5EF4-FFF2-40B4-BE49-F238E27FC236}">
+                <a16:creationId xmlns:a16="http://schemas.microsoft.com/office/drawing/2014/main" id="{2D7EF07D-9B71-5A82-16F9-1AFE5A5668CB}"/>
+              </a:ext>
+            </a:extLst>
+          </p:cNvPr>
+          <p:cNvSpPr/>
+          <p:nvPr/>
+        </p:nvSpPr>
+        <p:spPr>
+          <a:xfrm>
+            <a:off x="670007" y="5645103"/>
+            <a:ext cx="10009323" cy="400110"/>
+          </a:xfrm>
+          <a:prstGeom prst="rect">
+            <a:avLst/>
+          </a:prstGeom>
+        </p:spPr>
+        <p:txBody>
+          <a:bodyPr wrap="square">
+            <a:spAutoFit/>
+          </a:bodyPr>
+          <a:lstStyle/>
+          <a:p>
+            <a:pPr algn="just">
+              <a:spcAft>
+                <a:spcPts val="600"/>
+              </a:spcAft>
+              <a:buClr>
+                <a:srgbClr val="0808FF"/>
+              </a:buClr>
+            </a:pPr>
+            <a:r>
+              <a:rPr lang="en-US" sz="2000" dirty="0"/>
+              <a:t>    </a:t>
+            </a:r>
+            <a:r>
+              <a:rPr lang="en-US" sz="2000" i="1" dirty="0"/>
+              <a:t>Full pivoting: </a:t>
+            </a:r>
+            <a:r>
+              <a:rPr lang="en-US" sz="2000" dirty="0"/>
+              <a:t>Exchange both rows and columns (changes the ordering of elements in </a:t>
+            </a:r>
+            <a:r>
+              <a:rPr lang="en-US" sz="2000" i="1" dirty="0"/>
+              <a:t>x</a:t>
+            </a:r>
+            <a:r>
+              <a:rPr lang="en-US" sz="2000" dirty="0"/>
+              <a:t>)</a:t>
+            </a:r>
+          </a:p>
+        </p:txBody>
+      </p:sp>
     </p:spTree>
     <p:extLst>
       <p:ext uri="{BB962C8B-B14F-4D97-AF65-F5344CB8AC3E}">
-        <p14:creationId xmlns:p14="http://schemas.microsoft.com/office/powerpoint/2010/main" val="1702750021"/>
+        <p14:creationId xmlns:p14="http://schemas.microsoft.com/office/powerpoint/2010/main" val="4037719207"/>
       </p:ext>
     </p:extLst>
   </p:cSld>
@@ -7312,40 +7424,10 @@
           </a:prstGeom>
         </p:spPr>
       </p:pic>
-      <p:pic>
-        <p:nvPicPr>
-          <p:cNvPr id="7" name="Picture 6">
-            <a:extLst>
-              <a:ext uri="{FF2B5EF4-FFF2-40B4-BE49-F238E27FC236}">
-                <a16:creationId xmlns:a16="http://schemas.microsoft.com/office/drawing/2014/main" id="{790AC52C-EEF3-B3EE-5ECA-00BA1F3CCFDA}"/>
-              </a:ext>
-            </a:extLst>
-          </p:cNvPr>
-          <p:cNvPicPr>
-            <a:picLocks noChangeAspect="1"/>
-          </p:cNvPicPr>
-          <p:nvPr/>
-        </p:nvPicPr>
-        <p:blipFill>
-          <a:blip r:embed="rId4"/>
-          <a:stretch>
-            <a:fillRect/>
-          </a:stretch>
-        </p:blipFill>
-        <p:spPr>
-          <a:xfrm>
-            <a:off x="6896881" y="2663800"/>
-            <a:ext cx="4104022" cy="2188086"/>
-          </a:xfrm>
-          <a:prstGeom prst="rect">
-            <a:avLst/>
-          </a:prstGeom>
-        </p:spPr>
-      </p:pic>
     </p:spTree>
     <p:extLst>
       <p:ext uri="{BB962C8B-B14F-4D97-AF65-F5344CB8AC3E}">
-        <p14:creationId xmlns:p14="http://schemas.microsoft.com/office/powerpoint/2010/main" val="1489758878"/>
+        <p14:creationId xmlns:p14="http://schemas.microsoft.com/office/powerpoint/2010/main" val="1702750021"/>
       </p:ext>
     </p:extLst>
   </p:cSld>
@@ -7397,7 +7479,7 @@
               <a:rPr lang="en-US" dirty="0">
                 <a:latin typeface="LM Sans 10" panose="00000500000000000000" pitchFamily="50" charset="0"/>
               </a:rPr>
-              <a:t>LU decomposition</a:t>
+              <a:t>Partial pivoting implementation</a:t>
             </a:r>
             <a:endParaRPr lang="uk-UA" dirty="0"/>
           </a:p>
@@ -7430,10 +7512,10 @@
       </p:sp>
       <p:pic>
         <p:nvPicPr>
-          <p:cNvPr id="3" name="Picture 2">
-            <a:extLst>
-              <a:ext uri="{FF2B5EF4-FFF2-40B4-BE49-F238E27FC236}">
-                <a16:creationId xmlns:a16="http://schemas.microsoft.com/office/drawing/2014/main" id="{6599AB17-A913-20EB-2847-57AAB8C2089C}"/>
+          <p:cNvPr id="6" name="Picture 5">
+            <a:extLst>
+              <a:ext uri="{FF2B5EF4-FFF2-40B4-BE49-F238E27FC236}">
+                <a16:creationId xmlns:a16="http://schemas.microsoft.com/office/drawing/2014/main" id="{E723808B-8204-D3B9-CAFC-24A3238194D7}"/>
               </a:ext>
             </a:extLst>
           </p:cNvPr>
@@ -7450,104 +7532,20 @@
         </p:blipFill>
         <p:spPr>
           <a:xfrm>
-            <a:off x="4697149" y="1660818"/>
-            <a:ext cx="2797702" cy="1121258"/>
+            <a:off x="835012" y="1200024"/>
+            <a:ext cx="4702705" cy="5437503"/>
           </a:xfrm>
           <a:prstGeom prst="rect">
             <a:avLst/>
           </a:prstGeom>
         </p:spPr>
       </p:pic>
-      <p:sp>
-        <p:nvSpPr>
-          <p:cNvPr id="5" name="Rectangle 4">
-            <a:extLst>
-              <a:ext uri="{FF2B5EF4-FFF2-40B4-BE49-F238E27FC236}">
-                <a16:creationId xmlns:a16="http://schemas.microsoft.com/office/drawing/2014/main" id="{C2E4FC98-B6B4-1867-B737-D3B532F53A1E}"/>
-              </a:ext>
-            </a:extLst>
-          </p:cNvPr>
-          <p:cNvSpPr/>
-          <p:nvPr/>
-        </p:nvSpPr>
-        <p:spPr>
-          <a:xfrm>
-            <a:off x="670008" y="1212897"/>
-            <a:ext cx="8847218" cy="400110"/>
-          </a:xfrm>
-          <a:prstGeom prst="rect">
-            <a:avLst/>
-          </a:prstGeom>
-        </p:spPr>
-        <p:txBody>
-          <a:bodyPr wrap="square">
-            <a:spAutoFit/>
-          </a:bodyPr>
-          <a:lstStyle/>
-          <a:p>
-            <a:pPr algn="just">
-              <a:spcAft>
-                <a:spcPts val="600"/>
-              </a:spcAft>
-              <a:buClr>
-                <a:srgbClr val="0808FF"/>
-              </a:buClr>
-            </a:pPr>
-            <a:r>
-              <a:rPr lang="en-US" sz="2000" dirty="0"/>
-              <a:t>At the end of Gaussian elimination we have</a:t>
-            </a:r>
-          </a:p>
-        </p:txBody>
-      </p:sp>
-      <p:sp>
-        <p:nvSpPr>
-          <p:cNvPr id="8" name="Rectangle 7">
-            <a:extLst>
-              <a:ext uri="{FF2B5EF4-FFF2-40B4-BE49-F238E27FC236}">
-                <a16:creationId xmlns:a16="http://schemas.microsoft.com/office/drawing/2014/main" id="{518CD8D3-CB9E-230E-6810-0D3857F74310}"/>
-              </a:ext>
-            </a:extLst>
-          </p:cNvPr>
-          <p:cNvSpPr/>
-          <p:nvPr/>
-        </p:nvSpPr>
-        <p:spPr>
-          <a:xfrm>
-            <a:off x="670008" y="2829887"/>
-            <a:ext cx="8847218" cy="400110"/>
-          </a:xfrm>
-          <a:prstGeom prst="rect">
-            <a:avLst/>
-          </a:prstGeom>
-        </p:spPr>
-        <p:txBody>
-          <a:bodyPr wrap="square">
-            <a:spAutoFit/>
-          </a:bodyPr>
-          <a:lstStyle/>
-          <a:p>
-            <a:pPr algn="just">
-              <a:spcAft>
-                <a:spcPts val="600"/>
-              </a:spcAft>
-              <a:buClr>
-                <a:srgbClr val="0808FF"/>
-              </a:buClr>
-            </a:pPr>
-            <a:r>
-              <a:rPr lang="en-US" sz="2000" dirty="0"/>
-              <a:t>i.e. our matrix became upper triangular</a:t>
-            </a:r>
-          </a:p>
-        </p:txBody>
-      </p:sp>
       <p:pic>
         <p:nvPicPr>
-          <p:cNvPr id="9" name="Picture 8">
-            <a:extLst>
-              <a:ext uri="{FF2B5EF4-FFF2-40B4-BE49-F238E27FC236}">
-                <a16:creationId xmlns:a16="http://schemas.microsoft.com/office/drawing/2014/main" id="{514480E4-C79E-49BA-9B27-6A32DB3B9FFA}"/>
+          <p:cNvPr id="7" name="Picture 6">
+            <a:extLst>
+              <a:ext uri="{FF2B5EF4-FFF2-40B4-BE49-F238E27FC236}">
+                <a16:creationId xmlns:a16="http://schemas.microsoft.com/office/drawing/2014/main" id="{790AC52C-EEF3-B3EE-5ECA-00BA1F3CCFDA}"/>
               </a:ext>
             </a:extLst>
           </p:cNvPr>
@@ -7564,182 +7562,8 @@
         </p:blipFill>
         <p:spPr>
           <a:xfrm>
-            <a:off x="5108868" y="2914176"/>
-            <a:ext cx="2721047" cy="296841"/>
-          </a:xfrm>
-          <a:prstGeom prst="rect">
-            <a:avLst/>
-          </a:prstGeom>
-        </p:spPr>
-      </p:pic>
-      <p:sp>
-        <p:nvSpPr>
-          <p:cNvPr id="10" name="Rectangle 9">
-            <a:extLst>
-              <a:ext uri="{FF2B5EF4-FFF2-40B4-BE49-F238E27FC236}">
-                <a16:creationId xmlns:a16="http://schemas.microsoft.com/office/drawing/2014/main" id="{428F1D0B-D8B8-89AD-E25A-DDA2235EAE71}"/>
-              </a:ext>
-            </a:extLst>
-          </p:cNvPr>
-          <p:cNvSpPr/>
-          <p:nvPr/>
-        </p:nvSpPr>
-        <p:spPr>
-          <a:xfrm>
-            <a:off x="670008" y="3376044"/>
-            <a:ext cx="8847218" cy="707886"/>
-          </a:xfrm>
-          <a:prstGeom prst="rect">
-            <a:avLst/>
-          </a:prstGeom>
-        </p:spPr>
-        <p:txBody>
-          <a:bodyPr wrap="square">
-            <a:spAutoFit/>
-          </a:bodyPr>
-          <a:lstStyle/>
-          <a:p>
-            <a:pPr algn="just">
-              <a:spcAft>
-                <a:spcPts val="600"/>
-              </a:spcAft>
-              <a:buClr>
-                <a:srgbClr val="0808FF"/>
-              </a:buClr>
-            </a:pPr>
-            <a:r>
-              <a:rPr lang="en-US" sz="2000" dirty="0"/>
-              <a:t>Discarding the pivoting for a moment, all steps of the Gaussian elimination can be represented by matrix multiplication, i.e.</a:t>
-            </a:r>
-          </a:p>
-        </p:txBody>
-      </p:sp>
-      <p:pic>
-        <p:nvPicPr>
-          <p:cNvPr id="11" name="Picture 10">
-            <a:extLst>
-              <a:ext uri="{FF2B5EF4-FFF2-40B4-BE49-F238E27FC236}">
-                <a16:creationId xmlns:a16="http://schemas.microsoft.com/office/drawing/2014/main" id="{294D71AD-6CD1-2453-D59D-22EF2CAA32B6}"/>
-              </a:ext>
-            </a:extLst>
-          </p:cNvPr>
-          <p:cNvPicPr>
-            <a:picLocks noChangeAspect="1"/>
-          </p:cNvPicPr>
-          <p:nvPr/>
-        </p:nvPicPr>
-        <p:blipFill>
-          <a:blip r:embed="rId5"/>
-          <a:stretch>
-            <a:fillRect/>
-          </a:stretch>
-        </p:blipFill>
-        <p:spPr>
-          <a:xfrm>
-            <a:off x="5262801" y="4080071"/>
-            <a:ext cx="1666397" cy="299812"/>
-          </a:xfrm>
-          <a:prstGeom prst="rect">
-            <a:avLst/>
-          </a:prstGeom>
-        </p:spPr>
-      </p:pic>
-      <p:pic>
-        <p:nvPicPr>
-          <p:cNvPr id="12" name="Picture 11">
-            <a:extLst>
-              <a:ext uri="{FF2B5EF4-FFF2-40B4-BE49-F238E27FC236}">
-                <a16:creationId xmlns:a16="http://schemas.microsoft.com/office/drawing/2014/main" id="{B27CB6F8-1D1D-4004-9BC2-676738520EC0}"/>
-              </a:ext>
-            </a:extLst>
-          </p:cNvPr>
-          <p:cNvPicPr>
-            <a:picLocks noChangeAspect="1"/>
-          </p:cNvPicPr>
-          <p:nvPr/>
-        </p:nvPicPr>
-        <p:blipFill>
-          <a:blip r:embed="rId6"/>
-          <a:stretch>
-            <a:fillRect/>
-          </a:stretch>
-        </p:blipFill>
-        <p:spPr>
-          <a:xfrm>
-            <a:off x="1097091" y="4921573"/>
-            <a:ext cx="2895417" cy="1096749"/>
-          </a:xfrm>
-          <a:prstGeom prst="rect">
-            <a:avLst/>
-          </a:prstGeom>
-        </p:spPr>
-      </p:pic>
-      <p:sp>
-        <p:nvSpPr>
-          <p:cNvPr id="13" name="Rectangle 12">
-            <a:extLst>
-              <a:ext uri="{FF2B5EF4-FFF2-40B4-BE49-F238E27FC236}">
-                <a16:creationId xmlns:a16="http://schemas.microsoft.com/office/drawing/2014/main" id="{D2D0995F-23DD-ADD1-DF05-4C406EAD710A}"/>
-              </a:ext>
-            </a:extLst>
-          </p:cNvPr>
-          <p:cNvSpPr/>
-          <p:nvPr/>
-        </p:nvSpPr>
-        <p:spPr>
-          <a:xfrm>
-            <a:off x="670008" y="4576884"/>
-            <a:ext cx="8847218" cy="400110"/>
-          </a:xfrm>
-          <a:prstGeom prst="rect">
-            <a:avLst/>
-          </a:prstGeom>
-        </p:spPr>
-        <p:txBody>
-          <a:bodyPr wrap="square">
-            <a:spAutoFit/>
-          </a:bodyPr>
-          <a:lstStyle/>
-          <a:p>
-            <a:pPr algn="just">
-              <a:spcAft>
-                <a:spcPts val="600"/>
-              </a:spcAft>
-              <a:buClr>
-                <a:srgbClr val="0808FF"/>
-              </a:buClr>
-            </a:pPr>
-            <a:r>
-              <a:rPr lang="en-US" sz="2000" dirty="0"/>
-              <a:t>where e.g.</a:t>
-            </a:r>
-          </a:p>
-        </p:txBody>
-      </p:sp>
-      <p:pic>
-        <p:nvPicPr>
-          <p:cNvPr id="14" name="Picture 13">
-            <a:extLst>
-              <a:ext uri="{FF2B5EF4-FFF2-40B4-BE49-F238E27FC236}">
-                <a16:creationId xmlns:a16="http://schemas.microsoft.com/office/drawing/2014/main" id="{2B0E109E-A451-D1E6-47F6-A5C8A60BCD11}"/>
-              </a:ext>
-            </a:extLst>
-          </p:cNvPr>
-          <p:cNvPicPr>
-            <a:picLocks noChangeAspect="1"/>
-          </p:cNvPicPr>
-          <p:nvPr/>
-        </p:nvPicPr>
-        <p:blipFill>
-          <a:blip r:embed="rId7"/>
-          <a:stretch>
-            <a:fillRect/>
-          </a:stretch>
-        </p:blipFill>
-        <p:spPr>
-          <a:xfrm>
-            <a:off x="4263275" y="4976994"/>
-            <a:ext cx="2855749" cy="1153402"/>
+            <a:off x="6896881" y="2663800"/>
+            <a:ext cx="4104022" cy="2188086"/>
           </a:xfrm>
           <a:prstGeom prst="rect">
             <a:avLst/>
@@ -7749,7 +7573,7 @@
     </p:spTree>
     <p:extLst>
       <p:ext uri="{BB962C8B-B14F-4D97-AF65-F5344CB8AC3E}">
-        <p14:creationId xmlns:p14="http://schemas.microsoft.com/office/powerpoint/2010/main" val="1847014342"/>
+        <p14:creationId xmlns:p14="http://schemas.microsoft.com/office/powerpoint/2010/main" val="1489758878"/>
       </p:ext>
     </p:extLst>
   </p:cSld>
@@ -7834,10 +7658,10 @@
       </p:sp>
       <p:pic>
         <p:nvPicPr>
-          <p:cNvPr id="12" name="Picture 11">
-            <a:extLst>
-              <a:ext uri="{FF2B5EF4-FFF2-40B4-BE49-F238E27FC236}">
-                <a16:creationId xmlns:a16="http://schemas.microsoft.com/office/drawing/2014/main" id="{B27CB6F8-1D1D-4004-9BC2-676738520EC0}"/>
+          <p:cNvPr id="3" name="Picture 2">
+            <a:extLst>
+              <a:ext uri="{FF2B5EF4-FFF2-40B4-BE49-F238E27FC236}">
+                <a16:creationId xmlns:a16="http://schemas.microsoft.com/office/drawing/2014/main" id="{6599AB17-A913-20EB-2847-57AAB8C2089C}"/>
               </a:ext>
             </a:extLst>
           </p:cNvPr>
@@ -7854,8 +7678,8 @@
         </p:blipFill>
         <p:spPr>
           <a:xfrm>
-            <a:off x="2346093" y="1708074"/>
-            <a:ext cx="2895417" cy="1096749"/>
+            <a:off x="4697149" y="1660818"/>
+            <a:ext cx="2797702" cy="1121258"/>
           </a:xfrm>
           <a:prstGeom prst="rect">
             <a:avLst/>
@@ -7864,10 +7688,10 @@
       </p:pic>
       <p:sp>
         <p:nvSpPr>
-          <p:cNvPr id="13" name="Rectangle 12">
-            <a:extLst>
-              <a:ext uri="{FF2B5EF4-FFF2-40B4-BE49-F238E27FC236}">
-                <a16:creationId xmlns:a16="http://schemas.microsoft.com/office/drawing/2014/main" id="{D2D0995F-23DD-ADD1-DF05-4C406EAD710A}"/>
+          <p:cNvPr id="5" name="Rectangle 4">
+            <a:extLst>
+              <a:ext uri="{FF2B5EF4-FFF2-40B4-BE49-F238E27FC236}">
+                <a16:creationId xmlns:a16="http://schemas.microsoft.com/office/drawing/2014/main" id="{C2E4FC98-B6B4-1867-B737-D3B532F53A1E}"/>
               </a:ext>
             </a:extLst>
           </p:cNvPr>
@@ -7876,7 +7700,7 @@
         </p:nvSpPr>
         <p:spPr>
           <a:xfrm>
-            <a:off x="828628" y="1236525"/>
+            <a:off x="670008" y="1212897"/>
             <a:ext cx="8847218" cy="400110"/>
           </a:xfrm>
           <a:prstGeom prst="rect">
@@ -7899,29 +7723,63 @@
             </a:pPr>
             <a:r>
               <a:rPr lang="en-US" sz="2000" dirty="0"/>
-              <a:t>The matrices </a:t>
+              <a:t>At the end of Gaussian elimination we have</a:t>
+            </a:r>
+          </a:p>
+        </p:txBody>
+      </p:sp>
+      <p:sp>
+        <p:nvSpPr>
+          <p:cNvPr id="8" name="Rectangle 7">
+            <a:extLst>
+              <a:ext uri="{FF2B5EF4-FFF2-40B4-BE49-F238E27FC236}">
+                <a16:creationId xmlns:a16="http://schemas.microsoft.com/office/drawing/2014/main" id="{518CD8D3-CB9E-230E-6810-0D3857F74310}"/>
+              </a:ext>
+            </a:extLst>
+          </p:cNvPr>
+          <p:cNvSpPr/>
+          <p:nvPr/>
+        </p:nvSpPr>
+        <p:spPr>
+          <a:xfrm>
+            <a:off x="670008" y="2829887"/>
+            <a:ext cx="8847218" cy="400110"/>
+          </a:xfrm>
+          <a:prstGeom prst="rect">
+            <a:avLst/>
+          </a:prstGeom>
+        </p:spPr>
+        <p:txBody>
+          <a:bodyPr wrap="square">
+            <a:spAutoFit/>
+          </a:bodyPr>
+          <a:lstStyle/>
+          <a:p>
+            <a:pPr algn="just">
+              <a:spcAft>
+                <a:spcPts val="600"/>
+              </a:spcAft>
+              <a:buClr>
+                <a:srgbClr val="0808FF"/>
+              </a:buClr>
+            </a:pPr>
+            <a:r>
+              <a:rPr lang="en-US" sz="2000" dirty="0"/>
+              <a:t>i.e. our matrix became </a:t>
             </a:r>
             <a:r>
               <a:rPr lang="en-US" sz="2000" b="1" dirty="0"/>
-              <a:t>L</a:t>
-            </a:r>
-            <a:r>
-              <a:rPr lang="en-US" sz="2000" baseline="-25000" dirty="0"/>
-              <a:t>i</a:t>
-            </a:r>
-            <a:r>
-              <a:rPr lang="en-US" sz="2000" dirty="0"/>
-              <a:t> are lower triangular</a:t>
+              <a:t>upper triangular</a:t>
             </a:r>
           </a:p>
         </p:txBody>
       </p:sp>
       <p:pic>
         <p:nvPicPr>
-          <p:cNvPr id="14" name="Picture 13">
-            <a:extLst>
-              <a:ext uri="{FF2B5EF4-FFF2-40B4-BE49-F238E27FC236}">
-                <a16:creationId xmlns:a16="http://schemas.microsoft.com/office/drawing/2014/main" id="{2B0E109E-A451-D1E6-47F6-A5C8A60BCD11}"/>
+          <p:cNvPr id="9" name="Picture 8">
+            <a:extLst>
+              <a:ext uri="{FF2B5EF4-FFF2-40B4-BE49-F238E27FC236}">
+                <a16:creationId xmlns:a16="http://schemas.microsoft.com/office/drawing/2014/main" id="{514480E4-C79E-49BA-9B27-6A32DB3B9FFA}"/>
               </a:ext>
             </a:extLst>
           </p:cNvPr>
@@ -7938,8 +7796,8 @@
         </p:blipFill>
         <p:spPr>
           <a:xfrm>
-            <a:off x="6950492" y="1744500"/>
-            <a:ext cx="2855749" cy="1153402"/>
+            <a:off x="5195367" y="2877105"/>
+            <a:ext cx="2895031" cy="315821"/>
           </a:xfrm>
           <a:prstGeom prst="rect">
             <a:avLst/>
@@ -7948,10 +7806,10 @@
       </p:pic>
       <p:sp>
         <p:nvSpPr>
-          <p:cNvPr id="6" name="Rectangle 5">
-            <a:extLst>
-              <a:ext uri="{FF2B5EF4-FFF2-40B4-BE49-F238E27FC236}">
-                <a16:creationId xmlns:a16="http://schemas.microsoft.com/office/drawing/2014/main" id="{67025D3D-660C-E429-18AA-14867B3C14C5}"/>
+          <p:cNvPr id="10" name="Rectangle 9">
+            <a:extLst>
+              <a:ext uri="{FF2B5EF4-FFF2-40B4-BE49-F238E27FC236}">
+                <a16:creationId xmlns:a16="http://schemas.microsoft.com/office/drawing/2014/main" id="{428F1D0B-D8B8-89AD-E25A-DDA2235EAE71}"/>
               </a:ext>
             </a:extLst>
           </p:cNvPr>
@@ -7960,8 +7818,8 @@
         </p:nvSpPr>
         <p:spPr>
           <a:xfrm>
-            <a:off x="817900" y="3028890"/>
-            <a:ext cx="8847218" cy="400110"/>
+            <a:off x="670008" y="3376044"/>
+            <a:ext cx="8847218" cy="707886"/>
           </a:xfrm>
           <a:prstGeom prst="rect">
             <a:avLst/>
@@ -7983,17 +7841,17 @@
             </a:pPr>
             <a:r>
               <a:rPr lang="en-US" sz="2000" dirty="0"/>
-              <a:t>Inverses are also lower triangular</a:t>
+              <a:t>Discarding the pivoting for a moment, all steps of the Gaussian elimination can be represented by matrix multiplication, i.e.</a:t>
             </a:r>
           </a:p>
         </p:txBody>
       </p:sp>
       <p:pic>
         <p:nvPicPr>
-          <p:cNvPr id="7" name="Picture 6">
-            <a:extLst>
-              <a:ext uri="{FF2B5EF4-FFF2-40B4-BE49-F238E27FC236}">
-                <a16:creationId xmlns:a16="http://schemas.microsoft.com/office/drawing/2014/main" id="{9375DCF2-E456-7E83-FD29-56CAE308F71B}"/>
+          <p:cNvPr id="11" name="Picture 10">
+            <a:extLst>
+              <a:ext uri="{FF2B5EF4-FFF2-40B4-BE49-F238E27FC236}">
+                <a16:creationId xmlns:a16="http://schemas.microsoft.com/office/drawing/2014/main" id="{294D71AD-6CD1-2453-D59D-22EF2CAA32B6}"/>
               </a:ext>
             </a:extLst>
           </p:cNvPr>
@@ -8010,8 +7868,8 @@
         </p:blipFill>
         <p:spPr>
           <a:xfrm>
-            <a:off x="2612161" y="3559988"/>
-            <a:ext cx="2137122" cy="1026080"/>
+            <a:off x="5262801" y="4117142"/>
+            <a:ext cx="1755837" cy="315904"/>
           </a:xfrm>
           <a:prstGeom prst="rect">
             <a:avLst/>
@@ -8020,10 +7878,10 @@
       </p:pic>
       <p:pic>
         <p:nvPicPr>
-          <p:cNvPr id="15" name="Picture 14">
-            <a:extLst>
-              <a:ext uri="{FF2B5EF4-FFF2-40B4-BE49-F238E27FC236}">
-                <a16:creationId xmlns:a16="http://schemas.microsoft.com/office/drawing/2014/main" id="{3D0453F1-AEB3-BCA7-FB4C-C74CA29CBA7A}"/>
+          <p:cNvPr id="12" name="Picture 11">
+            <a:extLst>
+              <a:ext uri="{FF2B5EF4-FFF2-40B4-BE49-F238E27FC236}">
+                <a16:creationId xmlns:a16="http://schemas.microsoft.com/office/drawing/2014/main" id="{B27CB6F8-1D1D-4004-9BC2-676738520EC0}"/>
               </a:ext>
             </a:extLst>
           </p:cNvPr>
@@ -8040,8 +7898,8 @@
         </p:blipFill>
         <p:spPr>
           <a:xfrm>
-            <a:off x="6875887" y="3429000"/>
-            <a:ext cx="2380080" cy="1174002"/>
+            <a:off x="1097091" y="4921573"/>
+            <a:ext cx="2895417" cy="1096749"/>
           </a:xfrm>
           <a:prstGeom prst="rect">
             <a:avLst/>
@@ -8050,10 +7908,10 @@
       </p:pic>
       <p:sp>
         <p:nvSpPr>
-          <p:cNvPr id="16" name="Rectangle 15">
-            <a:extLst>
-              <a:ext uri="{FF2B5EF4-FFF2-40B4-BE49-F238E27FC236}">
-                <a16:creationId xmlns:a16="http://schemas.microsoft.com/office/drawing/2014/main" id="{7B2A7325-89A9-63F4-BE3B-481B08258662}"/>
+          <p:cNvPr id="13" name="Rectangle 12">
+            <a:extLst>
+              <a:ext uri="{FF2B5EF4-FFF2-40B4-BE49-F238E27FC236}">
+                <a16:creationId xmlns:a16="http://schemas.microsoft.com/office/drawing/2014/main" id="{D2D0995F-23DD-ADD1-DF05-4C406EAD710A}"/>
               </a:ext>
             </a:extLst>
           </p:cNvPr>
@@ -8062,7 +7920,7 @@
         </p:nvSpPr>
         <p:spPr>
           <a:xfrm>
-            <a:off x="828628" y="4892694"/>
+            <a:off x="670008" y="4576884"/>
             <a:ext cx="8847218" cy="400110"/>
           </a:xfrm>
           <a:prstGeom prst="rect">
@@ -8085,17 +7943,17 @@
             </a:pPr>
             <a:r>
               <a:rPr lang="en-US" sz="2000" dirty="0"/>
-              <a:t>Therefore, </a:t>
+              <a:t>where e.g.</a:t>
             </a:r>
           </a:p>
         </p:txBody>
       </p:sp>
       <p:pic>
         <p:nvPicPr>
-          <p:cNvPr id="17" name="Picture 16">
-            <a:extLst>
-              <a:ext uri="{FF2B5EF4-FFF2-40B4-BE49-F238E27FC236}">
-                <a16:creationId xmlns:a16="http://schemas.microsoft.com/office/drawing/2014/main" id="{76714B2A-1F2F-2DE0-232B-7ECDB47DB64A}"/>
+          <p:cNvPr id="14" name="Picture 13">
+            <a:extLst>
+              <a:ext uri="{FF2B5EF4-FFF2-40B4-BE49-F238E27FC236}">
+                <a16:creationId xmlns:a16="http://schemas.microsoft.com/office/drawing/2014/main" id="{2B0E109E-A451-D1E6-47F6-A5C8A60BCD11}"/>
               </a:ext>
             </a:extLst>
           </p:cNvPr>
@@ -8112,83 +7970,18 @@
         </p:blipFill>
         <p:spPr>
           <a:xfrm>
-            <a:off x="2294924" y="5427547"/>
-            <a:ext cx="1701154" cy="574052"/>
+            <a:off x="4263275" y="4976994"/>
+            <a:ext cx="2855749" cy="1153402"/>
           </a:xfrm>
           <a:prstGeom prst="rect">
             <a:avLst/>
           </a:prstGeom>
         </p:spPr>
       </p:pic>
-      <p:pic>
-        <p:nvPicPr>
-          <p:cNvPr id="18" name="Picture 17">
-            <a:extLst>
-              <a:ext uri="{FF2B5EF4-FFF2-40B4-BE49-F238E27FC236}">
-                <a16:creationId xmlns:a16="http://schemas.microsoft.com/office/drawing/2014/main" id="{47355BB7-85BD-F469-7481-860AE3DBEBDA}"/>
-              </a:ext>
-            </a:extLst>
-          </p:cNvPr>
-          <p:cNvPicPr>
-            <a:picLocks noChangeAspect="1"/>
-          </p:cNvPicPr>
-          <p:nvPr/>
-        </p:nvPicPr>
-        <p:blipFill>
-          <a:blip r:embed="rId8"/>
-          <a:stretch>
-            <a:fillRect/>
-          </a:stretch>
-        </p:blipFill>
-        <p:spPr>
-          <a:xfrm>
-            <a:off x="6639996" y="5088995"/>
-            <a:ext cx="3486231" cy="1251156"/>
-          </a:xfrm>
-          <a:prstGeom prst="rect">
-            <a:avLst/>
-          </a:prstGeom>
-        </p:spPr>
-      </p:pic>
-      <p:sp>
-        <p:nvSpPr>
-          <p:cNvPr id="19" name="TextBox 18">
-            <a:extLst>
-              <a:ext uri="{FF2B5EF4-FFF2-40B4-BE49-F238E27FC236}">
-                <a16:creationId xmlns:a16="http://schemas.microsoft.com/office/drawing/2014/main" id="{B4484D16-2B60-CB71-A97D-6146297E8797}"/>
-              </a:ext>
-            </a:extLst>
-          </p:cNvPr>
-          <p:cNvSpPr txBox="1"/>
-          <p:nvPr/>
-        </p:nvSpPr>
-        <p:spPr>
-          <a:xfrm>
-            <a:off x="5094805" y="5514518"/>
-            <a:ext cx="914400" cy="400110"/>
-          </a:xfrm>
-          <a:prstGeom prst="rect">
-            <a:avLst/>
-          </a:prstGeom>
-          <a:noFill/>
-        </p:spPr>
-        <p:txBody>
-          <a:bodyPr wrap="square" rtlCol="0">
-            <a:spAutoFit/>
-          </a:bodyPr>
-          <a:lstStyle/>
-          <a:p>
-            <a:r>
-              <a:rPr lang="en-US" sz="2000" dirty="0"/>
-              <a:t>where</a:t>
-            </a:r>
-          </a:p>
-        </p:txBody>
-      </p:sp>
     </p:spTree>
     <p:extLst>
       <p:ext uri="{BB962C8B-B14F-4D97-AF65-F5344CB8AC3E}">
-        <p14:creationId xmlns:p14="http://schemas.microsoft.com/office/powerpoint/2010/main" val="17396776"/>
+        <p14:creationId xmlns:p14="http://schemas.microsoft.com/office/powerpoint/2010/main" val="1847014342"/>
       </p:ext>
     </p:extLst>
   </p:cSld>
@@ -8273,10 +8066,10 @@
       </p:sp>
       <p:pic>
         <p:nvPicPr>
-          <p:cNvPr id="3" name="Picture 2">
-            <a:extLst>
-              <a:ext uri="{FF2B5EF4-FFF2-40B4-BE49-F238E27FC236}">
-                <a16:creationId xmlns:a16="http://schemas.microsoft.com/office/drawing/2014/main" id="{826BD8BA-4430-077D-A485-CCEE7118DB77}"/>
+          <p:cNvPr id="12" name="Picture 11">
+            <a:extLst>
+              <a:ext uri="{FF2B5EF4-FFF2-40B4-BE49-F238E27FC236}">
+                <a16:creationId xmlns:a16="http://schemas.microsoft.com/office/drawing/2014/main" id="{B27CB6F8-1D1D-4004-9BC2-676738520EC0}"/>
               </a:ext>
             </a:extLst>
           </p:cNvPr>
@@ -8293,20 +8086,74 @@
         </p:blipFill>
         <p:spPr>
           <a:xfrm>
-            <a:off x="971845" y="2207024"/>
-            <a:ext cx="5891476" cy="3363351"/>
+            <a:off x="2346093" y="1708074"/>
+            <a:ext cx="2895417" cy="1096749"/>
           </a:xfrm>
           <a:prstGeom prst="rect">
             <a:avLst/>
           </a:prstGeom>
         </p:spPr>
       </p:pic>
+      <p:sp>
+        <p:nvSpPr>
+          <p:cNvPr id="13" name="Rectangle 12">
+            <a:extLst>
+              <a:ext uri="{FF2B5EF4-FFF2-40B4-BE49-F238E27FC236}">
+                <a16:creationId xmlns:a16="http://schemas.microsoft.com/office/drawing/2014/main" id="{D2D0995F-23DD-ADD1-DF05-4C406EAD710A}"/>
+              </a:ext>
+            </a:extLst>
+          </p:cNvPr>
+          <p:cNvSpPr/>
+          <p:nvPr/>
+        </p:nvSpPr>
+        <p:spPr>
+          <a:xfrm>
+            <a:off x="828628" y="1236525"/>
+            <a:ext cx="8847218" cy="400110"/>
+          </a:xfrm>
+          <a:prstGeom prst="rect">
+            <a:avLst/>
+          </a:prstGeom>
+        </p:spPr>
+        <p:txBody>
+          <a:bodyPr wrap="square">
+            <a:spAutoFit/>
+          </a:bodyPr>
+          <a:lstStyle/>
+          <a:p>
+            <a:pPr algn="just">
+              <a:spcAft>
+                <a:spcPts val="600"/>
+              </a:spcAft>
+              <a:buClr>
+                <a:srgbClr val="0808FF"/>
+              </a:buClr>
+            </a:pPr>
+            <a:r>
+              <a:rPr lang="en-US" sz="2000" dirty="0"/>
+              <a:t>The matrices </a:t>
+            </a:r>
+            <a:r>
+              <a:rPr lang="en-US" sz="2000" b="1" dirty="0"/>
+              <a:t>L</a:t>
+            </a:r>
+            <a:r>
+              <a:rPr lang="en-US" sz="2000" baseline="-25000" dirty="0"/>
+              <a:t>i</a:t>
+            </a:r>
+            <a:r>
+              <a:rPr lang="en-US" sz="2000" dirty="0"/>
+              <a:t> are lower triangular</a:t>
+            </a:r>
+          </a:p>
+        </p:txBody>
+      </p:sp>
       <p:pic>
         <p:nvPicPr>
-          <p:cNvPr id="8" name="Picture 7">
-            <a:extLst>
-              <a:ext uri="{FF2B5EF4-FFF2-40B4-BE49-F238E27FC236}">
-                <a16:creationId xmlns:a16="http://schemas.microsoft.com/office/drawing/2014/main" id="{C8158FCB-2678-D2C3-1896-FAA55CBFAD24}"/>
+          <p:cNvPr id="14" name="Picture 13">
+            <a:extLst>
+              <a:ext uri="{FF2B5EF4-FFF2-40B4-BE49-F238E27FC236}">
+                <a16:creationId xmlns:a16="http://schemas.microsoft.com/office/drawing/2014/main" id="{2B0E109E-A451-D1E6-47F6-A5C8A60BCD11}"/>
               </a:ext>
             </a:extLst>
           </p:cNvPr>
@@ -8323,18 +8170,257 @@
         </p:blipFill>
         <p:spPr>
           <a:xfrm>
-            <a:off x="3647241" y="1501058"/>
-            <a:ext cx="772014" cy="327742"/>
+            <a:off x="6950492" y="1744500"/>
+            <a:ext cx="2855749" cy="1153402"/>
           </a:xfrm>
           <a:prstGeom prst="rect">
             <a:avLst/>
           </a:prstGeom>
         </p:spPr>
       </p:pic>
+      <p:sp>
+        <p:nvSpPr>
+          <p:cNvPr id="6" name="Rectangle 5">
+            <a:extLst>
+              <a:ext uri="{FF2B5EF4-FFF2-40B4-BE49-F238E27FC236}">
+                <a16:creationId xmlns:a16="http://schemas.microsoft.com/office/drawing/2014/main" id="{67025D3D-660C-E429-18AA-14867B3C14C5}"/>
+              </a:ext>
+            </a:extLst>
+          </p:cNvPr>
+          <p:cNvSpPr/>
+          <p:nvPr/>
+        </p:nvSpPr>
+        <p:spPr>
+          <a:xfrm>
+            <a:off x="817900" y="3028890"/>
+            <a:ext cx="8847218" cy="400110"/>
+          </a:xfrm>
+          <a:prstGeom prst="rect">
+            <a:avLst/>
+          </a:prstGeom>
+        </p:spPr>
+        <p:txBody>
+          <a:bodyPr wrap="square">
+            <a:spAutoFit/>
+          </a:bodyPr>
+          <a:lstStyle/>
+          <a:p>
+            <a:pPr algn="just">
+              <a:spcAft>
+                <a:spcPts val="600"/>
+              </a:spcAft>
+              <a:buClr>
+                <a:srgbClr val="0808FF"/>
+              </a:buClr>
+            </a:pPr>
+            <a:r>
+              <a:rPr lang="en-US" sz="2000" dirty="0"/>
+              <a:t>Inverses are also lower triangular</a:t>
+            </a:r>
+          </a:p>
+        </p:txBody>
+      </p:sp>
+      <p:pic>
+        <p:nvPicPr>
+          <p:cNvPr id="7" name="Picture 6">
+            <a:extLst>
+              <a:ext uri="{FF2B5EF4-FFF2-40B4-BE49-F238E27FC236}">
+                <a16:creationId xmlns:a16="http://schemas.microsoft.com/office/drawing/2014/main" id="{9375DCF2-E456-7E83-FD29-56CAE308F71B}"/>
+              </a:ext>
+            </a:extLst>
+          </p:cNvPr>
+          <p:cNvPicPr>
+            <a:picLocks noChangeAspect="1"/>
+          </p:cNvPicPr>
+          <p:nvPr/>
+        </p:nvPicPr>
+        <p:blipFill>
+          <a:blip r:embed="rId5"/>
+          <a:stretch>
+            <a:fillRect/>
+          </a:stretch>
+        </p:blipFill>
+        <p:spPr>
+          <a:xfrm>
+            <a:off x="2612161" y="3559988"/>
+            <a:ext cx="2137122" cy="1026080"/>
+          </a:xfrm>
+          <a:prstGeom prst="rect">
+            <a:avLst/>
+          </a:prstGeom>
+        </p:spPr>
+      </p:pic>
+      <p:pic>
+        <p:nvPicPr>
+          <p:cNvPr id="15" name="Picture 14">
+            <a:extLst>
+              <a:ext uri="{FF2B5EF4-FFF2-40B4-BE49-F238E27FC236}">
+                <a16:creationId xmlns:a16="http://schemas.microsoft.com/office/drawing/2014/main" id="{3D0453F1-AEB3-BCA7-FB4C-C74CA29CBA7A}"/>
+              </a:ext>
+            </a:extLst>
+          </p:cNvPr>
+          <p:cNvPicPr>
+            <a:picLocks noChangeAspect="1"/>
+          </p:cNvPicPr>
+          <p:nvPr/>
+        </p:nvPicPr>
+        <p:blipFill>
+          <a:blip r:embed="rId6"/>
+          <a:stretch>
+            <a:fillRect/>
+          </a:stretch>
+        </p:blipFill>
+        <p:spPr>
+          <a:xfrm>
+            <a:off x="6875887" y="3429000"/>
+            <a:ext cx="2380080" cy="1174002"/>
+          </a:xfrm>
+          <a:prstGeom prst="rect">
+            <a:avLst/>
+          </a:prstGeom>
+        </p:spPr>
+      </p:pic>
+      <p:sp>
+        <p:nvSpPr>
+          <p:cNvPr id="16" name="Rectangle 15">
+            <a:extLst>
+              <a:ext uri="{FF2B5EF4-FFF2-40B4-BE49-F238E27FC236}">
+                <a16:creationId xmlns:a16="http://schemas.microsoft.com/office/drawing/2014/main" id="{7B2A7325-89A9-63F4-BE3B-481B08258662}"/>
+              </a:ext>
+            </a:extLst>
+          </p:cNvPr>
+          <p:cNvSpPr/>
+          <p:nvPr/>
+        </p:nvSpPr>
+        <p:spPr>
+          <a:xfrm>
+            <a:off x="828628" y="4892694"/>
+            <a:ext cx="8847218" cy="400110"/>
+          </a:xfrm>
+          <a:prstGeom prst="rect">
+            <a:avLst/>
+          </a:prstGeom>
+        </p:spPr>
+        <p:txBody>
+          <a:bodyPr wrap="square">
+            <a:spAutoFit/>
+          </a:bodyPr>
+          <a:lstStyle/>
+          <a:p>
+            <a:pPr algn="just">
+              <a:spcAft>
+                <a:spcPts val="600"/>
+              </a:spcAft>
+              <a:buClr>
+                <a:srgbClr val="0808FF"/>
+              </a:buClr>
+            </a:pPr>
+            <a:r>
+              <a:rPr lang="en-US" sz="2000" dirty="0"/>
+              <a:t>Therefore, </a:t>
+            </a:r>
+          </a:p>
+        </p:txBody>
+      </p:sp>
+      <p:pic>
+        <p:nvPicPr>
+          <p:cNvPr id="17" name="Picture 16">
+            <a:extLst>
+              <a:ext uri="{FF2B5EF4-FFF2-40B4-BE49-F238E27FC236}">
+                <a16:creationId xmlns:a16="http://schemas.microsoft.com/office/drawing/2014/main" id="{76714B2A-1F2F-2DE0-232B-7ECDB47DB64A}"/>
+              </a:ext>
+            </a:extLst>
+          </p:cNvPr>
+          <p:cNvPicPr>
+            <a:picLocks noChangeAspect="1"/>
+          </p:cNvPicPr>
+          <p:nvPr/>
+        </p:nvPicPr>
+        <p:blipFill>
+          <a:blip r:embed="rId7"/>
+          <a:stretch>
+            <a:fillRect/>
+          </a:stretch>
+        </p:blipFill>
+        <p:spPr>
+          <a:xfrm>
+            <a:off x="2294924" y="5427547"/>
+            <a:ext cx="1701154" cy="574052"/>
+          </a:xfrm>
+          <a:prstGeom prst="rect">
+            <a:avLst/>
+          </a:prstGeom>
+        </p:spPr>
+      </p:pic>
+      <p:pic>
+        <p:nvPicPr>
+          <p:cNvPr id="18" name="Picture 17">
+            <a:extLst>
+              <a:ext uri="{FF2B5EF4-FFF2-40B4-BE49-F238E27FC236}">
+                <a16:creationId xmlns:a16="http://schemas.microsoft.com/office/drawing/2014/main" id="{47355BB7-85BD-F469-7481-860AE3DBEBDA}"/>
+              </a:ext>
+            </a:extLst>
+          </p:cNvPr>
+          <p:cNvPicPr>
+            <a:picLocks noChangeAspect="1"/>
+          </p:cNvPicPr>
+          <p:nvPr/>
+        </p:nvPicPr>
+        <p:blipFill>
+          <a:blip r:embed="rId8"/>
+          <a:stretch>
+            <a:fillRect/>
+          </a:stretch>
+        </p:blipFill>
+        <p:spPr>
+          <a:xfrm>
+            <a:off x="6639996" y="5088995"/>
+            <a:ext cx="3486231" cy="1251156"/>
+          </a:xfrm>
+          <a:prstGeom prst="rect">
+            <a:avLst/>
+          </a:prstGeom>
+        </p:spPr>
+      </p:pic>
+      <p:sp>
+        <p:nvSpPr>
+          <p:cNvPr id="19" name="TextBox 18">
+            <a:extLst>
+              <a:ext uri="{FF2B5EF4-FFF2-40B4-BE49-F238E27FC236}">
+                <a16:creationId xmlns:a16="http://schemas.microsoft.com/office/drawing/2014/main" id="{B4484D16-2B60-CB71-A97D-6146297E8797}"/>
+              </a:ext>
+            </a:extLst>
+          </p:cNvPr>
+          <p:cNvSpPr txBox="1"/>
+          <p:nvPr/>
+        </p:nvSpPr>
+        <p:spPr>
+          <a:xfrm>
+            <a:off x="5094805" y="5514518"/>
+            <a:ext cx="914400" cy="400110"/>
+          </a:xfrm>
+          <a:prstGeom prst="rect">
+            <a:avLst/>
+          </a:prstGeom>
+          <a:noFill/>
+        </p:spPr>
+        <p:txBody>
+          <a:bodyPr wrap="square" rtlCol="0">
+            <a:spAutoFit/>
+          </a:bodyPr>
+          <a:lstStyle/>
+          <a:p>
+            <a:r>
+              <a:rPr lang="en-US" sz="2000" dirty="0"/>
+              <a:t>where</a:t>
+            </a:r>
+          </a:p>
+        </p:txBody>
+      </p:sp>
     </p:spTree>
     <p:extLst>
       <p:ext uri="{BB962C8B-B14F-4D97-AF65-F5344CB8AC3E}">
-        <p14:creationId xmlns:p14="http://schemas.microsoft.com/office/powerpoint/2010/main" val="3220730491"/>
+        <p14:creationId xmlns:p14="http://schemas.microsoft.com/office/powerpoint/2010/main" val="17396776"/>
       </p:ext>
     </p:extLst>
   </p:cSld>
@@ -8449,6 +8535,152 @@
       </p:pic>
       <p:pic>
         <p:nvPicPr>
+          <p:cNvPr id="8" name="Picture 7">
+            <a:extLst>
+              <a:ext uri="{FF2B5EF4-FFF2-40B4-BE49-F238E27FC236}">
+                <a16:creationId xmlns:a16="http://schemas.microsoft.com/office/drawing/2014/main" id="{C8158FCB-2678-D2C3-1896-FAA55CBFAD24}"/>
+              </a:ext>
+            </a:extLst>
+          </p:cNvPr>
+          <p:cNvPicPr>
+            <a:picLocks noChangeAspect="1"/>
+          </p:cNvPicPr>
+          <p:nvPr/>
+        </p:nvPicPr>
+        <p:blipFill>
+          <a:blip r:embed="rId4"/>
+          <a:stretch>
+            <a:fillRect/>
+          </a:stretch>
+        </p:blipFill>
+        <p:spPr>
+          <a:xfrm>
+            <a:off x="3647241" y="1501058"/>
+            <a:ext cx="772014" cy="327742"/>
+          </a:xfrm>
+          <a:prstGeom prst="rect">
+            <a:avLst/>
+          </a:prstGeom>
+        </p:spPr>
+      </p:pic>
+    </p:spTree>
+    <p:extLst>
+      <p:ext uri="{BB962C8B-B14F-4D97-AF65-F5344CB8AC3E}">
+        <p14:creationId xmlns:p14="http://schemas.microsoft.com/office/powerpoint/2010/main" val="3220730491"/>
+      </p:ext>
+    </p:extLst>
+  </p:cSld>
+  <p:clrMapOvr>
+    <a:masterClrMapping/>
+  </p:clrMapOvr>
+</p:sld>
+</file>
+
+<file path=ppt/slides/slide19.xml><?xml version="1.0" encoding="utf-8"?>
+<p:sld xmlns:a="http://schemas.openxmlformats.org/drawingml/2006/main" xmlns:r="http://schemas.openxmlformats.org/officeDocument/2006/relationships" xmlns:p="http://schemas.openxmlformats.org/presentationml/2006/main">
+  <p:cSld>
+    <p:spTree>
+      <p:nvGrpSpPr>
+        <p:cNvPr id="1" name=""/>
+        <p:cNvGrpSpPr/>
+        <p:nvPr/>
+      </p:nvGrpSpPr>
+      <p:grpSpPr>
+        <a:xfrm>
+          <a:off x="0" y="0"/>
+          <a:ext cx="0" cy="0"/>
+          <a:chOff x="0" y="0"/>
+          <a:chExt cx="0" cy="0"/>
+        </a:xfrm>
+      </p:grpSpPr>
+      <p:sp>
+        <p:nvSpPr>
+          <p:cNvPr id="2" name="Title 1">
+            <a:extLst>
+              <a:ext uri="{FF2B5EF4-FFF2-40B4-BE49-F238E27FC236}">
+                <a16:creationId xmlns:a16="http://schemas.microsoft.com/office/drawing/2014/main" id="{D2AAFA58-9F0A-4217-B38D-E58CFC4CAD2A}"/>
+              </a:ext>
+            </a:extLst>
+          </p:cNvPr>
+          <p:cNvSpPr>
+            <a:spLocks noGrp="1"/>
+          </p:cNvSpPr>
+          <p:nvPr>
+            <p:ph type="title"/>
+          </p:nvPr>
+        </p:nvSpPr>
+        <p:spPr/>
+        <p:txBody>
+          <a:bodyPr/>
+          <a:lstStyle/>
+          <a:p>
+            <a:r>
+              <a:rPr lang="en-US" dirty="0">
+                <a:latin typeface="LM Sans 10" panose="00000500000000000000" pitchFamily="50" charset="0"/>
+              </a:rPr>
+              <a:t>LU decomposition</a:t>
+            </a:r>
+            <a:endParaRPr lang="uk-UA" dirty="0"/>
+          </a:p>
+        </p:txBody>
+      </p:sp>
+      <p:sp>
+        <p:nvSpPr>
+          <p:cNvPr id="4" name="Text Placeholder 3">
+            <a:extLst>
+              <a:ext uri="{FF2B5EF4-FFF2-40B4-BE49-F238E27FC236}">
+                <a16:creationId xmlns:a16="http://schemas.microsoft.com/office/drawing/2014/main" id="{22379093-2446-7E14-8100-7BE52B6E3AF4}"/>
+              </a:ext>
+            </a:extLst>
+          </p:cNvPr>
+          <p:cNvSpPr>
+            <a:spLocks noGrp="1"/>
+          </p:cNvSpPr>
+          <p:nvPr>
+            <p:ph type="body" sz="quarter" idx="12"/>
+          </p:nvPr>
+        </p:nvSpPr>
+        <p:spPr/>
+        <p:txBody>
+          <a:bodyPr/>
+          <a:lstStyle/>
+          <a:p>
+            <a:endParaRPr lang="en-US"/>
+          </a:p>
+        </p:txBody>
+      </p:sp>
+      <p:pic>
+        <p:nvPicPr>
+          <p:cNvPr id="3" name="Picture 2">
+            <a:extLst>
+              <a:ext uri="{FF2B5EF4-FFF2-40B4-BE49-F238E27FC236}">
+                <a16:creationId xmlns:a16="http://schemas.microsoft.com/office/drawing/2014/main" id="{826BD8BA-4430-077D-A485-CCEE7118DB77}"/>
+              </a:ext>
+            </a:extLst>
+          </p:cNvPr>
+          <p:cNvPicPr>
+            <a:picLocks noChangeAspect="1"/>
+          </p:cNvPicPr>
+          <p:nvPr/>
+        </p:nvPicPr>
+        <p:blipFill>
+          <a:blip r:embed="rId3"/>
+          <a:stretch>
+            <a:fillRect/>
+          </a:stretch>
+        </p:blipFill>
+        <p:spPr>
+          <a:xfrm>
+            <a:off x="971845" y="2207024"/>
+            <a:ext cx="5891476" cy="3363351"/>
+          </a:xfrm>
+          <a:prstGeom prst="rect">
+            <a:avLst/>
+          </a:prstGeom>
+        </p:spPr>
+      </p:pic>
+      <p:pic>
+        <p:nvPicPr>
           <p:cNvPr id="5" name="Picture 4">
             <a:extLst>
               <a:ext uri="{FF2B5EF4-FFF2-40B4-BE49-F238E27FC236}">
@@ -8520,7 +8752,123 @@
 </p:sld>
 </file>
 
-<file path=ppt/slides/slide19.xml><?xml version="1.0" encoding="utf-8"?>
+<file path=ppt/slides/slide2.xml><?xml version="1.0" encoding="utf-8"?>
+<p:sld xmlns:a="http://schemas.openxmlformats.org/drawingml/2006/main" xmlns:r="http://schemas.openxmlformats.org/officeDocument/2006/relationships" xmlns:p="http://schemas.openxmlformats.org/presentationml/2006/main">
+  <p:cSld>
+    <p:spTree>
+      <p:nvGrpSpPr>
+        <p:cNvPr id="1" name=""/>
+        <p:cNvGrpSpPr/>
+        <p:nvPr/>
+      </p:nvGrpSpPr>
+      <p:grpSpPr>
+        <a:xfrm>
+          <a:off x="0" y="0"/>
+          <a:ext cx="0" cy="0"/>
+          <a:chOff x="0" y="0"/>
+          <a:chExt cx="0" cy="0"/>
+        </a:xfrm>
+      </p:grpSpPr>
+      <p:sp>
+        <p:nvSpPr>
+          <p:cNvPr id="2" name="Title 1">
+            <a:extLst>
+              <a:ext uri="{FF2B5EF4-FFF2-40B4-BE49-F238E27FC236}">
+                <a16:creationId xmlns:a16="http://schemas.microsoft.com/office/drawing/2014/main" id="{D2AAFA58-9F0A-4217-B38D-E58CFC4CAD2A}"/>
+              </a:ext>
+            </a:extLst>
+          </p:cNvPr>
+          <p:cNvSpPr>
+            <a:spLocks noGrp="1"/>
+          </p:cNvSpPr>
+          <p:nvPr>
+            <p:ph type="title"/>
+          </p:nvPr>
+        </p:nvSpPr>
+        <p:spPr/>
+        <p:txBody>
+          <a:bodyPr/>
+          <a:lstStyle/>
+          <a:p>
+            <a:r>
+              <a:rPr lang="en-US" dirty="0">
+                <a:latin typeface="LM Sans 10" panose="00000500000000000000" pitchFamily="50" charset="0"/>
+              </a:rPr>
+              <a:t>Linear system of equations</a:t>
+            </a:r>
+            <a:endParaRPr lang="uk-UA" dirty="0"/>
+          </a:p>
+        </p:txBody>
+      </p:sp>
+      <p:sp>
+        <p:nvSpPr>
+          <p:cNvPr id="4" name="Text Placeholder 3">
+            <a:extLst>
+              <a:ext uri="{FF2B5EF4-FFF2-40B4-BE49-F238E27FC236}">
+                <a16:creationId xmlns:a16="http://schemas.microsoft.com/office/drawing/2014/main" id="{22379093-2446-7E14-8100-7BE52B6E3AF4}"/>
+              </a:ext>
+            </a:extLst>
+          </p:cNvPr>
+          <p:cNvSpPr>
+            <a:spLocks noGrp="1"/>
+          </p:cNvSpPr>
+          <p:nvPr>
+            <p:ph type="body" sz="quarter" idx="12"/>
+          </p:nvPr>
+        </p:nvSpPr>
+        <p:spPr/>
+        <p:txBody>
+          <a:bodyPr/>
+          <a:lstStyle/>
+          <a:p>
+            <a:endParaRPr lang="en-US"/>
+          </a:p>
+        </p:txBody>
+      </p:sp>
+      <p:pic>
+        <p:nvPicPr>
+          <p:cNvPr id="3" name="Picture 2">
+            <a:extLst>
+              <a:ext uri="{FF2B5EF4-FFF2-40B4-BE49-F238E27FC236}">
+                <a16:creationId xmlns:a16="http://schemas.microsoft.com/office/drawing/2014/main" id="{E0E6384C-1128-C1C5-A6DC-89B94D81F977}"/>
+              </a:ext>
+            </a:extLst>
+          </p:cNvPr>
+          <p:cNvPicPr>
+            <a:picLocks noChangeAspect="1"/>
+          </p:cNvPicPr>
+          <p:nvPr/>
+        </p:nvPicPr>
+        <p:blipFill>
+          <a:blip r:embed="rId3"/>
+          <a:stretch>
+            <a:fillRect/>
+          </a:stretch>
+        </p:blipFill>
+        <p:spPr>
+          <a:xfrm>
+            <a:off x="1810413" y="2136066"/>
+            <a:ext cx="8571173" cy="2091123"/>
+          </a:xfrm>
+          <a:prstGeom prst="rect">
+            <a:avLst/>
+          </a:prstGeom>
+        </p:spPr>
+      </p:pic>
+    </p:spTree>
+    <p:extLst>
+      <p:ext uri="{BB962C8B-B14F-4D97-AF65-F5344CB8AC3E}">
+        <p14:creationId xmlns:p14="http://schemas.microsoft.com/office/powerpoint/2010/main" val="3247966044"/>
+      </p:ext>
+    </p:extLst>
+  </p:cSld>
+  <p:clrMapOvr>
+    <a:masterClrMapping/>
+  </p:clrMapOvr>
+</p:sld>
+</file>
+
+<file path=ppt/slides/slide20.xml><?xml version="1.0" encoding="utf-8"?>
 <p:sld xmlns:a="http://schemas.openxmlformats.org/drawingml/2006/main" xmlns:r="http://schemas.openxmlformats.org/officeDocument/2006/relationships" xmlns:p="http://schemas.openxmlformats.org/presentationml/2006/main">
   <p:cSld>
     <p:spTree>
@@ -9245,7 +9593,7 @@
 </p:sld>
 </file>
 
-<file path=ppt/slides/slide2.xml><?xml version="1.0" encoding="utf-8"?>
+<file path=ppt/slides/slide21.xml><?xml version="1.0" encoding="utf-8"?>
 <p:sld xmlns:a="http://schemas.openxmlformats.org/drawingml/2006/main" xmlns:r="http://schemas.openxmlformats.org/officeDocument/2006/relationships" xmlns:p="http://schemas.openxmlformats.org/presentationml/2006/main">
   <p:cSld>
     <p:spTree>
@@ -9264,48 +9612,6 @@
       </p:grpSpPr>
       <p:sp>
         <p:nvSpPr>
-          <p:cNvPr id="16" name="Rectangle 15">
-            <a:extLst>
-              <a:ext uri="{FF2B5EF4-FFF2-40B4-BE49-F238E27FC236}">
-                <a16:creationId xmlns:a16="http://schemas.microsoft.com/office/drawing/2014/main" id="{66EAA014-8B46-47C7-B723-4D6ACEB4F8A0}"/>
-              </a:ext>
-            </a:extLst>
-          </p:cNvPr>
-          <p:cNvSpPr/>
-          <p:nvPr/>
-        </p:nvSpPr>
-        <p:spPr>
-          <a:xfrm>
-            <a:off x="767980" y="1251691"/>
-            <a:ext cx="7111081" cy="400110"/>
-          </a:xfrm>
-          <a:prstGeom prst="rect">
-            <a:avLst/>
-          </a:prstGeom>
-        </p:spPr>
-        <p:txBody>
-          <a:bodyPr wrap="square">
-            <a:spAutoFit/>
-          </a:bodyPr>
-          <a:lstStyle/>
-          <a:p>
-            <a:pPr algn="just">
-              <a:spcAft>
-                <a:spcPts val="600"/>
-              </a:spcAft>
-              <a:buClr>
-                <a:srgbClr val="0808FF"/>
-              </a:buClr>
-            </a:pPr>
-            <a:r>
-              <a:rPr lang="en-US" sz="2000" dirty="0"/>
-              <a:t>Generic problem: solve a system of linear equations</a:t>
-            </a:r>
-          </a:p>
-        </p:txBody>
-      </p:sp>
-      <p:sp>
-        <p:nvSpPr>
           <p:cNvPr id="2" name="Title 1">
             <a:extLst>
               <a:ext uri="{FF2B5EF4-FFF2-40B4-BE49-F238E27FC236}">
@@ -9320,7 +9626,12 @@
             <p:ph type="title"/>
           </p:nvPr>
         </p:nvSpPr>
-        <p:spPr/>
+        <p:spPr>
+          <a:xfrm>
+            <a:off x="370542" y="0"/>
+            <a:ext cx="11450917" cy="1165085"/>
+          </a:xfrm>
+        </p:spPr>
         <p:txBody>
           <a:bodyPr/>
           <a:lstStyle/>
@@ -9329,7 +9640,7 @@
               <a:rPr lang="en-US" dirty="0">
                 <a:latin typeface="LM Sans 10" panose="00000500000000000000" pitchFamily="50" charset="0"/>
               </a:rPr>
-              <a:t>Linear system of equations</a:t>
+              <a:t>LU decomposition and systems of linear equations</a:t>
             </a:r>
             <a:endParaRPr lang="uk-UA" dirty="0"/>
           </a:p>
@@ -9357,55 +9668,15 @@
           <a:lstStyle/>
           <a:p>
             <a:endParaRPr lang="en-US"/>
-          </a:p>
-        </p:txBody>
-      </p:sp>
-      <p:sp>
-        <p:nvSpPr>
-          <p:cNvPr id="10" name="TextBox 9">
-            <a:extLst>
-              <a:ext uri="{FF2B5EF4-FFF2-40B4-BE49-F238E27FC236}">
-                <a16:creationId xmlns:a16="http://schemas.microsoft.com/office/drawing/2014/main" id="{DD660118-25D7-60A3-F11C-C0E6045D4CE6}"/>
-              </a:ext>
-            </a:extLst>
-          </p:cNvPr>
-          <p:cNvSpPr txBox="1"/>
-          <p:nvPr/>
-        </p:nvSpPr>
-        <p:spPr>
-          <a:xfrm>
-            <a:off x="767979" y="5481851"/>
-            <a:ext cx="9099351" cy="400110"/>
-          </a:xfrm>
-          <a:prstGeom prst="rect">
-            <a:avLst/>
-          </a:prstGeom>
-          <a:noFill/>
-        </p:spPr>
-        <p:txBody>
-          <a:bodyPr wrap="square" rtlCol="0">
-            <a:spAutoFit/>
-          </a:bodyPr>
-          <a:lstStyle/>
-          <a:p>
-            <a:r>
-              <a:rPr lang="en-US" sz="2000" dirty="0"/>
-              <a:t>A unique solution exists if all equations are </a:t>
-            </a:r>
-            <a:r>
-              <a:rPr lang="en-US" sz="2000" i="1" dirty="0"/>
-              <a:t>linearly independent and consistent</a:t>
-            </a:r>
-            <a:endParaRPr lang="en-US" sz="2000" b="1" i="1" dirty="0"/>
           </a:p>
         </p:txBody>
       </p:sp>
       <p:pic>
         <p:nvPicPr>
-          <p:cNvPr id="5" name="Picture 4">
-            <a:extLst>
-              <a:ext uri="{FF2B5EF4-FFF2-40B4-BE49-F238E27FC236}">
-                <a16:creationId xmlns:a16="http://schemas.microsoft.com/office/drawing/2014/main" id="{3177D3EA-777D-C1E0-C86D-0FA5BD5B4AB8}"/>
+          <p:cNvPr id="3" name="Picture 2">
+            <a:extLst>
+              <a:ext uri="{FF2B5EF4-FFF2-40B4-BE49-F238E27FC236}">
+                <a16:creationId xmlns:a16="http://schemas.microsoft.com/office/drawing/2014/main" id="{582FD1BC-FF79-649B-87C3-FBA4763F636A}"/>
               </a:ext>
             </a:extLst>
           </p:cNvPr>
@@ -9422,62 +9693,20 @@
         </p:blipFill>
         <p:spPr>
           <a:xfrm>
-            <a:off x="5283852" y="1706561"/>
-            <a:ext cx="1624296" cy="1690594"/>
+            <a:off x="979272" y="1656915"/>
+            <a:ext cx="4924755" cy="4338004"/>
           </a:xfrm>
           <a:prstGeom prst="rect">
             <a:avLst/>
           </a:prstGeom>
         </p:spPr>
       </p:pic>
-      <p:sp>
-        <p:nvSpPr>
-          <p:cNvPr id="6" name="Rectangle 5">
-            <a:extLst>
-              <a:ext uri="{FF2B5EF4-FFF2-40B4-BE49-F238E27FC236}">
-                <a16:creationId xmlns:a16="http://schemas.microsoft.com/office/drawing/2014/main" id="{01DAA315-8DA7-57E7-479F-D67B62B1A867}"/>
-              </a:ext>
-            </a:extLst>
-          </p:cNvPr>
-          <p:cNvSpPr/>
-          <p:nvPr/>
-        </p:nvSpPr>
-        <p:spPr>
-          <a:xfrm>
-            <a:off x="767980" y="3515571"/>
-            <a:ext cx="7111081" cy="400110"/>
-          </a:xfrm>
-          <a:prstGeom prst="rect">
-            <a:avLst/>
-          </a:prstGeom>
-        </p:spPr>
-        <p:txBody>
-          <a:bodyPr wrap="square">
-            <a:spAutoFit/>
-          </a:bodyPr>
-          <a:lstStyle/>
-          <a:p>
-            <a:pPr algn="just">
-              <a:spcAft>
-                <a:spcPts val="600"/>
-              </a:spcAft>
-              <a:buClr>
-                <a:srgbClr val="0808FF"/>
-              </a:buClr>
-            </a:pPr>
-            <a:r>
-              <a:rPr lang="en-US" sz="2000" dirty="0"/>
-              <a:t>Matrix form:</a:t>
-            </a:r>
-          </a:p>
-        </p:txBody>
-      </p:sp>
       <p:pic>
         <p:nvPicPr>
-          <p:cNvPr id="7" name="Picture 6">
-            <a:extLst>
-              <a:ext uri="{FF2B5EF4-FFF2-40B4-BE49-F238E27FC236}">
-                <a16:creationId xmlns:a16="http://schemas.microsoft.com/office/drawing/2014/main" id="{069BF24D-0579-D1D0-E4DD-A5F226BAD222}"/>
+          <p:cNvPr id="11" name="Picture 10">
+            <a:extLst>
+              <a:ext uri="{FF2B5EF4-FFF2-40B4-BE49-F238E27FC236}">
+                <a16:creationId xmlns:a16="http://schemas.microsoft.com/office/drawing/2014/main" id="{7AC81AAE-5AAA-97E3-D5C2-7EB8E7B4068F}"/>
               </a:ext>
             </a:extLst>
           </p:cNvPr>
@@ -9494,6 +9723,956 @@
         </p:blipFill>
         <p:spPr>
           <a:xfrm>
+            <a:off x="7264372" y="2490859"/>
+            <a:ext cx="3470943" cy="2547672"/>
+          </a:xfrm>
+          <a:prstGeom prst="rect">
+            <a:avLst/>
+          </a:prstGeom>
+        </p:spPr>
+      </p:pic>
+    </p:spTree>
+    <p:extLst>
+      <p:ext uri="{BB962C8B-B14F-4D97-AF65-F5344CB8AC3E}">
+        <p14:creationId xmlns:p14="http://schemas.microsoft.com/office/powerpoint/2010/main" val="4206313122"/>
+      </p:ext>
+    </p:extLst>
+  </p:cSld>
+  <p:clrMapOvr>
+    <a:masterClrMapping/>
+  </p:clrMapOvr>
+</p:sld>
+</file>
+
+<file path=ppt/slides/slide22.xml><?xml version="1.0" encoding="utf-8"?>
+<p:sld xmlns:a="http://schemas.openxmlformats.org/drawingml/2006/main" xmlns:r="http://schemas.openxmlformats.org/officeDocument/2006/relationships" xmlns:p="http://schemas.openxmlformats.org/presentationml/2006/main">
+  <p:cSld>
+    <p:spTree>
+      <p:nvGrpSpPr>
+        <p:cNvPr id="1" name=""/>
+        <p:cNvGrpSpPr/>
+        <p:nvPr/>
+      </p:nvGrpSpPr>
+      <p:grpSpPr>
+        <a:xfrm>
+          <a:off x="0" y="0"/>
+          <a:ext cx="0" cy="0"/>
+          <a:chOff x="0" y="0"/>
+          <a:chExt cx="0" cy="0"/>
+        </a:xfrm>
+      </p:grpSpPr>
+      <p:sp>
+        <p:nvSpPr>
+          <p:cNvPr id="2" name="Title 1">
+            <a:extLst>
+              <a:ext uri="{FF2B5EF4-FFF2-40B4-BE49-F238E27FC236}">
+                <a16:creationId xmlns:a16="http://schemas.microsoft.com/office/drawing/2014/main" id="{D2AAFA58-9F0A-4217-B38D-E58CFC4CAD2A}"/>
+              </a:ext>
+            </a:extLst>
+          </p:cNvPr>
+          <p:cNvSpPr>
+            <a:spLocks noGrp="1"/>
+          </p:cNvSpPr>
+          <p:nvPr>
+            <p:ph type="title"/>
+          </p:nvPr>
+        </p:nvSpPr>
+        <p:spPr/>
+        <p:txBody>
+          <a:bodyPr/>
+          <a:lstStyle/>
+          <a:p>
+            <a:r>
+              <a:rPr lang="en-US" dirty="0">
+                <a:latin typeface="LM Sans 10" panose="00000500000000000000" pitchFamily="50" charset="0"/>
+              </a:rPr>
+              <a:t>LU decomposition with pivoting</a:t>
+            </a:r>
+            <a:endParaRPr lang="uk-UA" dirty="0"/>
+          </a:p>
+        </p:txBody>
+      </p:sp>
+      <p:sp>
+        <p:nvSpPr>
+          <p:cNvPr id="4" name="Text Placeholder 3">
+            <a:extLst>
+              <a:ext uri="{FF2B5EF4-FFF2-40B4-BE49-F238E27FC236}">
+                <a16:creationId xmlns:a16="http://schemas.microsoft.com/office/drawing/2014/main" id="{22379093-2446-7E14-8100-7BE52B6E3AF4}"/>
+              </a:ext>
+            </a:extLst>
+          </p:cNvPr>
+          <p:cNvSpPr>
+            <a:spLocks noGrp="1"/>
+          </p:cNvSpPr>
+          <p:nvPr>
+            <p:ph type="body" sz="quarter" idx="12"/>
+          </p:nvPr>
+        </p:nvSpPr>
+        <p:spPr/>
+        <p:txBody>
+          <a:bodyPr/>
+          <a:lstStyle/>
+          <a:p>
+            <a:endParaRPr lang="en-US"/>
+          </a:p>
+        </p:txBody>
+      </p:sp>
+      <p:sp>
+        <p:nvSpPr>
+          <p:cNvPr id="5" name="Rectangle 4">
+            <a:extLst>
+              <a:ext uri="{FF2B5EF4-FFF2-40B4-BE49-F238E27FC236}">
+                <a16:creationId xmlns:a16="http://schemas.microsoft.com/office/drawing/2014/main" id="{C2E4FC98-B6B4-1867-B737-D3B532F53A1E}"/>
+              </a:ext>
+            </a:extLst>
+          </p:cNvPr>
+          <p:cNvSpPr/>
+          <p:nvPr/>
+        </p:nvSpPr>
+        <p:spPr>
+          <a:xfrm>
+            <a:off x="729032" y="1168362"/>
+            <a:ext cx="9929568" cy="2554545"/>
+          </a:xfrm>
+          <a:prstGeom prst="rect">
+            <a:avLst/>
+          </a:prstGeom>
+        </p:spPr>
+        <p:txBody>
+          <a:bodyPr wrap="square">
+            <a:spAutoFit/>
+          </a:bodyPr>
+          <a:lstStyle/>
+          <a:p>
+            <a:pPr algn="just">
+              <a:spcAft>
+                <a:spcPts val="600"/>
+              </a:spcAft>
+              <a:buClr>
+                <a:srgbClr val="0808FF"/>
+              </a:buClr>
+            </a:pPr>
+            <a:r>
+              <a:rPr lang="en-US" sz="2000" dirty="0"/>
+              <a:t>Not every non-singular matrix allows for LU decomposition because its diagonal elements may end up being zero.</a:t>
+            </a:r>
+          </a:p>
+          <a:p>
+            <a:pPr algn="just">
+              <a:spcAft>
+                <a:spcPts val="600"/>
+              </a:spcAft>
+              <a:buClr>
+                <a:srgbClr val="0808FF"/>
+              </a:buClr>
+            </a:pPr>
+            <a:endParaRPr lang="en-US" sz="2000" dirty="0"/>
+          </a:p>
+          <a:p>
+            <a:pPr algn="just">
+              <a:spcAft>
+                <a:spcPts val="600"/>
+              </a:spcAft>
+              <a:buClr>
+                <a:srgbClr val="0808FF"/>
+              </a:buClr>
+            </a:pPr>
+            <a:r>
+              <a:rPr lang="en-US" sz="2000" dirty="0"/>
+              <a:t>In the general case, we need to allow the possibility to perform partial pivoting by exchanging the rows of our matrix.</a:t>
+            </a:r>
+          </a:p>
+          <a:p>
+            <a:pPr algn="just">
+              <a:spcAft>
+                <a:spcPts val="600"/>
+              </a:spcAft>
+              <a:buClr>
+                <a:srgbClr val="0808FF"/>
+              </a:buClr>
+            </a:pPr>
+            <a:endParaRPr lang="en-US" sz="2000" dirty="0"/>
+          </a:p>
+          <a:p>
+            <a:pPr algn="just">
+              <a:spcAft>
+                <a:spcPts val="600"/>
+              </a:spcAft>
+              <a:buClr>
+                <a:srgbClr val="0808FF"/>
+              </a:buClr>
+            </a:pPr>
+            <a:r>
+              <a:rPr lang="en-US" sz="2000" dirty="0"/>
+              <a:t>If we do that, what we get the LU-decomposition with pivoting, which can be written as</a:t>
+            </a:r>
+          </a:p>
+        </p:txBody>
+      </p:sp>
+      <p:pic>
+        <p:nvPicPr>
+          <p:cNvPr id="3" name="Picture 2">
+            <a:extLst>
+              <a:ext uri="{FF2B5EF4-FFF2-40B4-BE49-F238E27FC236}">
+                <a16:creationId xmlns:a16="http://schemas.microsoft.com/office/drawing/2014/main" id="{F3AD5112-9F7B-51E8-B82B-C50CF347E528}"/>
+              </a:ext>
+            </a:extLst>
+          </p:cNvPr>
+          <p:cNvPicPr>
+            <a:picLocks noChangeAspect="1"/>
+          </p:cNvPicPr>
+          <p:nvPr/>
+        </p:nvPicPr>
+        <p:blipFill>
+          <a:blip r:embed="rId3"/>
+          <a:stretch>
+            <a:fillRect/>
+          </a:stretch>
+        </p:blipFill>
+        <p:spPr>
+          <a:xfrm>
+            <a:off x="5585745" y="3829896"/>
+            <a:ext cx="1089818" cy="280239"/>
+          </a:xfrm>
+          <a:prstGeom prst="rect">
+            <a:avLst/>
+          </a:prstGeom>
+        </p:spPr>
+      </p:pic>
+      <p:sp>
+        <p:nvSpPr>
+          <p:cNvPr id="11" name="Rectangle 10">
+            <a:extLst>
+              <a:ext uri="{FF2B5EF4-FFF2-40B4-BE49-F238E27FC236}">
+                <a16:creationId xmlns:a16="http://schemas.microsoft.com/office/drawing/2014/main" id="{E962BDB0-7312-37AB-34F7-2D36394894E3}"/>
+              </a:ext>
+            </a:extLst>
+          </p:cNvPr>
+          <p:cNvSpPr/>
+          <p:nvPr/>
+        </p:nvSpPr>
+        <p:spPr>
+          <a:xfrm>
+            <a:off x="729032" y="4303455"/>
+            <a:ext cx="9929568" cy="400110"/>
+          </a:xfrm>
+          <a:prstGeom prst="rect">
+            <a:avLst/>
+          </a:prstGeom>
+        </p:spPr>
+        <p:txBody>
+          <a:bodyPr wrap="square">
+            <a:spAutoFit/>
+          </a:bodyPr>
+          <a:lstStyle/>
+          <a:p>
+            <a:pPr algn="just">
+              <a:spcAft>
+                <a:spcPts val="600"/>
+              </a:spcAft>
+              <a:buClr>
+                <a:srgbClr val="0808FF"/>
+              </a:buClr>
+            </a:pPr>
+            <a:r>
+              <a:rPr lang="en-US" sz="2000" dirty="0"/>
+              <a:t>Here </a:t>
+            </a:r>
+            <a:r>
+              <a:rPr lang="en-US" sz="2000" b="1" dirty="0"/>
+              <a:t>P</a:t>
+            </a:r>
+            <a:r>
+              <a:rPr lang="en-US" sz="2000" dirty="0"/>
+              <a:t> is a row permutation operator.</a:t>
+            </a:r>
+          </a:p>
+        </p:txBody>
+      </p:sp>
+      <p:sp>
+        <p:nvSpPr>
+          <p:cNvPr id="12" name="Rectangle 11">
+            <a:extLst>
+              <a:ext uri="{FF2B5EF4-FFF2-40B4-BE49-F238E27FC236}">
+                <a16:creationId xmlns:a16="http://schemas.microsoft.com/office/drawing/2014/main" id="{E2D73350-B0E4-53B7-CB0B-AE11D9AA2EF8}"/>
+              </a:ext>
+            </a:extLst>
+          </p:cNvPr>
+          <p:cNvSpPr/>
+          <p:nvPr/>
+        </p:nvSpPr>
+        <p:spPr>
+          <a:xfrm>
+            <a:off x="749763" y="4896885"/>
+            <a:ext cx="9929568" cy="1862048"/>
+          </a:xfrm>
+          <a:prstGeom prst="rect">
+            <a:avLst/>
+          </a:prstGeom>
+        </p:spPr>
+        <p:txBody>
+          <a:bodyPr wrap="square">
+            <a:spAutoFit/>
+          </a:bodyPr>
+          <a:lstStyle/>
+          <a:p>
+            <a:pPr algn="just">
+              <a:spcAft>
+                <a:spcPts val="600"/>
+              </a:spcAft>
+              <a:buClr>
+                <a:srgbClr val="0808FF"/>
+              </a:buClr>
+            </a:pPr>
+            <a:r>
+              <a:rPr lang="en-US" sz="2000" dirty="0"/>
+              <a:t>Solving the system of equations</a:t>
+            </a:r>
+          </a:p>
+          <a:p>
+            <a:pPr algn="just">
+              <a:spcAft>
+                <a:spcPts val="600"/>
+              </a:spcAft>
+              <a:buClr>
+                <a:srgbClr val="0808FF"/>
+              </a:buClr>
+            </a:pPr>
+            <a:endParaRPr lang="en-US" sz="2000" dirty="0"/>
+          </a:p>
+          <a:p>
+            <a:pPr algn="just">
+              <a:spcAft>
+                <a:spcPts val="600"/>
+              </a:spcAft>
+              <a:buClr>
+                <a:srgbClr val="0808FF"/>
+              </a:buClr>
+            </a:pPr>
+            <a:endParaRPr lang="en-US" sz="2000" dirty="0"/>
+          </a:p>
+          <a:p>
+            <a:pPr algn="just">
+              <a:spcAft>
+                <a:spcPts val="600"/>
+              </a:spcAft>
+              <a:buClr>
+                <a:srgbClr val="0808FF"/>
+              </a:buClr>
+            </a:pPr>
+            <a:r>
+              <a:rPr lang="en-US" sz="2000" dirty="0"/>
+              <a:t>is also straightforward using forward and </a:t>
+            </a:r>
+            <a:r>
+              <a:rPr lang="en-US" sz="2000" dirty="0" err="1"/>
+              <a:t>backsubstitution</a:t>
+            </a:r>
+            <a:r>
+              <a:rPr lang="en-US" sz="2000" dirty="0"/>
+              <a:t> passes, except that we have to exchange the rows in the vector </a:t>
+            </a:r>
+            <a:r>
+              <a:rPr lang="en-US" sz="2000" b="1" dirty="0"/>
+              <a:t>v</a:t>
+            </a:r>
+            <a:r>
+              <a:rPr lang="en-US" sz="2000" dirty="0"/>
+              <a:t> to account for the row swaps that we did.</a:t>
+            </a:r>
+          </a:p>
+        </p:txBody>
+      </p:sp>
+      <p:pic>
+        <p:nvPicPr>
+          <p:cNvPr id="14" name="Picture 13">
+            <a:extLst>
+              <a:ext uri="{FF2B5EF4-FFF2-40B4-BE49-F238E27FC236}">
+                <a16:creationId xmlns:a16="http://schemas.microsoft.com/office/drawing/2014/main" id="{29A79328-0D89-AF85-960B-E5DA3BF051AA}"/>
+              </a:ext>
+            </a:extLst>
+          </p:cNvPr>
+          <p:cNvPicPr>
+            <a:picLocks noChangeAspect="1"/>
+          </p:cNvPicPr>
+          <p:nvPr/>
+        </p:nvPicPr>
+        <p:blipFill>
+          <a:blip r:embed="rId4"/>
+          <a:stretch>
+            <a:fillRect/>
+          </a:stretch>
+        </p:blipFill>
+        <p:spPr>
+          <a:xfrm>
+            <a:off x="5585745" y="5447036"/>
+            <a:ext cx="904307" cy="295955"/>
+          </a:xfrm>
+          <a:prstGeom prst="rect">
+            <a:avLst/>
+          </a:prstGeom>
+        </p:spPr>
+      </p:pic>
+    </p:spTree>
+    <p:extLst>
+      <p:ext uri="{BB962C8B-B14F-4D97-AF65-F5344CB8AC3E}">
+        <p14:creationId xmlns:p14="http://schemas.microsoft.com/office/powerpoint/2010/main" val="2193860864"/>
+      </p:ext>
+    </p:extLst>
+  </p:cSld>
+  <p:clrMapOvr>
+    <a:masterClrMapping/>
+  </p:clrMapOvr>
+</p:sld>
+</file>
+
+<file path=ppt/slides/slide23.xml><?xml version="1.0" encoding="utf-8"?>
+<p:sld xmlns:a="http://schemas.openxmlformats.org/drawingml/2006/main" xmlns:r="http://schemas.openxmlformats.org/officeDocument/2006/relationships" xmlns:p="http://schemas.openxmlformats.org/presentationml/2006/main">
+  <p:cSld>
+    <p:spTree>
+      <p:nvGrpSpPr>
+        <p:cNvPr id="1" name=""/>
+        <p:cNvGrpSpPr/>
+        <p:nvPr/>
+      </p:nvGrpSpPr>
+      <p:grpSpPr>
+        <a:xfrm>
+          <a:off x="0" y="0"/>
+          <a:ext cx="0" cy="0"/>
+          <a:chOff x="0" y="0"/>
+          <a:chExt cx="0" cy="0"/>
+        </a:xfrm>
+      </p:grpSpPr>
+      <p:sp>
+        <p:nvSpPr>
+          <p:cNvPr id="2" name="Title 1">
+            <a:extLst>
+              <a:ext uri="{FF2B5EF4-FFF2-40B4-BE49-F238E27FC236}">
+                <a16:creationId xmlns:a16="http://schemas.microsoft.com/office/drawing/2014/main" id="{D2AAFA58-9F0A-4217-B38D-E58CFC4CAD2A}"/>
+              </a:ext>
+            </a:extLst>
+          </p:cNvPr>
+          <p:cNvSpPr>
+            <a:spLocks noGrp="1"/>
+          </p:cNvSpPr>
+          <p:nvPr>
+            <p:ph type="title"/>
+          </p:nvPr>
+        </p:nvSpPr>
+        <p:spPr/>
+        <p:txBody>
+          <a:bodyPr/>
+          <a:lstStyle/>
+          <a:p>
+            <a:r>
+              <a:rPr lang="en-US" dirty="0">
+                <a:latin typeface="LM Sans 10" panose="00000500000000000000" pitchFamily="50" charset="0"/>
+              </a:rPr>
+              <a:t>LU decomposition with pivoting</a:t>
+            </a:r>
+            <a:endParaRPr lang="uk-UA" dirty="0"/>
+          </a:p>
+        </p:txBody>
+      </p:sp>
+      <p:sp>
+        <p:nvSpPr>
+          <p:cNvPr id="4" name="Text Placeholder 3">
+            <a:extLst>
+              <a:ext uri="{FF2B5EF4-FFF2-40B4-BE49-F238E27FC236}">
+                <a16:creationId xmlns:a16="http://schemas.microsoft.com/office/drawing/2014/main" id="{22379093-2446-7E14-8100-7BE52B6E3AF4}"/>
+              </a:ext>
+            </a:extLst>
+          </p:cNvPr>
+          <p:cNvSpPr>
+            <a:spLocks noGrp="1"/>
+          </p:cNvSpPr>
+          <p:nvPr>
+            <p:ph type="body" sz="quarter" idx="12"/>
+          </p:nvPr>
+        </p:nvSpPr>
+        <p:spPr/>
+        <p:txBody>
+          <a:bodyPr/>
+          <a:lstStyle/>
+          <a:p>
+            <a:endParaRPr lang="en-US"/>
+          </a:p>
+        </p:txBody>
+      </p:sp>
+      <p:pic>
+        <p:nvPicPr>
+          <p:cNvPr id="6" name="Picture 5">
+            <a:extLst>
+              <a:ext uri="{FF2B5EF4-FFF2-40B4-BE49-F238E27FC236}">
+                <a16:creationId xmlns:a16="http://schemas.microsoft.com/office/drawing/2014/main" id="{AA440268-E4FB-C1AC-7A7B-30A73040FF81}"/>
+              </a:ext>
+            </a:extLst>
+          </p:cNvPr>
+          <p:cNvPicPr>
+            <a:picLocks noChangeAspect="1"/>
+          </p:cNvPicPr>
+          <p:nvPr/>
+        </p:nvPicPr>
+        <p:blipFill>
+          <a:blip r:embed="rId3"/>
+          <a:stretch>
+            <a:fillRect/>
+          </a:stretch>
+        </p:blipFill>
+        <p:spPr>
+          <a:xfrm>
+            <a:off x="751037" y="1289885"/>
+            <a:ext cx="4826922" cy="5177406"/>
+          </a:xfrm>
+          <a:prstGeom prst="rect">
+            <a:avLst/>
+          </a:prstGeom>
+        </p:spPr>
+      </p:pic>
+      <p:pic>
+        <p:nvPicPr>
+          <p:cNvPr id="7" name="Picture 6">
+            <a:extLst>
+              <a:ext uri="{FF2B5EF4-FFF2-40B4-BE49-F238E27FC236}">
+                <a16:creationId xmlns:a16="http://schemas.microsoft.com/office/drawing/2014/main" id="{F40EED7A-35B2-18D4-7982-9908814258A9}"/>
+              </a:ext>
+            </a:extLst>
+          </p:cNvPr>
+          <p:cNvPicPr>
+            <a:picLocks noChangeAspect="1"/>
+          </p:cNvPicPr>
+          <p:nvPr/>
+        </p:nvPicPr>
+        <p:blipFill>
+          <a:blip r:embed="rId4"/>
+          <a:stretch>
+            <a:fillRect/>
+          </a:stretch>
+        </p:blipFill>
+        <p:spPr>
+          <a:xfrm>
+            <a:off x="6291041" y="1234068"/>
+            <a:ext cx="5367557" cy="5164240"/>
+          </a:xfrm>
+          <a:prstGeom prst="rect">
+            <a:avLst/>
+          </a:prstGeom>
+        </p:spPr>
+      </p:pic>
+    </p:spTree>
+    <p:extLst>
+      <p:ext uri="{BB962C8B-B14F-4D97-AF65-F5344CB8AC3E}">
+        <p14:creationId xmlns:p14="http://schemas.microsoft.com/office/powerpoint/2010/main" val="2641114395"/>
+      </p:ext>
+    </p:extLst>
+  </p:cSld>
+  <p:clrMapOvr>
+    <a:masterClrMapping/>
+  </p:clrMapOvr>
+</p:sld>
+</file>
+
+<file path=ppt/slides/slide24.xml><?xml version="1.0" encoding="utf-8"?>
+<p:sld xmlns:a="http://schemas.openxmlformats.org/drawingml/2006/main" xmlns:r="http://schemas.openxmlformats.org/officeDocument/2006/relationships" xmlns:p="http://schemas.openxmlformats.org/presentationml/2006/main">
+  <p:cSld>
+    <p:spTree>
+      <p:nvGrpSpPr>
+        <p:cNvPr id="1" name=""/>
+        <p:cNvGrpSpPr/>
+        <p:nvPr/>
+      </p:nvGrpSpPr>
+      <p:grpSpPr>
+        <a:xfrm>
+          <a:off x="0" y="0"/>
+          <a:ext cx="0" cy="0"/>
+          <a:chOff x="0" y="0"/>
+          <a:chExt cx="0" cy="0"/>
+        </a:xfrm>
+      </p:grpSpPr>
+      <p:sp>
+        <p:nvSpPr>
+          <p:cNvPr id="2" name="Title 1">
+            <a:extLst>
+              <a:ext uri="{FF2B5EF4-FFF2-40B4-BE49-F238E27FC236}">
+                <a16:creationId xmlns:a16="http://schemas.microsoft.com/office/drawing/2014/main" id="{D2AAFA58-9F0A-4217-B38D-E58CFC4CAD2A}"/>
+              </a:ext>
+            </a:extLst>
+          </p:cNvPr>
+          <p:cNvSpPr>
+            <a:spLocks noGrp="1"/>
+          </p:cNvSpPr>
+          <p:nvPr>
+            <p:ph type="title"/>
+          </p:nvPr>
+        </p:nvSpPr>
+        <p:spPr/>
+        <p:txBody>
+          <a:bodyPr/>
+          <a:lstStyle/>
+          <a:p>
+            <a:r>
+              <a:rPr lang="en-US" dirty="0">
+                <a:latin typeface="LM Sans 10" panose="00000500000000000000" pitchFamily="50" charset="0"/>
+              </a:rPr>
+              <a:t>LU decomposition with pivoting</a:t>
+            </a:r>
+            <a:endParaRPr lang="uk-UA" dirty="0"/>
+          </a:p>
+        </p:txBody>
+      </p:sp>
+      <p:sp>
+        <p:nvSpPr>
+          <p:cNvPr id="4" name="Text Placeholder 3">
+            <a:extLst>
+              <a:ext uri="{FF2B5EF4-FFF2-40B4-BE49-F238E27FC236}">
+                <a16:creationId xmlns:a16="http://schemas.microsoft.com/office/drawing/2014/main" id="{22379093-2446-7E14-8100-7BE52B6E3AF4}"/>
+              </a:ext>
+            </a:extLst>
+          </p:cNvPr>
+          <p:cNvSpPr>
+            <a:spLocks noGrp="1"/>
+          </p:cNvSpPr>
+          <p:nvPr>
+            <p:ph type="body" sz="quarter" idx="12"/>
+          </p:nvPr>
+        </p:nvSpPr>
+        <p:spPr/>
+        <p:txBody>
+          <a:bodyPr/>
+          <a:lstStyle/>
+          <a:p>
+            <a:endParaRPr lang="en-US"/>
+          </a:p>
+        </p:txBody>
+      </p:sp>
+      <p:pic>
+        <p:nvPicPr>
+          <p:cNvPr id="3" name="Picture 2">
+            <a:extLst>
+              <a:ext uri="{FF2B5EF4-FFF2-40B4-BE49-F238E27FC236}">
+                <a16:creationId xmlns:a16="http://schemas.microsoft.com/office/drawing/2014/main" id="{4D2FAF4C-4B10-1A8E-D293-59D36B86E057}"/>
+              </a:ext>
+            </a:extLst>
+          </p:cNvPr>
+          <p:cNvPicPr>
+            <a:picLocks noChangeAspect="1"/>
+          </p:cNvPicPr>
+          <p:nvPr/>
+        </p:nvPicPr>
+        <p:blipFill>
+          <a:blip r:embed="rId3"/>
+          <a:stretch>
+            <a:fillRect/>
+          </a:stretch>
+        </p:blipFill>
+        <p:spPr>
+          <a:xfrm>
+            <a:off x="770499" y="1558551"/>
+            <a:ext cx="4510627" cy="4143763"/>
+          </a:xfrm>
+          <a:prstGeom prst="rect">
+            <a:avLst/>
+          </a:prstGeom>
+        </p:spPr>
+      </p:pic>
+      <p:pic>
+        <p:nvPicPr>
+          <p:cNvPr id="5" name="Picture 4">
+            <a:extLst>
+              <a:ext uri="{FF2B5EF4-FFF2-40B4-BE49-F238E27FC236}">
+                <a16:creationId xmlns:a16="http://schemas.microsoft.com/office/drawing/2014/main" id="{B9BE3042-5A21-18E2-F679-E15DD1DA65A0}"/>
+              </a:ext>
+            </a:extLst>
+          </p:cNvPr>
+          <p:cNvPicPr>
+            <a:picLocks noChangeAspect="1"/>
+          </p:cNvPicPr>
+          <p:nvPr/>
+        </p:nvPicPr>
+        <p:blipFill>
+          <a:blip r:embed="rId4"/>
+          <a:stretch>
+            <a:fillRect/>
+          </a:stretch>
+        </p:blipFill>
+        <p:spPr>
+          <a:xfrm>
+            <a:off x="6347483" y="2223677"/>
+            <a:ext cx="4510627" cy="2678000"/>
+          </a:xfrm>
+          <a:prstGeom prst="rect">
+            <a:avLst/>
+          </a:prstGeom>
+        </p:spPr>
+      </p:pic>
+    </p:spTree>
+    <p:extLst>
+      <p:ext uri="{BB962C8B-B14F-4D97-AF65-F5344CB8AC3E}">
+        <p14:creationId xmlns:p14="http://schemas.microsoft.com/office/powerpoint/2010/main" val="1940979129"/>
+      </p:ext>
+    </p:extLst>
+  </p:cSld>
+  <p:clrMapOvr>
+    <a:masterClrMapping/>
+  </p:clrMapOvr>
+</p:sld>
+</file>
+
+<file path=ppt/slides/slide3.xml><?xml version="1.0" encoding="utf-8"?>
+<p:sld xmlns:a="http://schemas.openxmlformats.org/drawingml/2006/main" xmlns:r="http://schemas.openxmlformats.org/officeDocument/2006/relationships" xmlns:p="http://schemas.openxmlformats.org/presentationml/2006/main">
+  <p:cSld>
+    <p:spTree>
+      <p:nvGrpSpPr>
+        <p:cNvPr id="1" name="">
+          <a:extLst>
+            <a:ext uri="{FF2B5EF4-FFF2-40B4-BE49-F238E27FC236}">
+              <a16:creationId xmlns:a16="http://schemas.microsoft.com/office/drawing/2014/main" id="{0A657471-B558-D18E-3DA8-1DCA04042E56}"/>
+            </a:ext>
+          </a:extLst>
+        </p:cNvPr>
+        <p:cNvGrpSpPr/>
+        <p:nvPr/>
+      </p:nvGrpSpPr>
+      <p:grpSpPr>
+        <a:xfrm>
+          <a:off x="0" y="0"/>
+          <a:ext cx="0" cy="0"/>
+          <a:chOff x="0" y="0"/>
+          <a:chExt cx="0" cy="0"/>
+        </a:xfrm>
+      </p:grpSpPr>
+      <p:sp>
+        <p:nvSpPr>
+          <p:cNvPr id="16" name="Rectangle 15">
+            <a:extLst>
+              <a:ext uri="{FF2B5EF4-FFF2-40B4-BE49-F238E27FC236}">
+                <a16:creationId xmlns:a16="http://schemas.microsoft.com/office/drawing/2014/main" id="{1445E44E-0CC2-03B3-4CBA-811C58F010D8}"/>
+              </a:ext>
+            </a:extLst>
+          </p:cNvPr>
+          <p:cNvSpPr/>
+          <p:nvPr/>
+        </p:nvSpPr>
+        <p:spPr>
+          <a:xfrm>
+            <a:off x="767980" y="1251691"/>
+            <a:ext cx="7111081" cy="400110"/>
+          </a:xfrm>
+          <a:prstGeom prst="rect">
+            <a:avLst/>
+          </a:prstGeom>
+        </p:spPr>
+        <p:txBody>
+          <a:bodyPr wrap="square">
+            <a:spAutoFit/>
+          </a:bodyPr>
+          <a:lstStyle/>
+          <a:p>
+            <a:pPr algn="just">
+              <a:spcAft>
+                <a:spcPts val="600"/>
+              </a:spcAft>
+              <a:buClr>
+                <a:srgbClr val="0808FF"/>
+              </a:buClr>
+            </a:pPr>
+            <a:r>
+              <a:rPr lang="en-US" sz="2000" dirty="0"/>
+              <a:t>Generic problem: solve a system of linear equations</a:t>
+            </a:r>
+          </a:p>
+        </p:txBody>
+      </p:sp>
+      <p:sp>
+        <p:nvSpPr>
+          <p:cNvPr id="2" name="Title 1">
+            <a:extLst>
+              <a:ext uri="{FF2B5EF4-FFF2-40B4-BE49-F238E27FC236}">
+                <a16:creationId xmlns:a16="http://schemas.microsoft.com/office/drawing/2014/main" id="{2FF10663-BB03-49C9-AC29-A20E361F8A1D}"/>
+              </a:ext>
+            </a:extLst>
+          </p:cNvPr>
+          <p:cNvSpPr>
+            <a:spLocks noGrp="1"/>
+          </p:cNvSpPr>
+          <p:nvPr>
+            <p:ph type="title"/>
+          </p:nvPr>
+        </p:nvSpPr>
+        <p:spPr/>
+        <p:txBody>
+          <a:bodyPr/>
+          <a:lstStyle/>
+          <a:p>
+            <a:r>
+              <a:rPr lang="en-US" dirty="0">
+                <a:latin typeface="LM Sans 10" panose="00000500000000000000" pitchFamily="50" charset="0"/>
+              </a:rPr>
+              <a:t>Linear system of equations</a:t>
+            </a:r>
+            <a:endParaRPr lang="uk-UA" dirty="0"/>
+          </a:p>
+        </p:txBody>
+      </p:sp>
+      <p:sp>
+        <p:nvSpPr>
+          <p:cNvPr id="4" name="Text Placeholder 3">
+            <a:extLst>
+              <a:ext uri="{FF2B5EF4-FFF2-40B4-BE49-F238E27FC236}">
+                <a16:creationId xmlns:a16="http://schemas.microsoft.com/office/drawing/2014/main" id="{2DBEBE63-134E-9509-2222-0523B3C959DD}"/>
+              </a:ext>
+            </a:extLst>
+          </p:cNvPr>
+          <p:cNvSpPr>
+            <a:spLocks noGrp="1"/>
+          </p:cNvSpPr>
+          <p:nvPr>
+            <p:ph type="body" sz="quarter" idx="12"/>
+          </p:nvPr>
+        </p:nvSpPr>
+        <p:spPr/>
+        <p:txBody>
+          <a:bodyPr/>
+          <a:lstStyle/>
+          <a:p>
+            <a:endParaRPr lang="en-US"/>
+          </a:p>
+        </p:txBody>
+      </p:sp>
+      <p:sp>
+        <p:nvSpPr>
+          <p:cNvPr id="10" name="TextBox 9">
+            <a:extLst>
+              <a:ext uri="{FF2B5EF4-FFF2-40B4-BE49-F238E27FC236}">
+                <a16:creationId xmlns:a16="http://schemas.microsoft.com/office/drawing/2014/main" id="{0D331D12-5A53-7237-F6D9-C2493E450360}"/>
+              </a:ext>
+            </a:extLst>
+          </p:cNvPr>
+          <p:cNvSpPr txBox="1"/>
+          <p:nvPr/>
+        </p:nvSpPr>
+        <p:spPr>
+          <a:xfrm>
+            <a:off x="767979" y="5481851"/>
+            <a:ext cx="9099351" cy="400110"/>
+          </a:xfrm>
+          <a:prstGeom prst="rect">
+            <a:avLst/>
+          </a:prstGeom>
+          <a:noFill/>
+        </p:spPr>
+        <p:txBody>
+          <a:bodyPr wrap="square" rtlCol="0">
+            <a:spAutoFit/>
+          </a:bodyPr>
+          <a:lstStyle/>
+          <a:p>
+            <a:r>
+              <a:rPr lang="en-US" sz="2000" dirty="0"/>
+              <a:t>A unique solution exists if all equations are </a:t>
+            </a:r>
+            <a:r>
+              <a:rPr lang="en-US" sz="2000" i="1" dirty="0"/>
+              <a:t>linearly independent and consistent</a:t>
+            </a:r>
+            <a:endParaRPr lang="en-US" sz="2000" b="1" i="1" dirty="0"/>
+          </a:p>
+        </p:txBody>
+      </p:sp>
+      <p:pic>
+        <p:nvPicPr>
+          <p:cNvPr id="5" name="Picture 4">
+            <a:extLst>
+              <a:ext uri="{FF2B5EF4-FFF2-40B4-BE49-F238E27FC236}">
+                <a16:creationId xmlns:a16="http://schemas.microsoft.com/office/drawing/2014/main" id="{25DA65E8-F11A-68A5-D918-A5A83A06307A}"/>
+              </a:ext>
+            </a:extLst>
+          </p:cNvPr>
+          <p:cNvPicPr>
+            <a:picLocks noChangeAspect="1"/>
+          </p:cNvPicPr>
+          <p:nvPr/>
+        </p:nvPicPr>
+        <p:blipFill>
+          <a:blip r:embed="rId3"/>
+          <a:stretch>
+            <a:fillRect/>
+          </a:stretch>
+        </p:blipFill>
+        <p:spPr>
+          <a:xfrm>
+            <a:off x="5283852" y="1706561"/>
+            <a:ext cx="1624296" cy="1690594"/>
+          </a:xfrm>
+          <a:prstGeom prst="rect">
+            <a:avLst/>
+          </a:prstGeom>
+        </p:spPr>
+      </p:pic>
+      <p:sp>
+        <p:nvSpPr>
+          <p:cNvPr id="6" name="Rectangle 5">
+            <a:extLst>
+              <a:ext uri="{FF2B5EF4-FFF2-40B4-BE49-F238E27FC236}">
+                <a16:creationId xmlns:a16="http://schemas.microsoft.com/office/drawing/2014/main" id="{1AE02CED-B4C4-5C79-B789-A93471C601D3}"/>
+              </a:ext>
+            </a:extLst>
+          </p:cNvPr>
+          <p:cNvSpPr/>
+          <p:nvPr/>
+        </p:nvSpPr>
+        <p:spPr>
+          <a:xfrm>
+            <a:off x="767980" y="3515571"/>
+            <a:ext cx="7111081" cy="400110"/>
+          </a:xfrm>
+          <a:prstGeom prst="rect">
+            <a:avLst/>
+          </a:prstGeom>
+        </p:spPr>
+        <p:txBody>
+          <a:bodyPr wrap="square">
+            <a:spAutoFit/>
+          </a:bodyPr>
+          <a:lstStyle/>
+          <a:p>
+            <a:pPr algn="just">
+              <a:spcAft>
+                <a:spcPts val="600"/>
+              </a:spcAft>
+              <a:buClr>
+                <a:srgbClr val="0808FF"/>
+              </a:buClr>
+            </a:pPr>
+            <a:r>
+              <a:rPr lang="en-US" sz="2000" dirty="0"/>
+              <a:t>Matrix form:</a:t>
+            </a:r>
+          </a:p>
+        </p:txBody>
+      </p:sp>
+      <p:pic>
+        <p:nvPicPr>
+          <p:cNvPr id="7" name="Picture 6">
+            <a:extLst>
+              <a:ext uri="{FF2B5EF4-FFF2-40B4-BE49-F238E27FC236}">
+                <a16:creationId xmlns:a16="http://schemas.microsoft.com/office/drawing/2014/main" id="{F8ABD581-14F0-B994-CD24-0EDC563D44DE}"/>
+              </a:ext>
+            </a:extLst>
+          </p:cNvPr>
+          <p:cNvPicPr>
+            <a:picLocks noChangeAspect="1"/>
+          </p:cNvPicPr>
+          <p:nvPr/>
+        </p:nvPicPr>
+        <p:blipFill>
+          <a:blip r:embed="rId4"/>
+          <a:stretch>
+            <a:fillRect/>
+          </a:stretch>
+        </p:blipFill>
+        <p:spPr>
+          <a:xfrm>
             <a:off x="5629579" y="3715626"/>
             <a:ext cx="932840" cy="490969"/>
           </a:xfrm>
@@ -9507,7 +10686,7 @@
           <p:cNvPr id="11" name="Picture 10">
             <a:extLst>
               <a:ext uri="{FF2B5EF4-FFF2-40B4-BE49-F238E27FC236}">
-                <a16:creationId xmlns:a16="http://schemas.microsoft.com/office/drawing/2014/main" id="{91D4ED9F-7D5E-CB19-2E2A-48698EBD12C0}"/>
+                <a16:creationId xmlns:a16="http://schemas.microsoft.com/office/drawing/2014/main" id="{ECFB9811-3B9E-E37E-C4AC-FDD4B7F5BBD5}"/>
               </a:ext>
             </a:extLst>
           </p:cNvPr>
@@ -9539,7 +10718,7 @@
               <p:cNvPr id="12" name="TextBox 11">
                 <a:extLst>
                   <a:ext uri="{FF2B5EF4-FFF2-40B4-BE49-F238E27FC236}">
-                    <a16:creationId xmlns:a16="http://schemas.microsoft.com/office/drawing/2014/main" id="{5DAAE0BD-E84C-2A2B-255A-56775EDAC7A4}"/>
+                    <a16:creationId xmlns:a16="http://schemas.microsoft.com/office/drawing/2014/main" id="{9B1E1AC3-0280-01D3-0E97-AACDE7962C40}"/>
                   </a:ext>
                 </a:extLst>
               </p:cNvPr>
@@ -9658,1350 +10837,7 @@
     </p:spTree>
     <p:extLst>
       <p:ext uri="{BB962C8B-B14F-4D97-AF65-F5344CB8AC3E}">
-        <p14:creationId xmlns:p14="http://schemas.microsoft.com/office/powerpoint/2010/main" val="3247966044"/>
-      </p:ext>
-    </p:extLst>
-  </p:cSld>
-  <p:clrMapOvr>
-    <a:masterClrMapping/>
-  </p:clrMapOvr>
-</p:sld>
-</file>
-
-<file path=ppt/slides/slide20.xml><?xml version="1.0" encoding="utf-8"?>
-<p:sld xmlns:a="http://schemas.openxmlformats.org/drawingml/2006/main" xmlns:r="http://schemas.openxmlformats.org/officeDocument/2006/relationships" xmlns:p="http://schemas.openxmlformats.org/presentationml/2006/main">
-  <p:cSld>
-    <p:spTree>
-      <p:nvGrpSpPr>
-        <p:cNvPr id="1" name=""/>
-        <p:cNvGrpSpPr/>
-        <p:nvPr/>
-      </p:nvGrpSpPr>
-      <p:grpSpPr>
-        <a:xfrm>
-          <a:off x="0" y="0"/>
-          <a:ext cx="0" cy="0"/>
-          <a:chOff x="0" y="0"/>
-          <a:chExt cx="0" cy="0"/>
-        </a:xfrm>
-      </p:grpSpPr>
-      <p:sp>
-        <p:nvSpPr>
-          <p:cNvPr id="2" name="Title 1">
-            <a:extLst>
-              <a:ext uri="{FF2B5EF4-FFF2-40B4-BE49-F238E27FC236}">
-                <a16:creationId xmlns:a16="http://schemas.microsoft.com/office/drawing/2014/main" id="{D2AAFA58-9F0A-4217-B38D-E58CFC4CAD2A}"/>
-              </a:ext>
-            </a:extLst>
-          </p:cNvPr>
-          <p:cNvSpPr>
-            <a:spLocks noGrp="1"/>
-          </p:cNvSpPr>
-          <p:nvPr>
-            <p:ph type="title"/>
-          </p:nvPr>
-        </p:nvSpPr>
-        <p:spPr>
-          <a:xfrm>
-            <a:off x="370542" y="0"/>
-            <a:ext cx="11450917" cy="1165085"/>
-          </a:xfrm>
-        </p:spPr>
-        <p:txBody>
-          <a:bodyPr/>
-          <a:lstStyle/>
-          <a:p>
-            <a:r>
-              <a:rPr lang="en-US" dirty="0">
-                <a:latin typeface="LM Sans 10" panose="00000500000000000000" pitchFamily="50" charset="0"/>
-              </a:rPr>
-              <a:t>LU decomposition and systems of linear equations</a:t>
-            </a:r>
-            <a:endParaRPr lang="uk-UA" dirty="0"/>
-          </a:p>
-        </p:txBody>
-      </p:sp>
-      <p:sp>
-        <p:nvSpPr>
-          <p:cNvPr id="4" name="Text Placeholder 3">
-            <a:extLst>
-              <a:ext uri="{FF2B5EF4-FFF2-40B4-BE49-F238E27FC236}">
-                <a16:creationId xmlns:a16="http://schemas.microsoft.com/office/drawing/2014/main" id="{22379093-2446-7E14-8100-7BE52B6E3AF4}"/>
-              </a:ext>
-            </a:extLst>
-          </p:cNvPr>
-          <p:cNvSpPr>
-            <a:spLocks noGrp="1"/>
-          </p:cNvSpPr>
-          <p:nvPr>
-            <p:ph type="body" sz="quarter" idx="12"/>
-          </p:nvPr>
-        </p:nvSpPr>
-        <p:spPr/>
-        <p:txBody>
-          <a:bodyPr/>
-          <a:lstStyle/>
-          <a:p>
-            <a:endParaRPr lang="en-US"/>
-          </a:p>
-        </p:txBody>
-      </p:sp>
-      <p:pic>
-        <p:nvPicPr>
-          <p:cNvPr id="3" name="Picture 2">
-            <a:extLst>
-              <a:ext uri="{FF2B5EF4-FFF2-40B4-BE49-F238E27FC236}">
-                <a16:creationId xmlns:a16="http://schemas.microsoft.com/office/drawing/2014/main" id="{582FD1BC-FF79-649B-87C3-FBA4763F636A}"/>
-              </a:ext>
-            </a:extLst>
-          </p:cNvPr>
-          <p:cNvPicPr>
-            <a:picLocks noChangeAspect="1"/>
-          </p:cNvPicPr>
-          <p:nvPr/>
-        </p:nvPicPr>
-        <p:blipFill>
-          <a:blip r:embed="rId3"/>
-          <a:stretch>
-            <a:fillRect/>
-          </a:stretch>
-        </p:blipFill>
-        <p:spPr>
-          <a:xfrm>
-            <a:off x="979272" y="1656915"/>
-            <a:ext cx="4924755" cy="4338004"/>
-          </a:xfrm>
-          <a:prstGeom prst="rect">
-            <a:avLst/>
-          </a:prstGeom>
-        </p:spPr>
-      </p:pic>
-      <p:pic>
-        <p:nvPicPr>
-          <p:cNvPr id="11" name="Picture 10">
-            <a:extLst>
-              <a:ext uri="{FF2B5EF4-FFF2-40B4-BE49-F238E27FC236}">
-                <a16:creationId xmlns:a16="http://schemas.microsoft.com/office/drawing/2014/main" id="{7AC81AAE-5AAA-97E3-D5C2-7EB8E7B4068F}"/>
-              </a:ext>
-            </a:extLst>
-          </p:cNvPr>
-          <p:cNvPicPr>
-            <a:picLocks noChangeAspect="1"/>
-          </p:cNvPicPr>
-          <p:nvPr/>
-        </p:nvPicPr>
-        <p:blipFill>
-          <a:blip r:embed="rId4"/>
-          <a:stretch>
-            <a:fillRect/>
-          </a:stretch>
-        </p:blipFill>
-        <p:spPr>
-          <a:xfrm>
-            <a:off x="7264372" y="2490859"/>
-            <a:ext cx="3470943" cy="2547672"/>
-          </a:xfrm>
-          <a:prstGeom prst="rect">
-            <a:avLst/>
-          </a:prstGeom>
-        </p:spPr>
-      </p:pic>
-    </p:spTree>
-    <p:extLst>
-      <p:ext uri="{BB962C8B-B14F-4D97-AF65-F5344CB8AC3E}">
-        <p14:creationId xmlns:p14="http://schemas.microsoft.com/office/powerpoint/2010/main" val="4206313122"/>
-      </p:ext>
-    </p:extLst>
-  </p:cSld>
-  <p:clrMapOvr>
-    <a:masterClrMapping/>
-  </p:clrMapOvr>
-</p:sld>
-</file>
-
-<file path=ppt/slides/slide21.xml><?xml version="1.0" encoding="utf-8"?>
-<p:sld xmlns:a="http://schemas.openxmlformats.org/drawingml/2006/main" xmlns:r="http://schemas.openxmlformats.org/officeDocument/2006/relationships" xmlns:p="http://schemas.openxmlformats.org/presentationml/2006/main">
-  <p:cSld>
-    <p:spTree>
-      <p:nvGrpSpPr>
-        <p:cNvPr id="1" name=""/>
-        <p:cNvGrpSpPr/>
-        <p:nvPr/>
-      </p:nvGrpSpPr>
-      <p:grpSpPr>
-        <a:xfrm>
-          <a:off x="0" y="0"/>
-          <a:ext cx="0" cy="0"/>
-          <a:chOff x="0" y="0"/>
-          <a:chExt cx="0" cy="0"/>
-        </a:xfrm>
-      </p:grpSpPr>
-      <p:sp>
-        <p:nvSpPr>
-          <p:cNvPr id="2" name="Title 1">
-            <a:extLst>
-              <a:ext uri="{FF2B5EF4-FFF2-40B4-BE49-F238E27FC236}">
-                <a16:creationId xmlns:a16="http://schemas.microsoft.com/office/drawing/2014/main" id="{D2AAFA58-9F0A-4217-B38D-E58CFC4CAD2A}"/>
-              </a:ext>
-            </a:extLst>
-          </p:cNvPr>
-          <p:cNvSpPr>
-            <a:spLocks noGrp="1"/>
-          </p:cNvSpPr>
-          <p:nvPr>
-            <p:ph type="title"/>
-          </p:nvPr>
-        </p:nvSpPr>
-        <p:spPr/>
-        <p:txBody>
-          <a:bodyPr/>
-          <a:lstStyle/>
-          <a:p>
-            <a:r>
-              <a:rPr lang="en-US" dirty="0">
-                <a:latin typeface="LM Sans 10" panose="00000500000000000000" pitchFamily="50" charset="0"/>
-              </a:rPr>
-              <a:t>LU decomposition with pivoting</a:t>
-            </a:r>
-            <a:endParaRPr lang="uk-UA" dirty="0"/>
-          </a:p>
-        </p:txBody>
-      </p:sp>
-      <p:sp>
-        <p:nvSpPr>
-          <p:cNvPr id="4" name="Text Placeholder 3">
-            <a:extLst>
-              <a:ext uri="{FF2B5EF4-FFF2-40B4-BE49-F238E27FC236}">
-                <a16:creationId xmlns:a16="http://schemas.microsoft.com/office/drawing/2014/main" id="{22379093-2446-7E14-8100-7BE52B6E3AF4}"/>
-              </a:ext>
-            </a:extLst>
-          </p:cNvPr>
-          <p:cNvSpPr>
-            <a:spLocks noGrp="1"/>
-          </p:cNvSpPr>
-          <p:nvPr>
-            <p:ph type="body" sz="quarter" idx="12"/>
-          </p:nvPr>
-        </p:nvSpPr>
-        <p:spPr/>
-        <p:txBody>
-          <a:bodyPr/>
-          <a:lstStyle/>
-          <a:p>
-            <a:endParaRPr lang="en-US"/>
-          </a:p>
-        </p:txBody>
-      </p:sp>
-      <p:sp>
-        <p:nvSpPr>
-          <p:cNvPr id="5" name="Rectangle 4">
-            <a:extLst>
-              <a:ext uri="{FF2B5EF4-FFF2-40B4-BE49-F238E27FC236}">
-                <a16:creationId xmlns:a16="http://schemas.microsoft.com/office/drawing/2014/main" id="{C2E4FC98-B6B4-1867-B737-D3B532F53A1E}"/>
-              </a:ext>
-            </a:extLst>
-          </p:cNvPr>
-          <p:cNvSpPr/>
-          <p:nvPr/>
-        </p:nvSpPr>
-        <p:spPr>
-          <a:xfrm>
-            <a:off x="729032" y="1168362"/>
-            <a:ext cx="9929568" cy="2554545"/>
-          </a:xfrm>
-          <a:prstGeom prst="rect">
-            <a:avLst/>
-          </a:prstGeom>
-        </p:spPr>
-        <p:txBody>
-          <a:bodyPr wrap="square">
-            <a:spAutoFit/>
-          </a:bodyPr>
-          <a:lstStyle/>
-          <a:p>
-            <a:pPr algn="just">
-              <a:spcAft>
-                <a:spcPts val="600"/>
-              </a:spcAft>
-              <a:buClr>
-                <a:srgbClr val="0808FF"/>
-              </a:buClr>
-            </a:pPr>
-            <a:r>
-              <a:rPr lang="en-US" sz="2000" dirty="0"/>
-              <a:t>Not every non-singular matrix allows for LU decomposition because its diagonal elements may end up being zero.</a:t>
-            </a:r>
-          </a:p>
-          <a:p>
-            <a:pPr algn="just">
-              <a:spcAft>
-                <a:spcPts val="600"/>
-              </a:spcAft>
-              <a:buClr>
-                <a:srgbClr val="0808FF"/>
-              </a:buClr>
-            </a:pPr>
-            <a:endParaRPr lang="en-US" sz="2000" dirty="0"/>
-          </a:p>
-          <a:p>
-            <a:pPr algn="just">
-              <a:spcAft>
-                <a:spcPts val="600"/>
-              </a:spcAft>
-              <a:buClr>
-                <a:srgbClr val="0808FF"/>
-              </a:buClr>
-            </a:pPr>
-            <a:r>
-              <a:rPr lang="en-US" sz="2000" dirty="0"/>
-              <a:t>In the general case, we need to allow the possibility to perform partial pivoting by exchanging the rows of our matrix.</a:t>
-            </a:r>
-          </a:p>
-          <a:p>
-            <a:pPr algn="just">
-              <a:spcAft>
-                <a:spcPts val="600"/>
-              </a:spcAft>
-              <a:buClr>
-                <a:srgbClr val="0808FF"/>
-              </a:buClr>
-            </a:pPr>
-            <a:endParaRPr lang="en-US" sz="2000" dirty="0"/>
-          </a:p>
-          <a:p>
-            <a:pPr algn="just">
-              <a:spcAft>
-                <a:spcPts val="600"/>
-              </a:spcAft>
-              <a:buClr>
-                <a:srgbClr val="0808FF"/>
-              </a:buClr>
-            </a:pPr>
-            <a:r>
-              <a:rPr lang="en-US" sz="2000" dirty="0"/>
-              <a:t>If we do that, what we get the LU-decomposition with pivoting, which can be written as</a:t>
-            </a:r>
-          </a:p>
-        </p:txBody>
-      </p:sp>
-      <p:pic>
-        <p:nvPicPr>
-          <p:cNvPr id="3" name="Picture 2">
-            <a:extLst>
-              <a:ext uri="{FF2B5EF4-FFF2-40B4-BE49-F238E27FC236}">
-                <a16:creationId xmlns:a16="http://schemas.microsoft.com/office/drawing/2014/main" id="{F3AD5112-9F7B-51E8-B82B-C50CF347E528}"/>
-              </a:ext>
-            </a:extLst>
-          </p:cNvPr>
-          <p:cNvPicPr>
-            <a:picLocks noChangeAspect="1"/>
-          </p:cNvPicPr>
-          <p:nvPr/>
-        </p:nvPicPr>
-        <p:blipFill>
-          <a:blip r:embed="rId3"/>
-          <a:stretch>
-            <a:fillRect/>
-          </a:stretch>
-        </p:blipFill>
-        <p:spPr>
-          <a:xfrm>
-            <a:off x="5585745" y="3829896"/>
-            <a:ext cx="1089818" cy="280239"/>
-          </a:xfrm>
-          <a:prstGeom prst="rect">
-            <a:avLst/>
-          </a:prstGeom>
-        </p:spPr>
-      </p:pic>
-      <p:sp>
-        <p:nvSpPr>
-          <p:cNvPr id="11" name="Rectangle 10">
-            <a:extLst>
-              <a:ext uri="{FF2B5EF4-FFF2-40B4-BE49-F238E27FC236}">
-                <a16:creationId xmlns:a16="http://schemas.microsoft.com/office/drawing/2014/main" id="{E962BDB0-7312-37AB-34F7-2D36394894E3}"/>
-              </a:ext>
-            </a:extLst>
-          </p:cNvPr>
-          <p:cNvSpPr/>
-          <p:nvPr/>
-        </p:nvSpPr>
-        <p:spPr>
-          <a:xfrm>
-            <a:off x="729032" y="4303455"/>
-            <a:ext cx="9929568" cy="400110"/>
-          </a:xfrm>
-          <a:prstGeom prst="rect">
-            <a:avLst/>
-          </a:prstGeom>
-        </p:spPr>
-        <p:txBody>
-          <a:bodyPr wrap="square">
-            <a:spAutoFit/>
-          </a:bodyPr>
-          <a:lstStyle/>
-          <a:p>
-            <a:pPr algn="just">
-              <a:spcAft>
-                <a:spcPts val="600"/>
-              </a:spcAft>
-              <a:buClr>
-                <a:srgbClr val="0808FF"/>
-              </a:buClr>
-            </a:pPr>
-            <a:r>
-              <a:rPr lang="en-US" sz="2000" dirty="0"/>
-              <a:t>Here </a:t>
-            </a:r>
-            <a:r>
-              <a:rPr lang="en-US" sz="2000" b="1" dirty="0"/>
-              <a:t>P</a:t>
-            </a:r>
-            <a:r>
-              <a:rPr lang="en-US" sz="2000" dirty="0"/>
-              <a:t> is a row permutation operator.</a:t>
-            </a:r>
-          </a:p>
-        </p:txBody>
-      </p:sp>
-      <p:sp>
-        <p:nvSpPr>
-          <p:cNvPr id="12" name="Rectangle 11">
-            <a:extLst>
-              <a:ext uri="{FF2B5EF4-FFF2-40B4-BE49-F238E27FC236}">
-                <a16:creationId xmlns:a16="http://schemas.microsoft.com/office/drawing/2014/main" id="{E2D73350-B0E4-53B7-CB0B-AE11D9AA2EF8}"/>
-              </a:ext>
-            </a:extLst>
-          </p:cNvPr>
-          <p:cNvSpPr/>
-          <p:nvPr/>
-        </p:nvSpPr>
-        <p:spPr>
-          <a:xfrm>
-            <a:off x="749763" y="4896885"/>
-            <a:ext cx="9929568" cy="1862048"/>
-          </a:xfrm>
-          <a:prstGeom prst="rect">
-            <a:avLst/>
-          </a:prstGeom>
-        </p:spPr>
-        <p:txBody>
-          <a:bodyPr wrap="square">
-            <a:spAutoFit/>
-          </a:bodyPr>
-          <a:lstStyle/>
-          <a:p>
-            <a:pPr algn="just">
-              <a:spcAft>
-                <a:spcPts val="600"/>
-              </a:spcAft>
-              <a:buClr>
-                <a:srgbClr val="0808FF"/>
-              </a:buClr>
-            </a:pPr>
-            <a:r>
-              <a:rPr lang="en-US" sz="2000" dirty="0"/>
-              <a:t>Solving the system of equations</a:t>
-            </a:r>
-          </a:p>
-          <a:p>
-            <a:pPr algn="just">
-              <a:spcAft>
-                <a:spcPts val="600"/>
-              </a:spcAft>
-              <a:buClr>
-                <a:srgbClr val="0808FF"/>
-              </a:buClr>
-            </a:pPr>
-            <a:endParaRPr lang="en-US" sz="2000" dirty="0"/>
-          </a:p>
-          <a:p>
-            <a:pPr algn="just">
-              <a:spcAft>
-                <a:spcPts val="600"/>
-              </a:spcAft>
-              <a:buClr>
-                <a:srgbClr val="0808FF"/>
-              </a:buClr>
-            </a:pPr>
-            <a:endParaRPr lang="en-US" sz="2000" dirty="0"/>
-          </a:p>
-          <a:p>
-            <a:pPr algn="just">
-              <a:spcAft>
-                <a:spcPts val="600"/>
-              </a:spcAft>
-              <a:buClr>
-                <a:srgbClr val="0808FF"/>
-              </a:buClr>
-            </a:pPr>
-            <a:r>
-              <a:rPr lang="en-US" sz="2000" dirty="0"/>
-              <a:t>is also straightforward using forward and </a:t>
-            </a:r>
-            <a:r>
-              <a:rPr lang="en-US" sz="2000" dirty="0" err="1"/>
-              <a:t>backsubstitution</a:t>
-            </a:r>
-            <a:r>
-              <a:rPr lang="en-US" sz="2000" dirty="0"/>
-              <a:t> passes, except that we have to exchange the rows in the vector </a:t>
-            </a:r>
-            <a:r>
-              <a:rPr lang="en-US" sz="2000" b="1" dirty="0"/>
-              <a:t>v</a:t>
-            </a:r>
-            <a:r>
-              <a:rPr lang="en-US" sz="2000" dirty="0"/>
-              <a:t> to account for the row swaps that we did.</a:t>
-            </a:r>
-          </a:p>
-        </p:txBody>
-      </p:sp>
-      <p:pic>
-        <p:nvPicPr>
-          <p:cNvPr id="14" name="Picture 13">
-            <a:extLst>
-              <a:ext uri="{FF2B5EF4-FFF2-40B4-BE49-F238E27FC236}">
-                <a16:creationId xmlns:a16="http://schemas.microsoft.com/office/drawing/2014/main" id="{29A79328-0D89-AF85-960B-E5DA3BF051AA}"/>
-              </a:ext>
-            </a:extLst>
-          </p:cNvPr>
-          <p:cNvPicPr>
-            <a:picLocks noChangeAspect="1"/>
-          </p:cNvPicPr>
-          <p:nvPr/>
-        </p:nvPicPr>
-        <p:blipFill>
-          <a:blip r:embed="rId4"/>
-          <a:stretch>
-            <a:fillRect/>
-          </a:stretch>
-        </p:blipFill>
-        <p:spPr>
-          <a:xfrm>
-            <a:off x="5585745" y="5447036"/>
-            <a:ext cx="904307" cy="295955"/>
-          </a:xfrm>
-          <a:prstGeom prst="rect">
-            <a:avLst/>
-          </a:prstGeom>
-        </p:spPr>
-      </p:pic>
-    </p:spTree>
-    <p:extLst>
-      <p:ext uri="{BB962C8B-B14F-4D97-AF65-F5344CB8AC3E}">
-        <p14:creationId xmlns:p14="http://schemas.microsoft.com/office/powerpoint/2010/main" val="2193860864"/>
-      </p:ext>
-    </p:extLst>
-  </p:cSld>
-  <p:clrMapOvr>
-    <a:masterClrMapping/>
-  </p:clrMapOvr>
-</p:sld>
-</file>
-
-<file path=ppt/slides/slide22.xml><?xml version="1.0" encoding="utf-8"?>
-<p:sld xmlns:a="http://schemas.openxmlformats.org/drawingml/2006/main" xmlns:r="http://schemas.openxmlformats.org/officeDocument/2006/relationships" xmlns:p="http://schemas.openxmlformats.org/presentationml/2006/main">
-  <p:cSld>
-    <p:spTree>
-      <p:nvGrpSpPr>
-        <p:cNvPr id="1" name=""/>
-        <p:cNvGrpSpPr/>
-        <p:nvPr/>
-      </p:nvGrpSpPr>
-      <p:grpSpPr>
-        <a:xfrm>
-          <a:off x="0" y="0"/>
-          <a:ext cx="0" cy="0"/>
-          <a:chOff x="0" y="0"/>
-          <a:chExt cx="0" cy="0"/>
-        </a:xfrm>
-      </p:grpSpPr>
-      <p:sp>
-        <p:nvSpPr>
-          <p:cNvPr id="2" name="Title 1">
-            <a:extLst>
-              <a:ext uri="{FF2B5EF4-FFF2-40B4-BE49-F238E27FC236}">
-                <a16:creationId xmlns:a16="http://schemas.microsoft.com/office/drawing/2014/main" id="{D2AAFA58-9F0A-4217-B38D-E58CFC4CAD2A}"/>
-              </a:ext>
-            </a:extLst>
-          </p:cNvPr>
-          <p:cNvSpPr>
-            <a:spLocks noGrp="1"/>
-          </p:cNvSpPr>
-          <p:nvPr>
-            <p:ph type="title"/>
-          </p:nvPr>
-        </p:nvSpPr>
-        <p:spPr/>
-        <p:txBody>
-          <a:bodyPr/>
-          <a:lstStyle/>
-          <a:p>
-            <a:r>
-              <a:rPr lang="en-US" dirty="0">
-                <a:latin typeface="LM Sans 10" panose="00000500000000000000" pitchFamily="50" charset="0"/>
-              </a:rPr>
-              <a:t>LU decomposition with pivoting</a:t>
-            </a:r>
-            <a:endParaRPr lang="uk-UA" dirty="0"/>
-          </a:p>
-        </p:txBody>
-      </p:sp>
-      <p:sp>
-        <p:nvSpPr>
-          <p:cNvPr id="4" name="Text Placeholder 3">
-            <a:extLst>
-              <a:ext uri="{FF2B5EF4-FFF2-40B4-BE49-F238E27FC236}">
-                <a16:creationId xmlns:a16="http://schemas.microsoft.com/office/drawing/2014/main" id="{22379093-2446-7E14-8100-7BE52B6E3AF4}"/>
-              </a:ext>
-            </a:extLst>
-          </p:cNvPr>
-          <p:cNvSpPr>
-            <a:spLocks noGrp="1"/>
-          </p:cNvSpPr>
-          <p:nvPr>
-            <p:ph type="body" sz="quarter" idx="12"/>
-          </p:nvPr>
-        </p:nvSpPr>
-        <p:spPr/>
-        <p:txBody>
-          <a:bodyPr/>
-          <a:lstStyle/>
-          <a:p>
-            <a:endParaRPr lang="en-US"/>
-          </a:p>
-        </p:txBody>
-      </p:sp>
-      <p:pic>
-        <p:nvPicPr>
-          <p:cNvPr id="6" name="Picture 5">
-            <a:extLst>
-              <a:ext uri="{FF2B5EF4-FFF2-40B4-BE49-F238E27FC236}">
-                <a16:creationId xmlns:a16="http://schemas.microsoft.com/office/drawing/2014/main" id="{AA440268-E4FB-C1AC-7A7B-30A73040FF81}"/>
-              </a:ext>
-            </a:extLst>
-          </p:cNvPr>
-          <p:cNvPicPr>
-            <a:picLocks noChangeAspect="1"/>
-          </p:cNvPicPr>
-          <p:nvPr/>
-        </p:nvPicPr>
-        <p:blipFill>
-          <a:blip r:embed="rId3"/>
-          <a:stretch>
-            <a:fillRect/>
-          </a:stretch>
-        </p:blipFill>
-        <p:spPr>
-          <a:xfrm>
-            <a:off x="751037" y="1289885"/>
-            <a:ext cx="4826922" cy="5177406"/>
-          </a:xfrm>
-          <a:prstGeom prst="rect">
-            <a:avLst/>
-          </a:prstGeom>
-        </p:spPr>
-      </p:pic>
-      <p:pic>
-        <p:nvPicPr>
-          <p:cNvPr id="7" name="Picture 6">
-            <a:extLst>
-              <a:ext uri="{FF2B5EF4-FFF2-40B4-BE49-F238E27FC236}">
-                <a16:creationId xmlns:a16="http://schemas.microsoft.com/office/drawing/2014/main" id="{F40EED7A-35B2-18D4-7982-9908814258A9}"/>
-              </a:ext>
-            </a:extLst>
-          </p:cNvPr>
-          <p:cNvPicPr>
-            <a:picLocks noChangeAspect="1"/>
-          </p:cNvPicPr>
-          <p:nvPr/>
-        </p:nvPicPr>
-        <p:blipFill>
-          <a:blip r:embed="rId4"/>
-          <a:stretch>
-            <a:fillRect/>
-          </a:stretch>
-        </p:blipFill>
-        <p:spPr>
-          <a:xfrm>
-            <a:off x="6291041" y="1234068"/>
-            <a:ext cx="5367557" cy="5164240"/>
-          </a:xfrm>
-          <a:prstGeom prst="rect">
-            <a:avLst/>
-          </a:prstGeom>
-        </p:spPr>
-      </p:pic>
-    </p:spTree>
-    <p:extLst>
-      <p:ext uri="{BB962C8B-B14F-4D97-AF65-F5344CB8AC3E}">
-        <p14:creationId xmlns:p14="http://schemas.microsoft.com/office/powerpoint/2010/main" val="2641114395"/>
-      </p:ext>
-    </p:extLst>
-  </p:cSld>
-  <p:clrMapOvr>
-    <a:masterClrMapping/>
-  </p:clrMapOvr>
-</p:sld>
-</file>
-
-<file path=ppt/slides/slide23.xml><?xml version="1.0" encoding="utf-8"?>
-<p:sld xmlns:a="http://schemas.openxmlformats.org/drawingml/2006/main" xmlns:r="http://schemas.openxmlformats.org/officeDocument/2006/relationships" xmlns:p="http://schemas.openxmlformats.org/presentationml/2006/main">
-  <p:cSld>
-    <p:spTree>
-      <p:nvGrpSpPr>
-        <p:cNvPr id="1" name=""/>
-        <p:cNvGrpSpPr/>
-        <p:nvPr/>
-      </p:nvGrpSpPr>
-      <p:grpSpPr>
-        <a:xfrm>
-          <a:off x="0" y="0"/>
-          <a:ext cx="0" cy="0"/>
-          <a:chOff x="0" y="0"/>
-          <a:chExt cx="0" cy="0"/>
-        </a:xfrm>
-      </p:grpSpPr>
-      <p:sp>
-        <p:nvSpPr>
-          <p:cNvPr id="2" name="Title 1">
-            <a:extLst>
-              <a:ext uri="{FF2B5EF4-FFF2-40B4-BE49-F238E27FC236}">
-                <a16:creationId xmlns:a16="http://schemas.microsoft.com/office/drawing/2014/main" id="{D2AAFA58-9F0A-4217-B38D-E58CFC4CAD2A}"/>
-              </a:ext>
-            </a:extLst>
-          </p:cNvPr>
-          <p:cNvSpPr>
-            <a:spLocks noGrp="1"/>
-          </p:cNvSpPr>
-          <p:nvPr>
-            <p:ph type="title"/>
-          </p:nvPr>
-        </p:nvSpPr>
-        <p:spPr/>
-        <p:txBody>
-          <a:bodyPr/>
-          <a:lstStyle/>
-          <a:p>
-            <a:r>
-              <a:rPr lang="en-US" dirty="0">
-                <a:latin typeface="LM Sans 10" panose="00000500000000000000" pitchFamily="50" charset="0"/>
-              </a:rPr>
-              <a:t>LU decomposition with pivoting</a:t>
-            </a:r>
-            <a:endParaRPr lang="uk-UA" dirty="0"/>
-          </a:p>
-        </p:txBody>
-      </p:sp>
-      <p:sp>
-        <p:nvSpPr>
-          <p:cNvPr id="4" name="Text Placeholder 3">
-            <a:extLst>
-              <a:ext uri="{FF2B5EF4-FFF2-40B4-BE49-F238E27FC236}">
-                <a16:creationId xmlns:a16="http://schemas.microsoft.com/office/drawing/2014/main" id="{22379093-2446-7E14-8100-7BE52B6E3AF4}"/>
-              </a:ext>
-            </a:extLst>
-          </p:cNvPr>
-          <p:cNvSpPr>
-            <a:spLocks noGrp="1"/>
-          </p:cNvSpPr>
-          <p:nvPr>
-            <p:ph type="body" sz="quarter" idx="12"/>
-          </p:nvPr>
-        </p:nvSpPr>
-        <p:spPr/>
-        <p:txBody>
-          <a:bodyPr/>
-          <a:lstStyle/>
-          <a:p>
-            <a:endParaRPr lang="en-US"/>
-          </a:p>
-        </p:txBody>
-      </p:sp>
-      <p:pic>
-        <p:nvPicPr>
-          <p:cNvPr id="3" name="Picture 2">
-            <a:extLst>
-              <a:ext uri="{FF2B5EF4-FFF2-40B4-BE49-F238E27FC236}">
-                <a16:creationId xmlns:a16="http://schemas.microsoft.com/office/drawing/2014/main" id="{4D2FAF4C-4B10-1A8E-D293-59D36B86E057}"/>
-              </a:ext>
-            </a:extLst>
-          </p:cNvPr>
-          <p:cNvPicPr>
-            <a:picLocks noChangeAspect="1"/>
-          </p:cNvPicPr>
-          <p:nvPr/>
-        </p:nvPicPr>
-        <p:blipFill>
-          <a:blip r:embed="rId3"/>
-          <a:stretch>
-            <a:fillRect/>
-          </a:stretch>
-        </p:blipFill>
-        <p:spPr>
-          <a:xfrm>
-            <a:off x="770499" y="1558551"/>
-            <a:ext cx="4510627" cy="4143763"/>
-          </a:xfrm>
-          <a:prstGeom prst="rect">
-            <a:avLst/>
-          </a:prstGeom>
-        </p:spPr>
-      </p:pic>
-      <p:pic>
-        <p:nvPicPr>
-          <p:cNvPr id="5" name="Picture 4">
-            <a:extLst>
-              <a:ext uri="{FF2B5EF4-FFF2-40B4-BE49-F238E27FC236}">
-                <a16:creationId xmlns:a16="http://schemas.microsoft.com/office/drawing/2014/main" id="{B9BE3042-5A21-18E2-F679-E15DD1DA65A0}"/>
-              </a:ext>
-            </a:extLst>
-          </p:cNvPr>
-          <p:cNvPicPr>
-            <a:picLocks noChangeAspect="1"/>
-          </p:cNvPicPr>
-          <p:nvPr/>
-        </p:nvPicPr>
-        <p:blipFill>
-          <a:blip r:embed="rId4"/>
-          <a:stretch>
-            <a:fillRect/>
-          </a:stretch>
-        </p:blipFill>
-        <p:spPr>
-          <a:xfrm>
-            <a:off x="6347483" y="2223677"/>
-            <a:ext cx="4510627" cy="2678000"/>
-          </a:xfrm>
-          <a:prstGeom prst="rect">
-            <a:avLst/>
-          </a:prstGeom>
-        </p:spPr>
-      </p:pic>
-    </p:spTree>
-    <p:extLst>
-      <p:ext uri="{BB962C8B-B14F-4D97-AF65-F5344CB8AC3E}">
-        <p14:creationId xmlns:p14="http://schemas.microsoft.com/office/powerpoint/2010/main" val="1940979129"/>
-      </p:ext>
-    </p:extLst>
-  </p:cSld>
-  <p:clrMapOvr>
-    <a:masterClrMapping/>
-  </p:clrMapOvr>
-</p:sld>
-</file>
-
-<file path=ppt/slides/slide3.xml><?xml version="1.0" encoding="utf-8"?>
-<p:sld xmlns:a="http://schemas.openxmlformats.org/drawingml/2006/main" xmlns:r="http://schemas.openxmlformats.org/officeDocument/2006/relationships" xmlns:p="http://schemas.openxmlformats.org/presentationml/2006/main">
-  <p:cSld>
-    <p:spTree>
-      <p:nvGrpSpPr>
-        <p:cNvPr id="1" name=""/>
-        <p:cNvGrpSpPr/>
-        <p:nvPr/>
-      </p:nvGrpSpPr>
-      <p:grpSpPr>
-        <a:xfrm>
-          <a:off x="0" y="0"/>
-          <a:ext cx="0" cy="0"/>
-          <a:chOff x="0" y="0"/>
-          <a:chExt cx="0" cy="0"/>
-        </a:xfrm>
-      </p:grpSpPr>
-      <p:sp>
-        <p:nvSpPr>
-          <p:cNvPr id="16" name="Rectangle 15">
-            <a:extLst>
-              <a:ext uri="{FF2B5EF4-FFF2-40B4-BE49-F238E27FC236}">
-                <a16:creationId xmlns:a16="http://schemas.microsoft.com/office/drawing/2014/main" id="{66EAA014-8B46-47C7-B723-4D6ACEB4F8A0}"/>
-              </a:ext>
-            </a:extLst>
-          </p:cNvPr>
-          <p:cNvSpPr/>
-          <p:nvPr/>
-        </p:nvSpPr>
-        <p:spPr>
-          <a:xfrm>
-            <a:off x="767980" y="1251691"/>
-            <a:ext cx="7111081" cy="400110"/>
-          </a:xfrm>
-          <a:prstGeom prst="rect">
-            <a:avLst/>
-          </a:prstGeom>
-        </p:spPr>
-        <p:txBody>
-          <a:bodyPr wrap="square">
-            <a:spAutoFit/>
-          </a:bodyPr>
-          <a:lstStyle/>
-          <a:p>
-            <a:pPr algn="just">
-              <a:spcAft>
-                <a:spcPts val="600"/>
-              </a:spcAft>
-              <a:buClr>
-                <a:srgbClr val="0808FF"/>
-              </a:buClr>
-            </a:pPr>
-            <a:r>
-              <a:rPr lang="en-US" sz="2000" b="1" dirty="0"/>
-              <a:t>Cramer’s rule:</a:t>
-            </a:r>
-          </a:p>
-        </p:txBody>
-      </p:sp>
-      <p:sp>
-        <p:nvSpPr>
-          <p:cNvPr id="2" name="Title 1">
-            <a:extLst>
-              <a:ext uri="{FF2B5EF4-FFF2-40B4-BE49-F238E27FC236}">
-                <a16:creationId xmlns:a16="http://schemas.microsoft.com/office/drawing/2014/main" id="{D2AAFA58-9F0A-4217-B38D-E58CFC4CAD2A}"/>
-              </a:ext>
-            </a:extLst>
-          </p:cNvPr>
-          <p:cNvSpPr>
-            <a:spLocks noGrp="1"/>
-          </p:cNvSpPr>
-          <p:nvPr>
-            <p:ph type="title"/>
-          </p:nvPr>
-        </p:nvSpPr>
-        <p:spPr/>
-        <p:txBody>
-          <a:bodyPr/>
-          <a:lstStyle/>
-          <a:p>
-            <a:r>
-              <a:rPr lang="en-US" dirty="0">
-                <a:latin typeface="LM Sans 10" panose="00000500000000000000" pitchFamily="50" charset="0"/>
-              </a:rPr>
-              <a:t>Cramer’s rule</a:t>
-            </a:r>
-            <a:endParaRPr lang="uk-UA" dirty="0"/>
-          </a:p>
-        </p:txBody>
-      </p:sp>
-      <p:sp>
-        <p:nvSpPr>
-          <p:cNvPr id="4" name="Text Placeholder 3">
-            <a:extLst>
-              <a:ext uri="{FF2B5EF4-FFF2-40B4-BE49-F238E27FC236}">
-                <a16:creationId xmlns:a16="http://schemas.microsoft.com/office/drawing/2014/main" id="{22379093-2446-7E14-8100-7BE52B6E3AF4}"/>
-              </a:ext>
-            </a:extLst>
-          </p:cNvPr>
-          <p:cNvSpPr>
-            <a:spLocks noGrp="1"/>
-          </p:cNvSpPr>
-          <p:nvPr>
-            <p:ph type="body" sz="quarter" idx="12"/>
-          </p:nvPr>
-        </p:nvSpPr>
-        <p:spPr/>
-        <p:txBody>
-          <a:bodyPr/>
-          <a:lstStyle/>
-          <a:p>
-            <a:endParaRPr lang="en-US"/>
-          </a:p>
-        </p:txBody>
-      </p:sp>
-      <p:sp>
-        <p:nvSpPr>
-          <p:cNvPr id="10" name="TextBox 9">
-            <a:extLst>
-              <a:ext uri="{FF2B5EF4-FFF2-40B4-BE49-F238E27FC236}">
-                <a16:creationId xmlns:a16="http://schemas.microsoft.com/office/drawing/2014/main" id="{DD660118-25D7-60A3-F11C-C0E6045D4CE6}"/>
-              </a:ext>
-            </a:extLst>
-          </p:cNvPr>
-          <p:cNvSpPr txBox="1"/>
-          <p:nvPr/>
-        </p:nvSpPr>
-        <p:spPr>
-          <a:xfrm>
-            <a:off x="809342" y="2814312"/>
-            <a:ext cx="10573311" cy="400110"/>
-          </a:xfrm>
-          <a:prstGeom prst="rect">
-            <a:avLst/>
-          </a:prstGeom>
-          <a:noFill/>
-        </p:spPr>
-        <p:txBody>
-          <a:bodyPr wrap="square" rtlCol="0">
-            <a:spAutoFit/>
-          </a:bodyPr>
-          <a:lstStyle/>
-          <a:p>
-            <a:r>
-              <a:rPr lang="en-US" sz="2000" dirty="0"/>
-              <a:t>where </a:t>
-            </a:r>
-            <a:r>
-              <a:rPr lang="en-US" sz="2000" i="1" dirty="0"/>
-              <a:t>A</a:t>
-            </a:r>
-            <a:r>
-              <a:rPr lang="en-US" sz="2000" baseline="-25000" dirty="0"/>
-              <a:t>i</a:t>
-            </a:r>
-            <a:r>
-              <a:rPr lang="en-US" sz="2000" dirty="0"/>
-              <a:t> </a:t>
-            </a:r>
-            <a:r>
-              <a:rPr lang="en-US" sz="2000" b="0" i="0" dirty="0">
-                <a:solidFill>
-                  <a:srgbClr val="202122"/>
-                </a:solidFill>
-                <a:effectLst/>
-              </a:rPr>
-              <a:t>is the matrix formed by replacing the </a:t>
-            </a:r>
-            <a:r>
-              <a:rPr lang="en-US" sz="2000" b="0" i="1" dirty="0" err="1">
-                <a:solidFill>
-                  <a:srgbClr val="202122"/>
-                </a:solidFill>
-                <a:effectLst/>
-              </a:rPr>
-              <a:t>i</a:t>
-            </a:r>
-            <a:r>
-              <a:rPr lang="en-US" sz="2000" b="0" i="0" dirty="0" err="1">
-                <a:solidFill>
-                  <a:srgbClr val="202122"/>
-                </a:solidFill>
-                <a:effectLst/>
-              </a:rPr>
-              <a:t>-th</a:t>
-            </a:r>
-            <a:r>
-              <a:rPr lang="en-US" sz="2000" b="0" i="0" dirty="0">
-                <a:solidFill>
-                  <a:srgbClr val="202122"/>
-                </a:solidFill>
-                <a:effectLst/>
-              </a:rPr>
-              <a:t> column of </a:t>
-            </a:r>
-            <a:r>
-              <a:rPr lang="en-US" sz="2000" b="0" i="1" dirty="0">
-                <a:solidFill>
-                  <a:srgbClr val="202122"/>
-                </a:solidFill>
-                <a:effectLst/>
-              </a:rPr>
-              <a:t>A</a:t>
-            </a:r>
-            <a:r>
-              <a:rPr lang="en-US" sz="2000" b="0" i="0" dirty="0">
-                <a:solidFill>
-                  <a:srgbClr val="202122"/>
-                </a:solidFill>
-                <a:effectLst/>
-              </a:rPr>
-              <a:t> by the column vector </a:t>
-            </a:r>
-            <a:r>
-              <a:rPr lang="en-US" sz="2000" b="1" i="0" dirty="0">
-                <a:solidFill>
-                  <a:srgbClr val="202122"/>
-                </a:solidFill>
-                <a:effectLst/>
-              </a:rPr>
-              <a:t>b</a:t>
-            </a:r>
-            <a:r>
-              <a:rPr lang="en-US" sz="2000" b="0" i="0" dirty="0">
-                <a:solidFill>
-                  <a:srgbClr val="202122"/>
-                </a:solidFill>
-                <a:effectLst/>
-              </a:rPr>
-              <a:t>.</a:t>
-            </a:r>
-            <a:endParaRPr lang="en-US" sz="2000" b="1" i="1" dirty="0"/>
-          </a:p>
-        </p:txBody>
-      </p:sp>
-      <p:sp>
-        <p:nvSpPr>
-          <p:cNvPr id="6" name="Rectangle 5">
-            <a:extLst>
-              <a:ext uri="{FF2B5EF4-FFF2-40B4-BE49-F238E27FC236}">
-                <a16:creationId xmlns:a16="http://schemas.microsoft.com/office/drawing/2014/main" id="{01DAA315-8DA7-57E7-479F-D67B62B1A867}"/>
-              </a:ext>
-            </a:extLst>
-          </p:cNvPr>
-          <p:cNvSpPr/>
-          <p:nvPr/>
-        </p:nvSpPr>
-        <p:spPr>
-          <a:xfrm>
-            <a:off x="767979" y="1706561"/>
-            <a:ext cx="7111081" cy="400110"/>
-          </a:xfrm>
-          <a:prstGeom prst="rect">
-            <a:avLst/>
-          </a:prstGeom>
-        </p:spPr>
-        <p:txBody>
-          <a:bodyPr wrap="square">
-            <a:spAutoFit/>
-          </a:bodyPr>
-          <a:lstStyle/>
-          <a:p>
-            <a:pPr algn="just">
-              <a:spcAft>
-                <a:spcPts val="600"/>
-              </a:spcAft>
-              <a:buClr>
-                <a:srgbClr val="0808FF"/>
-              </a:buClr>
-            </a:pPr>
-            <a:r>
-              <a:rPr lang="en-US" sz="2000" dirty="0"/>
-              <a:t>Solution to         reads </a:t>
-            </a:r>
-          </a:p>
-        </p:txBody>
-      </p:sp>
-      <p:sp>
-        <p:nvSpPr>
-          <p:cNvPr id="12" name="TextBox 11">
-            <a:extLst>
-              <a:ext uri="{FF2B5EF4-FFF2-40B4-BE49-F238E27FC236}">
-                <a16:creationId xmlns:a16="http://schemas.microsoft.com/office/drawing/2014/main" id="{5DAAE0BD-E84C-2A2B-255A-56775EDAC7A4}"/>
-              </a:ext>
-            </a:extLst>
-          </p:cNvPr>
-          <p:cNvSpPr txBox="1"/>
-          <p:nvPr/>
-        </p:nvSpPr>
-        <p:spPr>
-          <a:xfrm>
-            <a:off x="767979" y="3416078"/>
-            <a:ext cx="7620844" cy="400110"/>
-          </a:xfrm>
-          <a:prstGeom prst="rect">
-            <a:avLst/>
-          </a:prstGeom>
-          <a:noFill/>
-        </p:spPr>
-        <p:txBody>
-          <a:bodyPr wrap="square" rtlCol="0">
-            <a:spAutoFit/>
-          </a:bodyPr>
-          <a:lstStyle/>
-          <a:p>
-            <a:r>
-              <a:rPr lang="en-US" sz="2000" dirty="0"/>
-              <a:t>For example</a:t>
-            </a:r>
-            <a:endParaRPr lang="en-US" sz="2000" b="1" i="1" dirty="0"/>
-          </a:p>
-        </p:txBody>
-      </p:sp>
-      <p:pic>
-        <p:nvPicPr>
-          <p:cNvPr id="3" name="Picture 2">
-            <a:extLst>
-              <a:ext uri="{FF2B5EF4-FFF2-40B4-BE49-F238E27FC236}">
-                <a16:creationId xmlns:a16="http://schemas.microsoft.com/office/drawing/2014/main" id="{FD7F42B4-C768-7449-77DE-897A2FD2AE25}"/>
-              </a:ext>
-            </a:extLst>
-          </p:cNvPr>
-          <p:cNvPicPr>
-            <a:picLocks noChangeAspect="1"/>
-          </p:cNvPicPr>
-          <p:nvPr/>
-        </p:nvPicPr>
-        <p:blipFill>
-          <a:blip r:embed="rId3"/>
-          <a:stretch>
-            <a:fillRect/>
-          </a:stretch>
-        </p:blipFill>
-        <p:spPr>
-          <a:xfrm>
-            <a:off x="2093295" y="1805379"/>
-            <a:ext cx="692240" cy="234867"/>
-          </a:xfrm>
-          <a:prstGeom prst="rect">
-            <a:avLst/>
-          </a:prstGeom>
-        </p:spPr>
-      </p:pic>
-      <p:pic>
-        <p:nvPicPr>
-          <p:cNvPr id="8" name="Picture 7">
-            <a:extLst>
-              <a:ext uri="{FF2B5EF4-FFF2-40B4-BE49-F238E27FC236}">
-                <a16:creationId xmlns:a16="http://schemas.microsoft.com/office/drawing/2014/main" id="{703946A0-E1CC-FD30-7AC3-50F3C29E6D41}"/>
-              </a:ext>
-            </a:extLst>
-          </p:cNvPr>
-          <p:cNvPicPr>
-            <a:picLocks noChangeAspect="1"/>
-          </p:cNvPicPr>
-          <p:nvPr/>
-        </p:nvPicPr>
-        <p:blipFill>
-          <a:blip r:embed="rId4"/>
-          <a:stretch>
-            <a:fillRect/>
-          </a:stretch>
-        </p:blipFill>
-        <p:spPr>
-          <a:xfrm>
-            <a:off x="4767439" y="2040246"/>
-            <a:ext cx="2744459" cy="689306"/>
-          </a:xfrm>
-          <a:prstGeom prst="rect">
-            <a:avLst/>
-          </a:prstGeom>
-        </p:spPr>
-      </p:pic>
-      <p:pic>
-        <p:nvPicPr>
-          <p:cNvPr id="9" name="Picture 8">
-            <a:extLst>
-              <a:ext uri="{FF2B5EF4-FFF2-40B4-BE49-F238E27FC236}">
-                <a16:creationId xmlns:a16="http://schemas.microsoft.com/office/drawing/2014/main" id="{E2A7C2ED-2BBB-5460-5544-D89EB4D02C45}"/>
-              </a:ext>
-            </a:extLst>
-          </p:cNvPr>
-          <p:cNvPicPr>
-            <a:picLocks noChangeAspect="1"/>
-          </p:cNvPicPr>
-          <p:nvPr/>
-        </p:nvPicPr>
-        <p:blipFill>
-          <a:blip r:embed="rId5"/>
-          <a:stretch>
-            <a:fillRect/>
-          </a:stretch>
-        </p:blipFill>
-        <p:spPr>
-          <a:xfrm>
-            <a:off x="4725432" y="3419491"/>
-            <a:ext cx="2448742" cy="800550"/>
-          </a:xfrm>
-          <a:prstGeom prst="rect">
-            <a:avLst/>
-          </a:prstGeom>
-        </p:spPr>
-      </p:pic>
-      <p:sp>
-        <p:nvSpPr>
-          <p:cNvPr id="13" name="TextBox 12">
-            <a:extLst>
-              <a:ext uri="{FF2B5EF4-FFF2-40B4-BE49-F238E27FC236}">
-                <a16:creationId xmlns:a16="http://schemas.microsoft.com/office/drawing/2014/main" id="{D8B773B7-BB1D-49D1-4276-109F3D7D09A2}"/>
-              </a:ext>
-            </a:extLst>
-          </p:cNvPr>
-          <p:cNvSpPr txBox="1"/>
-          <p:nvPr/>
-        </p:nvSpPr>
-        <p:spPr>
-          <a:xfrm>
-            <a:off x="767979" y="4220041"/>
-            <a:ext cx="7620844" cy="400110"/>
-          </a:xfrm>
-          <a:prstGeom prst="rect">
-            <a:avLst/>
-          </a:prstGeom>
-          <a:noFill/>
-        </p:spPr>
-        <p:txBody>
-          <a:bodyPr wrap="square" rtlCol="0">
-            <a:spAutoFit/>
-          </a:bodyPr>
-          <a:lstStyle/>
-          <a:p>
-            <a:r>
-              <a:rPr lang="en-US" sz="2000" dirty="0"/>
-              <a:t>solved as</a:t>
-            </a:r>
-            <a:endParaRPr lang="en-US" sz="2000" b="1" i="1" dirty="0"/>
-          </a:p>
-        </p:txBody>
-      </p:sp>
-      <p:pic>
-        <p:nvPicPr>
-          <p:cNvPr id="14" name="Picture 13">
-            <a:extLst>
-              <a:ext uri="{FF2B5EF4-FFF2-40B4-BE49-F238E27FC236}">
-                <a16:creationId xmlns:a16="http://schemas.microsoft.com/office/drawing/2014/main" id="{0E9DC498-D73B-5915-6038-9A7593062ED4}"/>
-              </a:ext>
-            </a:extLst>
-          </p:cNvPr>
-          <p:cNvPicPr>
-            <a:picLocks noChangeAspect="1"/>
-          </p:cNvPicPr>
-          <p:nvPr/>
-        </p:nvPicPr>
-        <p:blipFill>
-          <a:blip r:embed="rId6"/>
-          <a:stretch>
-            <a:fillRect/>
-          </a:stretch>
-        </p:blipFill>
-        <p:spPr>
-          <a:xfrm>
-            <a:off x="3861252" y="4711383"/>
-            <a:ext cx="4177102" cy="1323628"/>
-          </a:xfrm>
-          <a:prstGeom prst="rect">
-            <a:avLst/>
-          </a:prstGeom>
-        </p:spPr>
-      </p:pic>
-      <p:sp>
-        <p:nvSpPr>
-          <p:cNvPr id="15" name="TextBox 14">
-            <a:extLst>
-              <a:ext uri="{FF2B5EF4-FFF2-40B4-BE49-F238E27FC236}">
-                <a16:creationId xmlns:a16="http://schemas.microsoft.com/office/drawing/2014/main" id="{065BC87C-2478-2309-13F5-A14DD87161CF}"/>
-              </a:ext>
-            </a:extLst>
-          </p:cNvPr>
-          <p:cNvSpPr txBox="1"/>
-          <p:nvPr/>
-        </p:nvSpPr>
-        <p:spPr>
-          <a:xfrm>
-            <a:off x="767979" y="6126243"/>
-            <a:ext cx="7620844" cy="400110"/>
-          </a:xfrm>
-          <a:prstGeom prst="rect">
-            <a:avLst/>
-          </a:prstGeom>
-          <a:noFill/>
-        </p:spPr>
-        <p:txBody>
-          <a:bodyPr wrap="square" rtlCol="0">
-            <a:spAutoFit/>
-          </a:bodyPr>
-          <a:lstStyle/>
-          <a:p>
-            <a:r>
-              <a:rPr lang="en-US" sz="2000" dirty="0"/>
-              <a:t>Cramer’s rule has theoretical importance but little practical use</a:t>
-            </a:r>
-            <a:endParaRPr lang="en-US" sz="2000" b="1" i="1" dirty="0"/>
-          </a:p>
-        </p:txBody>
-      </p:sp>
-    </p:spTree>
-    <p:extLst>
-      <p:ext uri="{BB962C8B-B14F-4D97-AF65-F5344CB8AC3E}">
-        <p14:creationId xmlns:p14="http://schemas.microsoft.com/office/powerpoint/2010/main" val="840720672"/>
+        <p14:creationId xmlns:p14="http://schemas.microsoft.com/office/powerpoint/2010/main" val="2977069185"/>
       </p:ext>
     </p:extLst>
   </p:cSld>
@@ -11030,102 +10866,10 @@
       </p:grpSpPr>
       <p:sp>
         <p:nvSpPr>
-          <p:cNvPr id="2" name="Title 1">
-            <a:extLst>
-              <a:ext uri="{FF2B5EF4-FFF2-40B4-BE49-F238E27FC236}">
-                <a16:creationId xmlns:a16="http://schemas.microsoft.com/office/drawing/2014/main" id="{D2AAFA58-9F0A-4217-B38D-E58CFC4CAD2A}"/>
-              </a:ext>
-            </a:extLst>
-          </p:cNvPr>
-          <p:cNvSpPr>
-            <a:spLocks noGrp="1"/>
-          </p:cNvSpPr>
-          <p:nvPr>
-            <p:ph type="title"/>
-          </p:nvPr>
-        </p:nvSpPr>
-        <p:spPr/>
-        <p:txBody>
-          <a:bodyPr/>
-          <a:lstStyle/>
-          <a:p>
-            <a:r>
-              <a:rPr lang="en-US" dirty="0">
-                <a:latin typeface="LM Sans 10" panose="00000500000000000000" pitchFamily="50" charset="0"/>
-              </a:rPr>
-              <a:t>Gaussian elimination</a:t>
-            </a:r>
-            <a:endParaRPr lang="uk-UA" dirty="0"/>
-          </a:p>
-        </p:txBody>
-      </p:sp>
-      <p:sp>
-        <p:nvSpPr>
-          <p:cNvPr id="4" name="Text Placeholder 3">
-            <a:extLst>
-              <a:ext uri="{FF2B5EF4-FFF2-40B4-BE49-F238E27FC236}">
-                <a16:creationId xmlns:a16="http://schemas.microsoft.com/office/drawing/2014/main" id="{22379093-2446-7E14-8100-7BE52B6E3AF4}"/>
-              </a:ext>
-            </a:extLst>
-          </p:cNvPr>
-          <p:cNvSpPr>
-            <a:spLocks noGrp="1"/>
-          </p:cNvSpPr>
-          <p:nvPr>
-            <p:ph type="body" sz="quarter" idx="12"/>
-          </p:nvPr>
-        </p:nvSpPr>
-        <p:spPr/>
-        <p:txBody>
-          <a:bodyPr/>
-          <a:lstStyle/>
-          <a:p>
-            <a:endParaRPr lang="en-US"/>
-          </a:p>
-        </p:txBody>
-      </p:sp>
-      <p:sp>
-        <p:nvSpPr>
-          <p:cNvPr id="10" name="TextBox 9">
-            <a:extLst>
-              <a:ext uri="{FF2B5EF4-FFF2-40B4-BE49-F238E27FC236}">
-                <a16:creationId xmlns:a16="http://schemas.microsoft.com/office/drawing/2014/main" id="{DD660118-25D7-60A3-F11C-C0E6045D4CE6}"/>
-              </a:ext>
-            </a:extLst>
-          </p:cNvPr>
-          <p:cNvSpPr txBox="1"/>
-          <p:nvPr/>
-        </p:nvSpPr>
-        <p:spPr>
-          <a:xfrm>
-            <a:off x="767979" y="1825131"/>
-            <a:ext cx="10573311" cy="707886"/>
-          </a:xfrm>
-          <a:prstGeom prst="rect">
-            <a:avLst/>
-          </a:prstGeom>
-          <a:noFill/>
-        </p:spPr>
-        <p:txBody>
-          <a:bodyPr wrap="square" rtlCol="0">
-            <a:spAutoFit/>
-          </a:bodyPr>
-          <a:lstStyle/>
-          <a:p>
-            <a:r>
-              <a:rPr lang="en-US" sz="2000" dirty="0"/>
-              <a:t>It is based on iterative transformation of the system of linear equations which preserve the solution (the solution stays the same)</a:t>
-            </a:r>
-            <a:endParaRPr lang="en-US" sz="2000" b="1" i="1" dirty="0"/>
-          </a:p>
-        </p:txBody>
-      </p:sp>
-      <p:sp>
-        <p:nvSpPr>
-          <p:cNvPr id="6" name="Rectangle 5">
-            <a:extLst>
-              <a:ext uri="{FF2B5EF4-FFF2-40B4-BE49-F238E27FC236}">
-                <a16:creationId xmlns:a16="http://schemas.microsoft.com/office/drawing/2014/main" id="{01DAA315-8DA7-57E7-479F-D67B62B1A867}"/>
+          <p:cNvPr id="16" name="Rectangle 15">
+            <a:extLst>
+              <a:ext uri="{FF2B5EF4-FFF2-40B4-BE49-F238E27FC236}">
+                <a16:creationId xmlns:a16="http://schemas.microsoft.com/office/drawing/2014/main" id="{66EAA014-8B46-47C7-B723-4D6ACEB4F8A0}"/>
               </a:ext>
             </a:extLst>
           </p:cNvPr>
@@ -11134,8 +10878,8 @@
         </p:nvSpPr>
         <p:spPr>
           <a:xfrm>
-            <a:off x="767979" y="1249846"/>
-            <a:ext cx="9736248" cy="400110"/>
+            <a:off x="767980" y="1251691"/>
+            <a:ext cx="7111081" cy="400110"/>
           </a:xfrm>
           <a:prstGeom prst="rect">
             <a:avLst/>
@@ -11157,21 +10901,73 @@
             </a:pPr>
             <a:r>
               <a:rPr lang="en-US" sz="2000" b="1" dirty="0"/>
-              <a:t>Gaussian elimination </a:t>
-            </a:r>
-            <a:r>
-              <a:rPr lang="en-US" sz="2000" dirty="0"/>
-              <a:t>is the base procedure for solving systems of linear equations</a:t>
-            </a:r>
-          </a:p>
-        </p:txBody>
-      </p:sp>
-      <p:sp>
-        <p:nvSpPr>
-          <p:cNvPr id="15" name="TextBox 14">
-            <a:extLst>
-              <a:ext uri="{FF2B5EF4-FFF2-40B4-BE49-F238E27FC236}">
-                <a16:creationId xmlns:a16="http://schemas.microsoft.com/office/drawing/2014/main" id="{065BC87C-2478-2309-13F5-A14DD87161CF}"/>
+              <a:t>Cramer’s rule:</a:t>
+            </a:r>
+          </a:p>
+        </p:txBody>
+      </p:sp>
+      <p:sp>
+        <p:nvSpPr>
+          <p:cNvPr id="2" name="Title 1">
+            <a:extLst>
+              <a:ext uri="{FF2B5EF4-FFF2-40B4-BE49-F238E27FC236}">
+                <a16:creationId xmlns:a16="http://schemas.microsoft.com/office/drawing/2014/main" id="{D2AAFA58-9F0A-4217-B38D-E58CFC4CAD2A}"/>
+              </a:ext>
+            </a:extLst>
+          </p:cNvPr>
+          <p:cNvSpPr>
+            <a:spLocks noGrp="1"/>
+          </p:cNvSpPr>
+          <p:nvPr>
+            <p:ph type="title"/>
+          </p:nvPr>
+        </p:nvSpPr>
+        <p:spPr/>
+        <p:txBody>
+          <a:bodyPr/>
+          <a:lstStyle/>
+          <a:p>
+            <a:r>
+              <a:rPr lang="en-US" dirty="0">
+                <a:latin typeface="LM Sans 10" panose="00000500000000000000" pitchFamily="50" charset="0"/>
+              </a:rPr>
+              <a:t>Cramer’s rule</a:t>
+            </a:r>
+            <a:endParaRPr lang="uk-UA" dirty="0"/>
+          </a:p>
+        </p:txBody>
+      </p:sp>
+      <p:sp>
+        <p:nvSpPr>
+          <p:cNvPr id="4" name="Text Placeholder 3">
+            <a:extLst>
+              <a:ext uri="{FF2B5EF4-FFF2-40B4-BE49-F238E27FC236}">
+                <a16:creationId xmlns:a16="http://schemas.microsoft.com/office/drawing/2014/main" id="{22379093-2446-7E14-8100-7BE52B6E3AF4}"/>
+              </a:ext>
+            </a:extLst>
+          </p:cNvPr>
+          <p:cNvSpPr>
+            <a:spLocks noGrp="1"/>
+          </p:cNvSpPr>
+          <p:nvPr>
+            <p:ph type="body" sz="quarter" idx="12"/>
+          </p:nvPr>
+        </p:nvSpPr>
+        <p:spPr/>
+        <p:txBody>
+          <a:bodyPr/>
+          <a:lstStyle/>
+          <a:p>
+            <a:endParaRPr lang="en-US"/>
+          </a:p>
+        </p:txBody>
+      </p:sp>
+      <p:sp>
+        <p:nvSpPr>
+          <p:cNvPr id="10" name="TextBox 9">
+            <a:extLst>
+              <a:ext uri="{FF2B5EF4-FFF2-40B4-BE49-F238E27FC236}">
+                <a16:creationId xmlns:a16="http://schemas.microsoft.com/office/drawing/2014/main" id="{DD660118-25D7-60A3-F11C-C0E6045D4CE6}"/>
               </a:ext>
             </a:extLst>
           </p:cNvPr>
@@ -11180,8 +10976,8 @@
         </p:nvSpPr>
         <p:spPr>
           <a:xfrm>
-            <a:off x="767979" y="4907043"/>
-            <a:ext cx="7620844" cy="1477328"/>
+            <a:off x="809342" y="2814312"/>
+            <a:ext cx="10573311" cy="400110"/>
           </a:xfrm>
           <a:prstGeom prst="rect">
             <a:avLst/>
@@ -11194,50 +10990,146 @@
           </a:bodyPr>
           <a:lstStyle/>
           <a:p>
-            <a:pPr>
+            <a:r>
+              <a:rPr lang="en-US" sz="2000" dirty="0"/>
+              <a:t>where </a:t>
+            </a:r>
+            <a:r>
+              <a:rPr lang="en-US" sz="2000" i="1" dirty="0"/>
+              <a:t>A</a:t>
+            </a:r>
+            <a:r>
+              <a:rPr lang="en-US" sz="2000" baseline="-25000" dirty="0"/>
+              <a:t>i</a:t>
+            </a:r>
+            <a:r>
+              <a:rPr lang="en-US" sz="2000" dirty="0"/>
+              <a:t> </a:t>
+            </a:r>
+            <a:r>
+              <a:rPr lang="en-US" sz="2000" b="0" i="0" dirty="0">
+                <a:solidFill>
+                  <a:srgbClr val="202122"/>
+                </a:solidFill>
+                <a:effectLst/>
+              </a:rPr>
+              <a:t>is the matrix formed by replacing the </a:t>
+            </a:r>
+            <a:r>
+              <a:rPr lang="en-US" sz="2000" b="0" i="1" dirty="0" err="1">
+                <a:solidFill>
+                  <a:srgbClr val="202122"/>
+                </a:solidFill>
+                <a:effectLst/>
+              </a:rPr>
+              <a:t>i</a:t>
+            </a:r>
+            <a:r>
+              <a:rPr lang="en-US" sz="2000" b="0" i="0" dirty="0" err="1">
+                <a:solidFill>
+                  <a:srgbClr val="202122"/>
+                </a:solidFill>
+                <a:effectLst/>
+              </a:rPr>
+              <a:t>-th</a:t>
+            </a:r>
+            <a:r>
+              <a:rPr lang="en-US" sz="2000" b="0" i="0" dirty="0">
+                <a:solidFill>
+                  <a:srgbClr val="202122"/>
+                </a:solidFill>
+                <a:effectLst/>
+              </a:rPr>
+              <a:t> column of </a:t>
+            </a:r>
+            <a:r>
+              <a:rPr lang="en-US" sz="2000" b="0" i="1" dirty="0">
+                <a:solidFill>
+                  <a:srgbClr val="202122"/>
+                </a:solidFill>
+                <a:effectLst/>
+              </a:rPr>
+              <a:t>A</a:t>
+            </a:r>
+            <a:r>
+              <a:rPr lang="en-US" sz="2000" b="0" i="0" dirty="0">
+                <a:solidFill>
+                  <a:srgbClr val="202122"/>
+                </a:solidFill>
+                <a:effectLst/>
+              </a:rPr>
+              <a:t> by the column vector </a:t>
+            </a:r>
+            <a:r>
+              <a:rPr lang="en-US" sz="2000" b="1" i="0" dirty="0">
+                <a:solidFill>
+                  <a:srgbClr val="202122"/>
+                </a:solidFill>
+                <a:effectLst/>
+              </a:rPr>
+              <a:t>b</a:t>
+            </a:r>
+            <a:r>
+              <a:rPr lang="en-US" sz="2000" b="0" i="0" dirty="0">
+                <a:solidFill>
+                  <a:srgbClr val="202122"/>
+                </a:solidFill>
+                <a:effectLst/>
+              </a:rPr>
+              <a:t>.</a:t>
+            </a:r>
+            <a:endParaRPr lang="en-US" sz="2000" b="1" i="1" dirty="0"/>
+          </a:p>
+        </p:txBody>
+      </p:sp>
+      <p:sp>
+        <p:nvSpPr>
+          <p:cNvPr id="6" name="Rectangle 5">
+            <a:extLst>
+              <a:ext uri="{FF2B5EF4-FFF2-40B4-BE49-F238E27FC236}">
+                <a16:creationId xmlns:a16="http://schemas.microsoft.com/office/drawing/2014/main" id="{01DAA315-8DA7-57E7-479F-D67B62B1A867}"/>
+              </a:ext>
+            </a:extLst>
+          </p:cNvPr>
+          <p:cNvSpPr/>
+          <p:nvPr/>
+        </p:nvSpPr>
+        <p:spPr>
+          <a:xfrm>
+            <a:off x="767979" y="1706561"/>
+            <a:ext cx="7111081" cy="400110"/>
+          </a:xfrm>
+          <a:prstGeom prst="rect">
+            <a:avLst/>
+          </a:prstGeom>
+        </p:spPr>
+        <p:txBody>
+          <a:bodyPr wrap="square">
+            <a:spAutoFit/>
+          </a:bodyPr>
+          <a:lstStyle/>
+          <a:p>
+            <a:pPr algn="just">
               <a:spcAft>
                 <a:spcPts val="600"/>
               </a:spcAft>
+              <a:buClr>
+                <a:srgbClr val="0808FF"/>
+              </a:buClr>
             </a:pPr>
             <a:r>
               <a:rPr lang="en-US" sz="2000" dirty="0"/>
-              <a:t>The following two operations preserve the solution:</a:t>
-            </a:r>
-          </a:p>
-          <a:p>
-            <a:pPr marL="457200" indent="-457200">
-              <a:spcAft>
-                <a:spcPts val="600"/>
-              </a:spcAft>
-              <a:buFont typeface="+mj-lt"/>
-              <a:buAutoNum type="arabicPeriod"/>
-            </a:pPr>
-            <a:r>
-              <a:rPr lang="en-US" sz="2000" dirty="0"/>
-              <a:t>One can multiply any row by a non-zero number</a:t>
-            </a:r>
-          </a:p>
-          <a:p>
-            <a:pPr marL="457200" indent="-457200">
-              <a:spcAft>
-                <a:spcPts val="600"/>
-              </a:spcAft>
-              <a:buFont typeface="+mj-lt"/>
-              <a:buAutoNum type="arabicPeriod"/>
-            </a:pPr>
-            <a:r>
-              <a:rPr lang="en-US" sz="2000" dirty="0"/>
-              <a:t>One can subtract from a given row any other row (with any non-zero factor)</a:t>
-            </a:r>
-          </a:p>
-        </p:txBody>
-      </p:sp>
-      <p:sp>
-        <p:nvSpPr>
-          <p:cNvPr id="5" name="TextBox 4">
-            <a:extLst>
-              <a:ext uri="{FF2B5EF4-FFF2-40B4-BE49-F238E27FC236}">
-                <a16:creationId xmlns:a16="http://schemas.microsoft.com/office/drawing/2014/main" id="{B11283AF-3E07-2DDB-757D-E2BC86581A06}"/>
+              <a:t>Solution to         reads </a:t>
+            </a:r>
+          </a:p>
+        </p:txBody>
+      </p:sp>
+      <p:sp>
+        <p:nvSpPr>
+          <p:cNvPr id="12" name="TextBox 11">
+            <a:extLst>
+              <a:ext uri="{FF2B5EF4-FFF2-40B4-BE49-F238E27FC236}">
+                <a16:creationId xmlns:a16="http://schemas.microsoft.com/office/drawing/2014/main" id="{5DAAE0BD-E84C-2A2B-255A-56775EDAC7A4}"/>
               </a:ext>
             </a:extLst>
           </p:cNvPr>
@@ -11246,8 +11138,8 @@
         </p:nvSpPr>
         <p:spPr>
           <a:xfrm>
-            <a:off x="767979" y="2665438"/>
-            <a:ext cx="10573311" cy="400110"/>
+            <a:off x="767979" y="3416078"/>
+            <a:ext cx="7620844" cy="400110"/>
           </a:xfrm>
           <a:prstGeom prst="rect">
             <a:avLst/>
@@ -11262,15 +11154,7 @@
           <a:p>
             <a:r>
               <a:rPr lang="en-US" sz="2000" dirty="0"/>
-              <a:t>The goal is to eliminate all entries in matrix </a:t>
-            </a:r>
-            <a:r>
-              <a:rPr lang="en-US" sz="2000" b="1" i="1" dirty="0"/>
-              <a:t>A</a:t>
-            </a:r>
-            <a:r>
-              <a:rPr lang="en-US" sz="2000" dirty="0"/>
-              <a:t> below the main diagonal</a:t>
+              <a:t>For example</a:t>
             </a:r>
             <a:endParaRPr lang="en-US" sz="2000" b="1" i="1" dirty="0"/>
           </a:p>
@@ -11278,10 +11162,10 @@
       </p:sp>
       <p:pic>
         <p:nvPicPr>
-          <p:cNvPr id="7" name="Picture 6">
-            <a:extLst>
-              <a:ext uri="{FF2B5EF4-FFF2-40B4-BE49-F238E27FC236}">
-                <a16:creationId xmlns:a16="http://schemas.microsoft.com/office/drawing/2014/main" id="{A49076E5-52E6-588D-564F-1FE6D1129C76}"/>
+          <p:cNvPr id="3" name="Picture 2">
+            <a:extLst>
+              <a:ext uri="{FF2B5EF4-FFF2-40B4-BE49-F238E27FC236}">
+                <a16:creationId xmlns:a16="http://schemas.microsoft.com/office/drawing/2014/main" id="{FD7F42B4-C768-7449-77DE-897A2FD2AE25}"/>
               </a:ext>
             </a:extLst>
           </p:cNvPr>
@@ -11298,8 +11182,8 @@
         </p:blipFill>
         <p:spPr>
           <a:xfrm>
-            <a:off x="1894527" y="3324905"/>
-            <a:ext cx="3025263" cy="1080000"/>
+            <a:off x="2093295" y="1805379"/>
+            <a:ext cx="692240" cy="234867"/>
           </a:xfrm>
           <a:prstGeom prst="rect">
             <a:avLst/>
@@ -11308,10 +11192,10 @@
       </p:pic>
       <p:pic>
         <p:nvPicPr>
-          <p:cNvPr id="11" name="Picture 10">
-            <a:extLst>
-              <a:ext uri="{FF2B5EF4-FFF2-40B4-BE49-F238E27FC236}">
-                <a16:creationId xmlns:a16="http://schemas.microsoft.com/office/drawing/2014/main" id="{1666BA96-3799-8863-642F-ABAC035ED3C2}"/>
+          <p:cNvPr id="8" name="Picture 7">
+            <a:extLst>
+              <a:ext uri="{FF2B5EF4-FFF2-40B4-BE49-F238E27FC236}">
+                <a16:creationId xmlns:a16="http://schemas.microsoft.com/office/drawing/2014/main" id="{703946A0-E1CC-FD30-7AC3-50F3C29E6D41}"/>
               </a:ext>
             </a:extLst>
           </p:cNvPr>
@@ -11328,64 +11212,150 @@
         </p:blipFill>
         <p:spPr>
           <a:xfrm>
-            <a:off x="6994239" y="3324905"/>
-            <a:ext cx="3061065" cy="1080000"/>
+            <a:off x="4767439" y="2040246"/>
+            <a:ext cx="2744459" cy="689306"/>
           </a:xfrm>
           <a:prstGeom prst="rect">
             <a:avLst/>
           </a:prstGeom>
         </p:spPr>
       </p:pic>
-      <p:sp>
-        <p:nvSpPr>
-          <p:cNvPr id="19" name="Arrow: Right 18">
-            <a:extLst>
-              <a:ext uri="{FF2B5EF4-FFF2-40B4-BE49-F238E27FC236}">
-                <a16:creationId xmlns:a16="http://schemas.microsoft.com/office/drawing/2014/main" id="{A13EED1F-EED8-2A5A-2A8B-9F932B66F152}"/>
-              </a:ext>
-            </a:extLst>
-          </p:cNvPr>
-          <p:cNvSpPr/>
+      <p:pic>
+        <p:nvPicPr>
+          <p:cNvPr id="9" name="Picture 8">
+            <a:extLst>
+              <a:ext uri="{FF2B5EF4-FFF2-40B4-BE49-F238E27FC236}">
+                <a16:creationId xmlns:a16="http://schemas.microsoft.com/office/drawing/2014/main" id="{E2A7C2ED-2BBB-5460-5544-D89EB4D02C45}"/>
+              </a:ext>
+            </a:extLst>
+          </p:cNvPr>
+          <p:cNvPicPr>
+            <a:picLocks noChangeAspect="1"/>
+          </p:cNvPicPr>
           <p:nvPr/>
-        </p:nvSpPr>
-        <p:spPr>
-          <a:xfrm>
-            <a:off x="5634019" y="3687586"/>
-            <a:ext cx="721290" cy="344286"/>
-          </a:xfrm>
-          <a:prstGeom prst="rightArrow">
-            <a:avLst/>
-          </a:prstGeom>
-        </p:spPr>
-        <p:style>
-          <a:lnRef idx="2">
-            <a:schemeClr val="accent1">
-              <a:shade val="50000"/>
-            </a:schemeClr>
-          </a:lnRef>
-          <a:fillRef idx="1">
-            <a:schemeClr val="accent1"/>
-          </a:fillRef>
-          <a:effectRef idx="0">
-            <a:schemeClr val="accent1"/>
-          </a:effectRef>
-          <a:fontRef idx="minor">
-            <a:schemeClr val="lt1"/>
-          </a:fontRef>
-        </p:style>
-        <p:txBody>
-          <a:bodyPr rtlCol="0" anchor="ctr"/>
-          <a:lstStyle/>
-          <a:p>
-            <a:pPr algn="ctr"/>
-            <a:endParaRPr lang="en-US"/>
+        </p:nvPicPr>
+        <p:blipFill>
+          <a:blip r:embed="rId5"/>
+          <a:stretch>
+            <a:fillRect/>
+          </a:stretch>
+        </p:blipFill>
+        <p:spPr>
+          <a:xfrm>
+            <a:off x="4725432" y="3419491"/>
+            <a:ext cx="2448742" cy="800550"/>
+          </a:xfrm>
+          <a:prstGeom prst="rect">
+            <a:avLst/>
+          </a:prstGeom>
+        </p:spPr>
+      </p:pic>
+      <p:sp>
+        <p:nvSpPr>
+          <p:cNvPr id="13" name="TextBox 12">
+            <a:extLst>
+              <a:ext uri="{FF2B5EF4-FFF2-40B4-BE49-F238E27FC236}">
+                <a16:creationId xmlns:a16="http://schemas.microsoft.com/office/drawing/2014/main" id="{D8B773B7-BB1D-49D1-4276-109F3D7D09A2}"/>
+              </a:ext>
+            </a:extLst>
+          </p:cNvPr>
+          <p:cNvSpPr txBox="1"/>
+          <p:nvPr/>
+        </p:nvSpPr>
+        <p:spPr>
+          <a:xfrm>
+            <a:off x="767979" y="4220041"/>
+            <a:ext cx="7620844" cy="400110"/>
+          </a:xfrm>
+          <a:prstGeom prst="rect">
+            <a:avLst/>
+          </a:prstGeom>
+          <a:noFill/>
+        </p:spPr>
+        <p:txBody>
+          <a:bodyPr wrap="square" rtlCol="0">
+            <a:spAutoFit/>
+          </a:bodyPr>
+          <a:lstStyle/>
+          <a:p>
+            <a:r>
+              <a:rPr lang="en-US" sz="2000" dirty="0"/>
+              <a:t>solved as</a:t>
+            </a:r>
+            <a:endParaRPr lang="en-US" sz="2000" b="1" i="1" dirty="0"/>
+          </a:p>
+        </p:txBody>
+      </p:sp>
+      <p:pic>
+        <p:nvPicPr>
+          <p:cNvPr id="14" name="Picture 13">
+            <a:extLst>
+              <a:ext uri="{FF2B5EF4-FFF2-40B4-BE49-F238E27FC236}">
+                <a16:creationId xmlns:a16="http://schemas.microsoft.com/office/drawing/2014/main" id="{0E9DC498-D73B-5915-6038-9A7593062ED4}"/>
+              </a:ext>
+            </a:extLst>
+          </p:cNvPr>
+          <p:cNvPicPr>
+            <a:picLocks noChangeAspect="1"/>
+          </p:cNvPicPr>
+          <p:nvPr/>
+        </p:nvPicPr>
+        <p:blipFill>
+          <a:blip r:embed="rId6"/>
+          <a:stretch>
+            <a:fillRect/>
+          </a:stretch>
+        </p:blipFill>
+        <p:spPr>
+          <a:xfrm>
+            <a:off x="3861252" y="4711383"/>
+            <a:ext cx="4177102" cy="1323628"/>
+          </a:xfrm>
+          <a:prstGeom prst="rect">
+            <a:avLst/>
+          </a:prstGeom>
+        </p:spPr>
+      </p:pic>
+      <p:sp>
+        <p:nvSpPr>
+          <p:cNvPr id="15" name="TextBox 14">
+            <a:extLst>
+              <a:ext uri="{FF2B5EF4-FFF2-40B4-BE49-F238E27FC236}">
+                <a16:creationId xmlns:a16="http://schemas.microsoft.com/office/drawing/2014/main" id="{065BC87C-2478-2309-13F5-A14DD87161CF}"/>
+              </a:ext>
+            </a:extLst>
+          </p:cNvPr>
+          <p:cNvSpPr txBox="1"/>
+          <p:nvPr/>
+        </p:nvSpPr>
+        <p:spPr>
+          <a:xfrm>
+            <a:off x="767979" y="6126243"/>
+            <a:ext cx="7620844" cy="400110"/>
+          </a:xfrm>
+          <a:prstGeom prst="rect">
+            <a:avLst/>
+          </a:prstGeom>
+          <a:noFill/>
+        </p:spPr>
+        <p:txBody>
+          <a:bodyPr wrap="square" rtlCol="0">
+            <a:spAutoFit/>
+          </a:bodyPr>
+          <a:lstStyle/>
+          <a:p>
+            <a:r>
+              <a:rPr lang="en-US" sz="2000" dirty="0"/>
+              <a:t>Cramer’s rule has theoretical importance but little practical use</a:t>
+            </a:r>
+            <a:endParaRPr lang="en-US" sz="2000" b="1" i="1" dirty="0"/>
           </a:p>
         </p:txBody>
       </p:sp>
     </p:spTree>
     <p:extLst>
       <p:ext uri="{BB962C8B-B14F-4D97-AF65-F5344CB8AC3E}">
-        <p14:creationId xmlns:p14="http://schemas.microsoft.com/office/powerpoint/2010/main" val="2188610914"/>
+        <p14:creationId xmlns:p14="http://schemas.microsoft.com/office/powerpoint/2010/main" val="840720672"/>
       </p:ext>
     </p:extLst>
   </p:cSld>
@@ -11470,6 +11440,42 @@
       </p:sp>
       <p:sp>
         <p:nvSpPr>
+          <p:cNvPr id="10" name="TextBox 9">
+            <a:extLst>
+              <a:ext uri="{FF2B5EF4-FFF2-40B4-BE49-F238E27FC236}">
+                <a16:creationId xmlns:a16="http://schemas.microsoft.com/office/drawing/2014/main" id="{DD660118-25D7-60A3-F11C-C0E6045D4CE6}"/>
+              </a:ext>
+            </a:extLst>
+          </p:cNvPr>
+          <p:cNvSpPr txBox="1"/>
+          <p:nvPr/>
+        </p:nvSpPr>
+        <p:spPr>
+          <a:xfrm>
+            <a:off x="767979" y="1825131"/>
+            <a:ext cx="10573311" cy="707886"/>
+          </a:xfrm>
+          <a:prstGeom prst="rect">
+            <a:avLst/>
+          </a:prstGeom>
+          <a:noFill/>
+        </p:spPr>
+        <p:txBody>
+          <a:bodyPr wrap="square" rtlCol="0">
+            <a:spAutoFit/>
+          </a:bodyPr>
+          <a:lstStyle/>
+          <a:p>
+            <a:r>
+              <a:rPr lang="en-US" sz="2000" dirty="0"/>
+              <a:t>It is based on iterative transformation of the system of linear equations which preserve the solution (the solution stays the same)</a:t>
+            </a:r>
+            <a:endParaRPr lang="en-US" sz="2000" b="1" i="1" dirty="0"/>
+          </a:p>
+        </p:txBody>
+      </p:sp>
+      <p:sp>
+        <p:nvSpPr>
           <p:cNvPr id="6" name="Rectangle 5">
             <a:extLst>
               <a:ext uri="{FF2B5EF4-FFF2-40B4-BE49-F238E27FC236}">
@@ -11483,7 +11489,7 @@
         <p:spPr>
           <a:xfrm>
             <a:off x="767979" y="1249846"/>
-            <a:ext cx="9736248" cy="3785652"/>
+            <a:ext cx="9736248" cy="400110"/>
           </a:xfrm>
           <a:prstGeom prst="rect">
             <a:avLst/>
@@ -11495,167 +11501,141 @@
           </a:bodyPr>
           <a:lstStyle/>
           <a:p>
-            <a:pPr marL="457200" indent="-457200" algn="just">
+            <a:pPr algn="just">
               <a:spcAft>
                 <a:spcPts val="600"/>
               </a:spcAft>
               <a:buClr>
                 <a:srgbClr val="0808FF"/>
               </a:buClr>
+            </a:pPr>
+            <a:r>
+              <a:rPr lang="en-US" sz="2000" b="1" dirty="0"/>
+              <a:t>Gaussian elimination </a:t>
+            </a:r>
+            <a:r>
+              <a:rPr lang="en-US" sz="2000" dirty="0"/>
+              <a:t>is the base procedure for solving systems of linear equations</a:t>
+            </a:r>
+          </a:p>
+        </p:txBody>
+      </p:sp>
+      <p:sp>
+        <p:nvSpPr>
+          <p:cNvPr id="15" name="TextBox 14">
+            <a:extLst>
+              <a:ext uri="{FF2B5EF4-FFF2-40B4-BE49-F238E27FC236}">
+                <a16:creationId xmlns:a16="http://schemas.microsoft.com/office/drawing/2014/main" id="{065BC87C-2478-2309-13F5-A14DD87161CF}"/>
+              </a:ext>
+            </a:extLst>
+          </p:cNvPr>
+          <p:cNvSpPr txBox="1"/>
+          <p:nvPr/>
+        </p:nvSpPr>
+        <p:spPr>
+          <a:xfrm>
+            <a:off x="767979" y="4907043"/>
+            <a:ext cx="9110312" cy="1169551"/>
+          </a:xfrm>
+          <a:prstGeom prst="rect">
+            <a:avLst/>
+          </a:prstGeom>
+          <a:noFill/>
+        </p:spPr>
+        <p:txBody>
+          <a:bodyPr wrap="square" rtlCol="0">
+            <a:spAutoFit/>
+          </a:bodyPr>
+          <a:lstStyle/>
+          <a:p>
+            <a:pPr>
+              <a:spcAft>
+                <a:spcPts val="600"/>
+              </a:spcAft>
+            </a:pPr>
+            <a:r>
+              <a:rPr lang="en-US" sz="2000" dirty="0"/>
+              <a:t>The following two operations preserve the solution:</a:t>
+            </a:r>
+          </a:p>
+          <a:p>
+            <a:pPr marL="457200" indent="-457200">
+              <a:spcAft>
+                <a:spcPts val="600"/>
+              </a:spcAft>
               <a:buFont typeface="+mj-lt"/>
               <a:buAutoNum type="arabicPeriod"/>
             </a:pPr>
             <a:r>
               <a:rPr lang="en-US" sz="2000" dirty="0"/>
-              <a:t>Starting from the first row, divide the row by its diagonal element a</a:t>
-            </a:r>
-            <a:r>
-              <a:rPr lang="en-US" sz="2000" baseline="-25000" dirty="0"/>
-              <a:t>11</a:t>
-            </a:r>
-          </a:p>
-          <a:p>
-            <a:pPr marL="457200" indent="-457200" algn="just">
+              <a:t>One can multiply any row by a non-zero number</a:t>
+            </a:r>
+          </a:p>
+          <a:p>
+            <a:pPr marL="457200" indent="-457200">
               <a:spcAft>
                 <a:spcPts val="600"/>
               </a:spcAft>
-              <a:buClr>
-                <a:srgbClr val="0808FF"/>
-              </a:buClr>
               <a:buFont typeface="+mj-lt"/>
               <a:buAutoNum type="arabicPeriod"/>
             </a:pPr>
-            <a:endParaRPr lang="en-US" sz="2000" dirty="0"/>
-          </a:p>
-          <a:p>
-            <a:pPr marL="457200" indent="-457200" algn="just">
-              <a:spcAft>
-                <a:spcPts val="600"/>
-              </a:spcAft>
-              <a:buClr>
-                <a:srgbClr val="0808FF"/>
-              </a:buClr>
-              <a:buFont typeface="+mj-lt"/>
-              <a:buAutoNum type="arabicPeriod"/>
-            </a:pPr>
-            <a:endParaRPr lang="en-US" sz="2000" dirty="0"/>
-          </a:p>
-          <a:p>
-            <a:pPr marL="457200" indent="-457200" algn="just">
-              <a:spcAft>
-                <a:spcPts val="600"/>
-              </a:spcAft>
-              <a:buClr>
-                <a:srgbClr val="0808FF"/>
-              </a:buClr>
-              <a:buFont typeface="+mj-lt"/>
-              <a:buAutoNum type="arabicPeriod"/>
-            </a:pPr>
-            <a:endParaRPr lang="en-US" sz="2000" dirty="0"/>
-          </a:p>
-          <a:p>
-            <a:pPr marL="457200" indent="-457200" algn="just">
-              <a:spcAft>
-                <a:spcPts val="600"/>
-              </a:spcAft>
-              <a:buClr>
-                <a:srgbClr val="0808FF"/>
-              </a:buClr>
-              <a:buFont typeface="+mj-lt"/>
-              <a:buAutoNum type="arabicPeriod"/>
-            </a:pPr>
             <a:r>
               <a:rPr lang="en-US" sz="2000" dirty="0"/>
-              <a:t>Make all entries in column 1 below the main diagonal equal to zero by subtracting the first equation from row </a:t>
-            </a:r>
-            <a:r>
-              <a:rPr lang="en-US" sz="2000" i="1" dirty="0"/>
-              <a:t>j </a:t>
-            </a:r>
+              <a:t>One can subtract from a given row any other row (with any non-zero factor)</a:t>
+            </a:r>
+          </a:p>
+        </p:txBody>
+      </p:sp>
+      <p:sp>
+        <p:nvSpPr>
+          <p:cNvPr id="5" name="TextBox 4">
+            <a:extLst>
+              <a:ext uri="{FF2B5EF4-FFF2-40B4-BE49-F238E27FC236}">
+                <a16:creationId xmlns:a16="http://schemas.microsoft.com/office/drawing/2014/main" id="{B11283AF-3E07-2DDB-757D-E2BC86581A06}"/>
+              </a:ext>
+            </a:extLst>
+          </p:cNvPr>
+          <p:cNvSpPr txBox="1"/>
+          <p:nvPr/>
+        </p:nvSpPr>
+        <p:spPr>
+          <a:xfrm>
+            <a:off x="767979" y="2665438"/>
+            <a:ext cx="10573311" cy="400110"/>
+          </a:xfrm>
+          <a:prstGeom prst="rect">
+            <a:avLst/>
+          </a:prstGeom>
+          <a:noFill/>
+        </p:spPr>
+        <p:txBody>
+          <a:bodyPr wrap="square" rtlCol="0">
+            <a:spAutoFit/>
+          </a:bodyPr>
+          <a:lstStyle/>
+          <a:p>
             <a:r>
               <a:rPr lang="en-US" sz="2000" dirty="0"/>
-              <a:t>with a factor a</a:t>
-            </a:r>
-            <a:r>
-              <a:rPr lang="en-US" sz="2000" baseline="-25000" dirty="0"/>
-              <a:t>j1</a:t>
+              <a:t>The goal is to eliminate all entries in matrix </a:t>
+            </a:r>
+            <a:r>
+              <a:rPr lang="en-US" sz="2000" b="1" i="1" dirty="0"/>
+              <a:t>A</a:t>
             </a:r>
             <a:r>
               <a:rPr lang="en-US" sz="2000" dirty="0"/>
-              <a:t>. We get</a:t>
-            </a:r>
-          </a:p>
-          <a:p>
-            <a:pPr marL="457200" indent="-457200" algn="just">
-              <a:spcAft>
-                <a:spcPts val="600"/>
-              </a:spcAft>
-              <a:buClr>
-                <a:srgbClr val="0808FF"/>
-              </a:buClr>
-              <a:buFont typeface="+mj-lt"/>
-              <a:buAutoNum type="arabicPeriod"/>
-            </a:pPr>
-            <a:endParaRPr lang="en-US" sz="2000" dirty="0"/>
-          </a:p>
-          <a:p>
-            <a:pPr marL="457200" indent="-457200" algn="just">
-              <a:spcAft>
-                <a:spcPts val="600"/>
-              </a:spcAft>
-              <a:buClr>
-                <a:srgbClr val="0808FF"/>
-              </a:buClr>
-              <a:buFont typeface="+mj-lt"/>
-              <a:buAutoNum type="arabicPeriod"/>
-            </a:pPr>
-            <a:endParaRPr lang="en-US" sz="2000" dirty="0"/>
-          </a:p>
-          <a:p>
-            <a:pPr marL="457200" indent="-457200" algn="just">
-              <a:spcAft>
-                <a:spcPts val="600"/>
-              </a:spcAft>
-              <a:buClr>
-                <a:srgbClr val="0808FF"/>
-              </a:buClr>
-              <a:buFont typeface="+mj-lt"/>
-              <a:buAutoNum type="arabicPeriod"/>
-            </a:pPr>
-            <a:endParaRPr lang="en-US" sz="2000" dirty="0"/>
-          </a:p>
-          <a:p>
-            <a:pPr marL="457200" indent="-457200" algn="just">
-              <a:spcAft>
-                <a:spcPts val="600"/>
-              </a:spcAft>
-              <a:buClr>
-                <a:srgbClr val="0808FF"/>
-              </a:buClr>
-              <a:buFont typeface="+mj-lt"/>
-              <a:buAutoNum type="arabicPeriod"/>
-            </a:pPr>
-            <a:r>
-              <a:rPr lang="en-US" sz="2000" dirty="0"/>
-              <a:t>Repeat steps 1-2 for the 2</a:t>
-            </a:r>
-            <a:r>
-              <a:rPr lang="en-US" sz="2000" baseline="30000" dirty="0"/>
-              <a:t>nd</a:t>
-            </a:r>
-            <a:r>
-              <a:rPr lang="en-US" sz="2000" dirty="0"/>
-              <a:t> row and column, and then for all others</a:t>
-            </a:r>
+              <a:t> below the main diagonal</a:t>
+            </a:r>
+            <a:endParaRPr lang="en-US" sz="2000" b="1" i="1" dirty="0"/>
           </a:p>
         </p:txBody>
       </p:sp>
       <p:pic>
         <p:nvPicPr>
-          <p:cNvPr id="3" name="Picture 2">
-            <a:extLst>
-              <a:ext uri="{FF2B5EF4-FFF2-40B4-BE49-F238E27FC236}">
-                <a16:creationId xmlns:a16="http://schemas.microsoft.com/office/drawing/2014/main" id="{A877B652-5CA7-BEB8-39D5-11D4B67F3A2F}"/>
+          <p:cNvPr id="7" name="Picture 6">
+            <a:extLst>
+              <a:ext uri="{FF2B5EF4-FFF2-40B4-BE49-F238E27FC236}">
+                <a16:creationId xmlns:a16="http://schemas.microsoft.com/office/drawing/2014/main" id="{A49076E5-52E6-588D-564F-1FE6D1129C76}"/>
               </a:ext>
             </a:extLst>
           </p:cNvPr>
@@ -11672,8 +11652,8 @@
         </p:blipFill>
         <p:spPr>
           <a:xfrm>
-            <a:off x="2493242" y="1888822"/>
-            <a:ext cx="2409181" cy="828000"/>
+            <a:off x="1894527" y="3324905"/>
+            <a:ext cx="3025263" cy="1080000"/>
           </a:xfrm>
           <a:prstGeom prst="rect">
             <a:avLst/>
@@ -11682,10 +11662,10 @@
       </p:pic>
       <p:pic>
         <p:nvPicPr>
-          <p:cNvPr id="8" name="Picture 7">
-            <a:extLst>
-              <a:ext uri="{FF2B5EF4-FFF2-40B4-BE49-F238E27FC236}">
-                <a16:creationId xmlns:a16="http://schemas.microsoft.com/office/drawing/2014/main" id="{A01FF468-03BD-AD43-7EED-5D23EC42D652}"/>
+          <p:cNvPr id="11" name="Picture 10">
+            <a:extLst>
+              <a:ext uri="{FF2B5EF4-FFF2-40B4-BE49-F238E27FC236}">
+                <a16:creationId xmlns:a16="http://schemas.microsoft.com/office/drawing/2014/main" id="{1666BA96-3799-8863-642F-ABAC035ED3C2}"/>
               </a:ext>
             </a:extLst>
           </p:cNvPr>
@@ -11702,8 +11682,8 @@
         </p:blipFill>
         <p:spPr>
           <a:xfrm>
-            <a:off x="6830129" y="1888822"/>
-            <a:ext cx="3347341" cy="828000"/>
+            <a:off x="6994239" y="3324905"/>
+            <a:ext cx="3061065" cy="1080000"/>
           </a:xfrm>
           <a:prstGeom prst="rect">
             <a:avLst/>
@@ -11712,10 +11692,10 @@
       </p:pic>
       <p:sp>
         <p:nvSpPr>
-          <p:cNvPr id="9" name="Arrow: Right 8">
-            <a:extLst>
-              <a:ext uri="{FF2B5EF4-FFF2-40B4-BE49-F238E27FC236}">
-                <a16:creationId xmlns:a16="http://schemas.microsoft.com/office/drawing/2014/main" id="{7562C852-67B6-BAD4-5DA3-1B900881B50C}"/>
+          <p:cNvPr id="19" name="Arrow: Right 18">
+            <a:extLst>
+              <a:ext uri="{FF2B5EF4-FFF2-40B4-BE49-F238E27FC236}">
+                <a16:creationId xmlns:a16="http://schemas.microsoft.com/office/drawing/2014/main" id="{A13EED1F-EED8-2A5A-2A8B-9F932B66F152}"/>
               </a:ext>
             </a:extLst>
           </p:cNvPr>
@@ -11724,8 +11704,8 @@
         </p:nvSpPr>
         <p:spPr>
           <a:xfrm>
-            <a:off x="5637559" y="2171622"/>
-            <a:ext cx="549426" cy="253130"/>
+            <a:off x="5634019" y="3687586"/>
+            <a:ext cx="721290" cy="344286"/>
           </a:xfrm>
           <a:prstGeom prst="rightArrow">
             <a:avLst/>
@@ -11756,200 +11736,10 @@
           </a:p>
         </p:txBody>
       </p:sp>
-      <p:pic>
-        <p:nvPicPr>
-          <p:cNvPr id="12" name="Picture 11">
-            <a:extLst>
-              <a:ext uri="{FF2B5EF4-FFF2-40B4-BE49-F238E27FC236}">
-                <a16:creationId xmlns:a16="http://schemas.microsoft.com/office/drawing/2014/main" id="{D2BE1F7E-EE46-824C-3EDE-7F1B210165F8}"/>
-              </a:ext>
-            </a:extLst>
-          </p:cNvPr>
-          <p:cNvPicPr>
-            <a:picLocks noChangeAspect="1"/>
-          </p:cNvPicPr>
-          <p:nvPr/>
-        </p:nvPicPr>
-        <p:blipFill>
-          <a:blip r:embed="rId5"/>
-          <a:stretch>
-            <a:fillRect/>
-          </a:stretch>
-        </p:blipFill>
-        <p:spPr>
-          <a:xfrm>
-            <a:off x="1179643" y="3638598"/>
-            <a:ext cx="4815825" cy="828000"/>
-          </a:xfrm>
-          <a:prstGeom prst="rect">
-            <a:avLst/>
-          </a:prstGeom>
-        </p:spPr>
-      </p:pic>
-      <p:pic>
-        <p:nvPicPr>
-          <p:cNvPr id="13" name="Picture 12">
-            <a:extLst>
-              <a:ext uri="{FF2B5EF4-FFF2-40B4-BE49-F238E27FC236}">
-                <a16:creationId xmlns:a16="http://schemas.microsoft.com/office/drawing/2014/main" id="{00878FCA-79F6-055E-16C1-915BE0A8955E}"/>
-              </a:ext>
-            </a:extLst>
-          </p:cNvPr>
-          <p:cNvPicPr>
-            <a:picLocks noChangeAspect="1"/>
-          </p:cNvPicPr>
-          <p:nvPr/>
-        </p:nvPicPr>
-        <p:blipFill>
-          <a:blip r:embed="rId6"/>
-          <a:stretch>
-            <a:fillRect/>
-          </a:stretch>
-        </p:blipFill>
-        <p:spPr>
-          <a:xfrm>
-            <a:off x="8241548" y="3605721"/>
-            <a:ext cx="2013938" cy="828000"/>
-          </a:xfrm>
-          <a:prstGeom prst="rect">
-            <a:avLst/>
-          </a:prstGeom>
-        </p:spPr>
-      </p:pic>
-      <p:sp>
-        <p:nvSpPr>
-          <p:cNvPr id="14" name="TextBox 13">
-            <a:extLst>
-              <a:ext uri="{FF2B5EF4-FFF2-40B4-BE49-F238E27FC236}">
-                <a16:creationId xmlns:a16="http://schemas.microsoft.com/office/drawing/2014/main" id="{1B75407B-A5DE-7D29-E009-0D988F89FB51}"/>
-              </a:ext>
-            </a:extLst>
-          </p:cNvPr>
-          <p:cNvSpPr txBox="1"/>
-          <p:nvPr/>
-        </p:nvSpPr>
-        <p:spPr>
-          <a:xfrm>
-            <a:off x="6878247" y="3867932"/>
-            <a:ext cx="409657" cy="400110"/>
-          </a:xfrm>
-          <a:prstGeom prst="rect">
-            <a:avLst/>
-          </a:prstGeom>
-          <a:noFill/>
-        </p:spPr>
-        <p:txBody>
-          <a:bodyPr wrap="square" rtlCol="0">
-            <a:spAutoFit/>
-          </a:bodyPr>
-          <a:lstStyle/>
-          <a:p>
-            <a:r>
-              <a:rPr lang="en-US" sz="2000" dirty="0"/>
-              <a:t>or</a:t>
-            </a:r>
-          </a:p>
-        </p:txBody>
-      </p:sp>
-      <p:pic>
-        <p:nvPicPr>
-          <p:cNvPr id="16" name="Picture 15">
-            <a:extLst>
-              <a:ext uri="{FF2B5EF4-FFF2-40B4-BE49-F238E27FC236}">
-                <a16:creationId xmlns:a16="http://schemas.microsoft.com/office/drawing/2014/main" id="{91D31BB3-4BD2-0FA0-CE63-31751B389D5C}"/>
-              </a:ext>
-            </a:extLst>
-          </p:cNvPr>
-          <p:cNvPicPr>
-            <a:picLocks noChangeAspect="1"/>
-          </p:cNvPicPr>
-          <p:nvPr/>
-        </p:nvPicPr>
-        <p:blipFill>
-          <a:blip r:embed="rId7"/>
-          <a:stretch>
-            <a:fillRect/>
-          </a:stretch>
-        </p:blipFill>
-        <p:spPr>
-          <a:xfrm>
-            <a:off x="7694584" y="5322620"/>
-            <a:ext cx="2239590" cy="828000"/>
-          </a:xfrm>
-          <a:prstGeom prst="rect">
-            <a:avLst/>
-          </a:prstGeom>
-        </p:spPr>
-      </p:pic>
-      <p:pic>
-        <p:nvPicPr>
-          <p:cNvPr id="17" name="Picture 16">
-            <a:extLst>
-              <a:ext uri="{FF2B5EF4-FFF2-40B4-BE49-F238E27FC236}">
-                <a16:creationId xmlns:a16="http://schemas.microsoft.com/office/drawing/2014/main" id="{2A543391-4607-6B54-D841-BE87822A9E5A}"/>
-              </a:ext>
-            </a:extLst>
-          </p:cNvPr>
-          <p:cNvPicPr>
-            <a:picLocks noChangeAspect="1"/>
-          </p:cNvPicPr>
-          <p:nvPr/>
-        </p:nvPicPr>
-        <p:blipFill>
-          <a:blip r:embed="rId8"/>
-          <a:stretch>
-            <a:fillRect/>
-          </a:stretch>
-        </p:blipFill>
-        <p:spPr>
-          <a:xfrm>
-            <a:off x="1600355" y="5322620"/>
-            <a:ext cx="1987200" cy="828000"/>
-          </a:xfrm>
-          <a:prstGeom prst="rect">
-            <a:avLst/>
-          </a:prstGeom>
-        </p:spPr>
-      </p:pic>
-      <p:sp>
-        <p:nvSpPr>
-          <p:cNvPr id="18" name="TextBox 17">
-            <a:extLst>
-              <a:ext uri="{FF2B5EF4-FFF2-40B4-BE49-F238E27FC236}">
-                <a16:creationId xmlns:a16="http://schemas.microsoft.com/office/drawing/2014/main" id="{E53ADA87-68C4-6030-243C-E64AAC0B76C6}"/>
-              </a:ext>
-            </a:extLst>
-          </p:cNvPr>
-          <p:cNvSpPr txBox="1"/>
-          <p:nvPr/>
-        </p:nvSpPr>
-        <p:spPr>
-          <a:xfrm>
-            <a:off x="6095424" y="5489808"/>
-            <a:ext cx="1469410" cy="369332"/>
-          </a:xfrm>
-          <a:prstGeom prst="rect">
-            <a:avLst/>
-          </a:prstGeom>
-          <a:noFill/>
-        </p:spPr>
-        <p:txBody>
-          <a:bodyPr wrap="square" rtlCol="0">
-            <a:spAutoFit/>
-          </a:bodyPr>
-          <a:lstStyle/>
-          <a:p>
-            <a:r>
-              <a:rPr lang="en-US" b="1" dirty="0"/>
-              <a:t>Final result:</a:t>
-            </a:r>
-          </a:p>
-        </p:txBody>
-      </p:sp>
     </p:spTree>
     <p:extLst>
       <p:ext uri="{BB962C8B-B14F-4D97-AF65-F5344CB8AC3E}">
-        <p14:creationId xmlns:p14="http://schemas.microsoft.com/office/powerpoint/2010/main" val="169390512"/>
+        <p14:creationId xmlns:p14="http://schemas.microsoft.com/office/powerpoint/2010/main" val="2188610914"/>
       </p:ext>
     </p:extLst>
   </p:cSld>
@@ -12047,7 +11837,7 @@
         <p:spPr>
           <a:xfrm>
             <a:off x="767979" y="1249846"/>
-            <a:ext cx="9736248" cy="400110"/>
+            <a:ext cx="9736248" cy="3785652"/>
           </a:xfrm>
           <a:prstGeom prst="rect">
             <a:avLst/>
@@ -12059,27 +11849,167 @@
           </a:bodyPr>
           <a:lstStyle/>
           <a:p>
-            <a:pPr algn="just">
+            <a:pPr marL="457200" indent="-457200" algn="just">
               <a:spcAft>
                 <a:spcPts val="600"/>
               </a:spcAft>
               <a:buClr>
                 <a:srgbClr val="0808FF"/>
               </a:buClr>
+              <a:buFont typeface="+mj-lt"/>
+              <a:buAutoNum type="arabicPeriod"/>
             </a:pPr>
             <a:r>
               <a:rPr lang="en-US" sz="2000" dirty="0"/>
-              <a:t>Example: Work out Gaussian elimination for system of equations</a:t>
+              <a:t>Starting from the first row, divide the row by its diagonal element a</a:t>
+            </a:r>
+            <a:r>
+              <a:rPr lang="en-US" sz="2000" baseline="-25000" dirty="0"/>
+              <a:t>11</a:t>
+            </a:r>
+          </a:p>
+          <a:p>
+            <a:pPr marL="457200" indent="-457200" algn="just">
+              <a:spcAft>
+                <a:spcPts val="600"/>
+              </a:spcAft>
+              <a:buClr>
+                <a:srgbClr val="0808FF"/>
+              </a:buClr>
+              <a:buFont typeface="+mj-lt"/>
+              <a:buAutoNum type="arabicPeriod"/>
+            </a:pPr>
+            <a:endParaRPr lang="en-US" sz="2000" dirty="0"/>
+          </a:p>
+          <a:p>
+            <a:pPr marL="457200" indent="-457200" algn="just">
+              <a:spcAft>
+                <a:spcPts val="600"/>
+              </a:spcAft>
+              <a:buClr>
+                <a:srgbClr val="0808FF"/>
+              </a:buClr>
+              <a:buFont typeface="+mj-lt"/>
+              <a:buAutoNum type="arabicPeriod"/>
+            </a:pPr>
+            <a:endParaRPr lang="en-US" sz="2000" dirty="0"/>
+          </a:p>
+          <a:p>
+            <a:pPr marL="457200" indent="-457200" algn="just">
+              <a:spcAft>
+                <a:spcPts val="600"/>
+              </a:spcAft>
+              <a:buClr>
+                <a:srgbClr val="0808FF"/>
+              </a:buClr>
+              <a:buFont typeface="+mj-lt"/>
+              <a:buAutoNum type="arabicPeriod"/>
+            </a:pPr>
+            <a:endParaRPr lang="en-US" sz="2000" dirty="0"/>
+          </a:p>
+          <a:p>
+            <a:pPr marL="457200" indent="-457200" algn="just">
+              <a:spcAft>
+                <a:spcPts val="600"/>
+              </a:spcAft>
+              <a:buClr>
+                <a:srgbClr val="0808FF"/>
+              </a:buClr>
+              <a:buFont typeface="+mj-lt"/>
+              <a:buAutoNum type="arabicPeriod"/>
+            </a:pPr>
+            <a:r>
+              <a:rPr lang="en-US" sz="2000" dirty="0"/>
+              <a:t>Make all entries in column 1 below the main diagonal equal to zero by subtracting the first equation from row </a:t>
+            </a:r>
+            <a:r>
+              <a:rPr lang="en-US" sz="2000" i="1" dirty="0"/>
+              <a:t>j </a:t>
+            </a:r>
+            <a:r>
+              <a:rPr lang="en-US" sz="2000" dirty="0"/>
+              <a:t>with a factor a</a:t>
+            </a:r>
+            <a:r>
+              <a:rPr lang="en-US" sz="2000" baseline="-25000" dirty="0"/>
+              <a:t>j1</a:t>
+            </a:r>
+            <a:r>
+              <a:rPr lang="en-US" sz="2000" dirty="0"/>
+              <a:t>. We get</a:t>
+            </a:r>
+          </a:p>
+          <a:p>
+            <a:pPr marL="457200" indent="-457200" algn="just">
+              <a:spcAft>
+                <a:spcPts val="600"/>
+              </a:spcAft>
+              <a:buClr>
+                <a:srgbClr val="0808FF"/>
+              </a:buClr>
+              <a:buFont typeface="+mj-lt"/>
+              <a:buAutoNum type="arabicPeriod"/>
+            </a:pPr>
+            <a:endParaRPr lang="en-US" sz="2000" dirty="0"/>
+          </a:p>
+          <a:p>
+            <a:pPr marL="457200" indent="-457200" algn="just">
+              <a:spcAft>
+                <a:spcPts val="600"/>
+              </a:spcAft>
+              <a:buClr>
+                <a:srgbClr val="0808FF"/>
+              </a:buClr>
+              <a:buFont typeface="+mj-lt"/>
+              <a:buAutoNum type="arabicPeriod"/>
+            </a:pPr>
+            <a:endParaRPr lang="en-US" sz="2000" dirty="0"/>
+          </a:p>
+          <a:p>
+            <a:pPr marL="457200" indent="-457200" algn="just">
+              <a:spcAft>
+                <a:spcPts val="600"/>
+              </a:spcAft>
+              <a:buClr>
+                <a:srgbClr val="0808FF"/>
+              </a:buClr>
+              <a:buFont typeface="+mj-lt"/>
+              <a:buAutoNum type="arabicPeriod"/>
+            </a:pPr>
+            <a:endParaRPr lang="en-US" sz="2000" dirty="0"/>
+          </a:p>
+          <a:p>
+            <a:pPr marL="457200" indent="-457200" algn="just">
+              <a:spcAft>
+                <a:spcPts val="600"/>
+              </a:spcAft>
+              <a:buClr>
+                <a:srgbClr val="0808FF"/>
+              </a:buClr>
+              <a:buFont typeface="+mj-lt"/>
+              <a:buAutoNum type="arabicPeriod"/>
+            </a:pPr>
+            <a:r>
+              <a:rPr lang="en-US" sz="2000" dirty="0"/>
+              <a:t>Repeat steps 1-2 for the 2</a:t>
+            </a:r>
+            <a:r>
+              <a:rPr lang="en-US" sz="2000" baseline="30000" dirty="0"/>
+              <a:t>nd</a:t>
+            </a:r>
+            <a:r>
+              <a:rPr lang="en-US" sz="2000" dirty="0"/>
+              <a:t> row and column, and then for all others</a:t>
             </a:r>
           </a:p>
         </p:txBody>
       </p:sp>
       <p:pic>
         <p:nvPicPr>
-          <p:cNvPr id="5" name="Picture 4">
-            <a:extLst>
-              <a:ext uri="{FF2B5EF4-FFF2-40B4-BE49-F238E27FC236}">
-                <a16:creationId xmlns:a16="http://schemas.microsoft.com/office/drawing/2014/main" id="{333AE708-C776-69CC-F7AB-2DF2BC76E131}"/>
+          <p:cNvPr id="3" name="Picture 2">
+            <a:extLst>
+              <a:ext uri="{FF2B5EF4-FFF2-40B4-BE49-F238E27FC236}">
+                <a16:creationId xmlns:a16="http://schemas.microsoft.com/office/drawing/2014/main" id="{A877B652-5CA7-BEB8-39D5-11D4B67F3A2F}"/>
               </a:ext>
             </a:extLst>
           </p:cNvPr>
@@ -12096,18 +12026,284 @@
         </p:blipFill>
         <p:spPr>
           <a:xfrm>
-            <a:off x="4482867" y="1889144"/>
-            <a:ext cx="3256179" cy="1260000"/>
+            <a:off x="2493242" y="1888822"/>
+            <a:ext cx="2409181" cy="828000"/>
           </a:xfrm>
           <a:prstGeom prst="rect">
             <a:avLst/>
           </a:prstGeom>
         </p:spPr>
       </p:pic>
+      <p:pic>
+        <p:nvPicPr>
+          <p:cNvPr id="8" name="Picture 7">
+            <a:extLst>
+              <a:ext uri="{FF2B5EF4-FFF2-40B4-BE49-F238E27FC236}">
+                <a16:creationId xmlns:a16="http://schemas.microsoft.com/office/drawing/2014/main" id="{A01FF468-03BD-AD43-7EED-5D23EC42D652}"/>
+              </a:ext>
+            </a:extLst>
+          </p:cNvPr>
+          <p:cNvPicPr>
+            <a:picLocks noChangeAspect="1"/>
+          </p:cNvPicPr>
+          <p:nvPr/>
+        </p:nvPicPr>
+        <p:blipFill>
+          <a:blip r:embed="rId4"/>
+          <a:stretch>
+            <a:fillRect/>
+          </a:stretch>
+        </p:blipFill>
+        <p:spPr>
+          <a:xfrm>
+            <a:off x="6830129" y="1888822"/>
+            <a:ext cx="3347341" cy="828000"/>
+          </a:xfrm>
+          <a:prstGeom prst="rect">
+            <a:avLst/>
+          </a:prstGeom>
+        </p:spPr>
+      </p:pic>
+      <p:sp>
+        <p:nvSpPr>
+          <p:cNvPr id="9" name="Arrow: Right 8">
+            <a:extLst>
+              <a:ext uri="{FF2B5EF4-FFF2-40B4-BE49-F238E27FC236}">
+                <a16:creationId xmlns:a16="http://schemas.microsoft.com/office/drawing/2014/main" id="{7562C852-67B6-BAD4-5DA3-1B900881B50C}"/>
+              </a:ext>
+            </a:extLst>
+          </p:cNvPr>
+          <p:cNvSpPr/>
+          <p:nvPr/>
+        </p:nvSpPr>
+        <p:spPr>
+          <a:xfrm>
+            <a:off x="5637559" y="2171622"/>
+            <a:ext cx="549426" cy="253130"/>
+          </a:xfrm>
+          <a:prstGeom prst="rightArrow">
+            <a:avLst/>
+          </a:prstGeom>
+        </p:spPr>
+        <p:style>
+          <a:lnRef idx="2">
+            <a:schemeClr val="accent1">
+              <a:shade val="50000"/>
+            </a:schemeClr>
+          </a:lnRef>
+          <a:fillRef idx="1">
+            <a:schemeClr val="accent1"/>
+          </a:fillRef>
+          <a:effectRef idx="0">
+            <a:schemeClr val="accent1"/>
+          </a:effectRef>
+          <a:fontRef idx="minor">
+            <a:schemeClr val="lt1"/>
+          </a:fontRef>
+        </p:style>
+        <p:txBody>
+          <a:bodyPr rtlCol="0" anchor="ctr"/>
+          <a:lstStyle/>
+          <a:p>
+            <a:pPr algn="ctr"/>
+            <a:endParaRPr lang="en-US"/>
+          </a:p>
+        </p:txBody>
+      </p:sp>
+      <p:pic>
+        <p:nvPicPr>
+          <p:cNvPr id="12" name="Picture 11">
+            <a:extLst>
+              <a:ext uri="{FF2B5EF4-FFF2-40B4-BE49-F238E27FC236}">
+                <a16:creationId xmlns:a16="http://schemas.microsoft.com/office/drawing/2014/main" id="{D2BE1F7E-EE46-824C-3EDE-7F1B210165F8}"/>
+              </a:ext>
+            </a:extLst>
+          </p:cNvPr>
+          <p:cNvPicPr>
+            <a:picLocks noChangeAspect="1"/>
+          </p:cNvPicPr>
+          <p:nvPr/>
+        </p:nvPicPr>
+        <p:blipFill>
+          <a:blip r:embed="rId5"/>
+          <a:stretch>
+            <a:fillRect/>
+          </a:stretch>
+        </p:blipFill>
+        <p:spPr>
+          <a:xfrm>
+            <a:off x="1179643" y="3638598"/>
+            <a:ext cx="4815825" cy="828000"/>
+          </a:xfrm>
+          <a:prstGeom prst="rect">
+            <a:avLst/>
+          </a:prstGeom>
+        </p:spPr>
+      </p:pic>
+      <p:pic>
+        <p:nvPicPr>
+          <p:cNvPr id="13" name="Picture 12">
+            <a:extLst>
+              <a:ext uri="{FF2B5EF4-FFF2-40B4-BE49-F238E27FC236}">
+                <a16:creationId xmlns:a16="http://schemas.microsoft.com/office/drawing/2014/main" id="{00878FCA-79F6-055E-16C1-915BE0A8955E}"/>
+              </a:ext>
+            </a:extLst>
+          </p:cNvPr>
+          <p:cNvPicPr>
+            <a:picLocks noChangeAspect="1"/>
+          </p:cNvPicPr>
+          <p:nvPr/>
+        </p:nvPicPr>
+        <p:blipFill>
+          <a:blip r:embed="rId6"/>
+          <a:stretch>
+            <a:fillRect/>
+          </a:stretch>
+        </p:blipFill>
+        <p:spPr>
+          <a:xfrm>
+            <a:off x="8241548" y="3605721"/>
+            <a:ext cx="2013938" cy="828000"/>
+          </a:xfrm>
+          <a:prstGeom prst="rect">
+            <a:avLst/>
+          </a:prstGeom>
+        </p:spPr>
+      </p:pic>
+      <p:sp>
+        <p:nvSpPr>
+          <p:cNvPr id="14" name="TextBox 13">
+            <a:extLst>
+              <a:ext uri="{FF2B5EF4-FFF2-40B4-BE49-F238E27FC236}">
+                <a16:creationId xmlns:a16="http://schemas.microsoft.com/office/drawing/2014/main" id="{1B75407B-A5DE-7D29-E009-0D988F89FB51}"/>
+              </a:ext>
+            </a:extLst>
+          </p:cNvPr>
+          <p:cNvSpPr txBox="1"/>
+          <p:nvPr/>
+        </p:nvSpPr>
+        <p:spPr>
+          <a:xfrm>
+            <a:off x="6878247" y="3867932"/>
+            <a:ext cx="409657" cy="400110"/>
+          </a:xfrm>
+          <a:prstGeom prst="rect">
+            <a:avLst/>
+          </a:prstGeom>
+          <a:noFill/>
+        </p:spPr>
+        <p:txBody>
+          <a:bodyPr wrap="square" rtlCol="0">
+            <a:spAutoFit/>
+          </a:bodyPr>
+          <a:lstStyle/>
+          <a:p>
+            <a:r>
+              <a:rPr lang="en-US" sz="2000" dirty="0"/>
+              <a:t>or</a:t>
+            </a:r>
+          </a:p>
+        </p:txBody>
+      </p:sp>
+      <p:pic>
+        <p:nvPicPr>
+          <p:cNvPr id="16" name="Picture 15">
+            <a:extLst>
+              <a:ext uri="{FF2B5EF4-FFF2-40B4-BE49-F238E27FC236}">
+                <a16:creationId xmlns:a16="http://schemas.microsoft.com/office/drawing/2014/main" id="{91D31BB3-4BD2-0FA0-CE63-31751B389D5C}"/>
+              </a:ext>
+            </a:extLst>
+          </p:cNvPr>
+          <p:cNvPicPr>
+            <a:picLocks noChangeAspect="1"/>
+          </p:cNvPicPr>
+          <p:nvPr/>
+        </p:nvPicPr>
+        <p:blipFill>
+          <a:blip r:embed="rId7"/>
+          <a:stretch>
+            <a:fillRect/>
+          </a:stretch>
+        </p:blipFill>
+        <p:spPr>
+          <a:xfrm>
+            <a:off x="7694584" y="5322620"/>
+            <a:ext cx="2239590" cy="828000"/>
+          </a:xfrm>
+          <a:prstGeom prst="rect">
+            <a:avLst/>
+          </a:prstGeom>
+        </p:spPr>
+      </p:pic>
+      <p:pic>
+        <p:nvPicPr>
+          <p:cNvPr id="17" name="Picture 16">
+            <a:extLst>
+              <a:ext uri="{FF2B5EF4-FFF2-40B4-BE49-F238E27FC236}">
+                <a16:creationId xmlns:a16="http://schemas.microsoft.com/office/drawing/2014/main" id="{2A543391-4607-6B54-D841-BE87822A9E5A}"/>
+              </a:ext>
+            </a:extLst>
+          </p:cNvPr>
+          <p:cNvPicPr>
+            <a:picLocks noChangeAspect="1"/>
+          </p:cNvPicPr>
+          <p:nvPr/>
+        </p:nvPicPr>
+        <p:blipFill>
+          <a:blip r:embed="rId8"/>
+          <a:stretch>
+            <a:fillRect/>
+          </a:stretch>
+        </p:blipFill>
+        <p:spPr>
+          <a:xfrm>
+            <a:off x="1600355" y="5322620"/>
+            <a:ext cx="1987200" cy="828000"/>
+          </a:xfrm>
+          <a:prstGeom prst="rect">
+            <a:avLst/>
+          </a:prstGeom>
+        </p:spPr>
+      </p:pic>
+      <p:sp>
+        <p:nvSpPr>
+          <p:cNvPr id="18" name="TextBox 17">
+            <a:extLst>
+              <a:ext uri="{FF2B5EF4-FFF2-40B4-BE49-F238E27FC236}">
+                <a16:creationId xmlns:a16="http://schemas.microsoft.com/office/drawing/2014/main" id="{E53ADA87-68C4-6030-243C-E64AAC0B76C6}"/>
+              </a:ext>
+            </a:extLst>
+          </p:cNvPr>
+          <p:cNvSpPr txBox="1"/>
+          <p:nvPr/>
+        </p:nvSpPr>
+        <p:spPr>
+          <a:xfrm>
+            <a:off x="6095424" y="5489808"/>
+            <a:ext cx="1469410" cy="369332"/>
+          </a:xfrm>
+          <a:prstGeom prst="rect">
+            <a:avLst/>
+          </a:prstGeom>
+          <a:noFill/>
+        </p:spPr>
+        <p:txBody>
+          <a:bodyPr wrap="square" rtlCol="0">
+            <a:spAutoFit/>
+          </a:bodyPr>
+          <a:lstStyle/>
+          <a:p>
+            <a:r>
+              <a:rPr lang="en-US" b="1" dirty="0"/>
+              <a:t>Final result:</a:t>
+            </a:r>
+          </a:p>
+        </p:txBody>
+      </p:sp>
     </p:spTree>
     <p:extLst>
       <p:ext uri="{BB962C8B-B14F-4D97-AF65-F5344CB8AC3E}">
-        <p14:creationId xmlns:p14="http://schemas.microsoft.com/office/powerpoint/2010/main" val="4175019106"/>
+        <p14:creationId xmlns:p14="http://schemas.microsoft.com/office/powerpoint/2010/main" val="169390512"/>
       </p:ext>
     </p:extLst>
   </p:cSld>
@@ -12262,82 +12458,10 @@
           </a:prstGeom>
         </p:spPr>
       </p:pic>
-      <p:sp>
-        <p:nvSpPr>
-          <p:cNvPr id="7" name="Rectangle 6">
-            <a:extLst>
-              <a:ext uri="{FF2B5EF4-FFF2-40B4-BE49-F238E27FC236}">
-                <a16:creationId xmlns:a16="http://schemas.microsoft.com/office/drawing/2014/main" id="{601C23DF-3E81-3A15-EE30-C15E79F333F6}"/>
-              </a:ext>
-            </a:extLst>
-          </p:cNvPr>
-          <p:cNvSpPr/>
-          <p:nvPr/>
-        </p:nvSpPr>
-        <p:spPr>
-          <a:xfrm>
-            <a:off x="767979" y="3681335"/>
-            <a:ext cx="9736248" cy="400110"/>
-          </a:xfrm>
-          <a:prstGeom prst="rect">
-            <a:avLst/>
-          </a:prstGeom>
-        </p:spPr>
-        <p:txBody>
-          <a:bodyPr wrap="square">
-            <a:spAutoFit/>
-          </a:bodyPr>
-          <a:lstStyle/>
-          <a:p>
-            <a:pPr algn="just">
-              <a:spcAft>
-                <a:spcPts val="600"/>
-              </a:spcAft>
-              <a:buClr>
-                <a:srgbClr val="0808FF"/>
-              </a:buClr>
-            </a:pPr>
-            <a:r>
-              <a:rPr lang="en-US" sz="2000" dirty="0"/>
-              <a:t>The result should be</a:t>
-            </a:r>
-          </a:p>
-        </p:txBody>
-      </p:sp>
-      <p:pic>
-        <p:nvPicPr>
-          <p:cNvPr id="10" name="Picture 9">
-            <a:extLst>
-              <a:ext uri="{FF2B5EF4-FFF2-40B4-BE49-F238E27FC236}">
-                <a16:creationId xmlns:a16="http://schemas.microsoft.com/office/drawing/2014/main" id="{902B3EED-A162-7F29-7488-D211B22DB36E}"/>
-              </a:ext>
-            </a:extLst>
-          </p:cNvPr>
-          <p:cNvPicPr>
-            <a:picLocks noChangeAspect="1"/>
-          </p:cNvPicPr>
-          <p:nvPr/>
-        </p:nvPicPr>
-        <p:blipFill>
-          <a:blip r:embed="rId4"/>
-          <a:stretch>
-            <a:fillRect/>
-          </a:stretch>
-        </p:blipFill>
-        <p:spPr>
-          <a:xfrm>
-            <a:off x="4413640" y="4185626"/>
-            <a:ext cx="3364719" cy="1246192"/>
-          </a:xfrm>
-          <a:prstGeom prst="rect">
-            <a:avLst/>
-          </a:prstGeom>
-        </p:spPr>
-      </p:pic>
     </p:spTree>
     <p:extLst>
       <p:ext uri="{BB962C8B-B14F-4D97-AF65-F5344CB8AC3E}">
-        <p14:creationId xmlns:p14="http://schemas.microsoft.com/office/powerpoint/2010/main" val="3991159061"/>
+        <p14:creationId xmlns:p14="http://schemas.microsoft.com/office/powerpoint/2010/main" val="4175019106"/>
       </p:ext>
     </p:extLst>
   </p:cSld>
@@ -12386,10 +12510,10 @@
           <a:lstStyle/>
           <a:p>
             <a:r>
-              <a:rPr lang="en-US" dirty="0" err="1">
+              <a:rPr lang="en-US" dirty="0">
                 <a:latin typeface="LM Sans 10" panose="00000500000000000000" pitchFamily="50" charset="0"/>
               </a:rPr>
-              <a:t>Backsubstitution</a:t>
+              <a:t>Gaussian elimination</a:t>
             </a:r>
             <a:endParaRPr lang="uk-UA" dirty="0"/>
           </a:p>
@@ -12457,59 +12581,17 @@
             </a:pPr>
             <a:r>
               <a:rPr lang="en-US" sz="2000" dirty="0"/>
-              <a:t>After the Gaussian elimination we have the following system of equations</a:t>
-            </a:r>
-          </a:p>
-        </p:txBody>
-      </p:sp>
-      <p:sp>
-        <p:nvSpPr>
-          <p:cNvPr id="7" name="Rectangle 6">
-            <a:extLst>
-              <a:ext uri="{FF2B5EF4-FFF2-40B4-BE49-F238E27FC236}">
-                <a16:creationId xmlns:a16="http://schemas.microsoft.com/office/drawing/2014/main" id="{601C23DF-3E81-3A15-EE30-C15E79F333F6}"/>
-              </a:ext>
-            </a:extLst>
-          </p:cNvPr>
-          <p:cNvSpPr/>
-          <p:nvPr/>
-        </p:nvSpPr>
-        <p:spPr>
-          <a:xfrm>
-            <a:off x="5749413" y="2229830"/>
-            <a:ext cx="475092" cy="400110"/>
-          </a:xfrm>
-          <a:prstGeom prst="rect">
-            <a:avLst/>
-          </a:prstGeom>
-        </p:spPr>
-        <p:txBody>
-          <a:bodyPr wrap="square">
-            <a:spAutoFit/>
-          </a:bodyPr>
-          <a:lstStyle/>
-          <a:p>
-            <a:pPr algn="just">
-              <a:spcAft>
-                <a:spcPts val="600"/>
-              </a:spcAft>
-              <a:buClr>
-                <a:srgbClr val="0808FF"/>
-              </a:buClr>
-            </a:pPr>
-            <a:r>
-              <a:rPr lang="en-US" sz="2000" dirty="0"/>
-              <a:t>or</a:t>
+              <a:t>Example: Work out Gaussian elimination for system of equations</a:t>
             </a:r>
           </a:p>
         </p:txBody>
       </p:sp>
       <p:pic>
         <p:nvPicPr>
-          <p:cNvPr id="3" name="Picture 2">
-            <a:extLst>
-              <a:ext uri="{FF2B5EF4-FFF2-40B4-BE49-F238E27FC236}">
-                <a16:creationId xmlns:a16="http://schemas.microsoft.com/office/drawing/2014/main" id="{99550A0E-F4B1-1C26-C41B-1E79AE2C76E5}"/>
+          <p:cNvPr id="5" name="Picture 4">
+            <a:extLst>
+              <a:ext uri="{FF2B5EF4-FFF2-40B4-BE49-F238E27FC236}">
+                <a16:creationId xmlns:a16="http://schemas.microsoft.com/office/drawing/2014/main" id="{333AE708-C776-69CC-F7AB-2DF2BC76E131}"/>
               </a:ext>
             </a:extLst>
           </p:cNvPr>
@@ -12526,20 +12608,62 @@
         </p:blipFill>
         <p:spPr>
           <a:xfrm>
-            <a:off x="2246486" y="1884557"/>
-            <a:ext cx="2900010" cy="1090656"/>
+            <a:off x="4482867" y="1889144"/>
+            <a:ext cx="3256179" cy="1260000"/>
           </a:xfrm>
           <a:prstGeom prst="rect">
             <a:avLst/>
           </a:prstGeom>
         </p:spPr>
       </p:pic>
+      <p:sp>
+        <p:nvSpPr>
+          <p:cNvPr id="7" name="Rectangle 6">
+            <a:extLst>
+              <a:ext uri="{FF2B5EF4-FFF2-40B4-BE49-F238E27FC236}">
+                <a16:creationId xmlns:a16="http://schemas.microsoft.com/office/drawing/2014/main" id="{601C23DF-3E81-3A15-EE30-C15E79F333F6}"/>
+              </a:ext>
+            </a:extLst>
+          </p:cNvPr>
+          <p:cNvSpPr/>
+          <p:nvPr/>
+        </p:nvSpPr>
+        <p:spPr>
+          <a:xfrm>
+            <a:off x="767979" y="3681335"/>
+            <a:ext cx="9736248" cy="400110"/>
+          </a:xfrm>
+          <a:prstGeom prst="rect">
+            <a:avLst/>
+          </a:prstGeom>
+        </p:spPr>
+        <p:txBody>
+          <a:bodyPr wrap="square">
+            <a:spAutoFit/>
+          </a:bodyPr>
+          <a:lstStyle/>
+          <a:p>
+            <a:pPr algn="just">
+              <a:spcAft>
+                <a:spcPts val="600"/>
+              </a:spcAft>
+              <a:buClr>
+                <a:srgbClr val="0808FF"/>
+              </a:buClr>
+            </a:pPr>
+            <a:r>
+              <a:rPr lang="en-US" sz="2000" dirty="0"/>
+              <a:t>The result should be</a:t>
+            </a:r>
+          </a:p>
+        </p:txBody>
+      </p:sp>
       <p:pic>
         <p:nvPicPr>
-          <p:cNvPr id="8" name="Picture 7">
-            <a:extLst>
-              <a:ext uri="{FF2B5EF4-FFF2-40B4-BE49-F238E27FC236}">
-                <a16:creationId xmlns:a16="http://schemas.microsoft.com/office/drawing/2014/main" id="{AAC897AC-FB4A-9AAB-2D2C-977EF5E219F2}"/>
+          <p:cNvPr id="10" name="Picture 9">
+            <a:extLst>
+              <a:ext uri="{FF2B5EF4-FFF2-40B4-BE49-F238E27FC236}">
+                <a16:creationId xmlns:a16="http://schemas.microsoft.com/office/drawing/2014/main" id="{902B3EED-A162-7F29-7488-D211B22DB36E}"/>
               </a:ext>
             </a:extLst>
           </p:cNvPr>
@@ -12556,104 +12680,8 @@
         </p:blipFill>
         <p:spPr>
           <a:xfrm>
-            <a:off x="6670880" y="1929009"/>
-            <a:ext cx="2686701" cy="1046204"/>
-          </a:xfrm>
-          <a:prstGeom prst="rect">
-            <a:avLst/>
-          </a:prstGeom>
-        </p:spPr>
-      </p:pic>
-      <p:sp>
-        <p:nvSpPr>
-          <p:cNvPr id="9" name="Rectangle 8">
-            <a:extLst>
-              <a:ext uri="{FF2B5EF4-FFF2-40B4-BE49-F238E27FC236}">
-                <a16:creationId xmlns:a16="http://schemas.microsoft.com/office/drawing/2014/main" id="{6D1B4419-7A3A-2767-96F5-E7993E7BA583}"/>
-              </a:ext>
-            </a:extLst>
-          </p:cNvPr>
-          <p:cNvSpPr/>
-          <p:nvPr/>
-        </p:nvSpPr>
-        <p:spPr>
-          <a:xfrm>
-            <a:off x="767979" y="3300646"/>
-            <a:ext cx="9736248" cy="400110"/>
-          </a:xfrm>
-          <a:prstGeom prst="rect">
-            <a:avLst/>
-          </a:prstGeom>
-        </p:spPr>
-        <p:txBody>
-          <a:bodyPr wrap="square">
-            <a:spAutoFit/>
-          </a:bodyPr>
-          <a:lstStyle/>
-          <a:p>
-            <a:pPr algn="just">
-              <a:spcAft>
-                <a:spcPts val="600"/>
-              </a:spcAft>
-              <a:buClr>
-                <a:srgbClr val="0808FF"/>
-              </a:buClr>
-            </a:pPr>
-            <a:r>
-              <a:rPr lang="en-US" sz="2000" dirty="0"/>
-              <a:t>The solution now proceeds through </a:t>
-            </a:r>
-            <a:r>
-              <a:rPr lang="en-US" sz="2000" i="1" dirty="0" err="1"/>
-              <a:t>backsubstitution</a:t>
-            </a:r>
-            <a:r>
-              <a:rPr lang="en-US" sz="2000" dirty="0"/>
-              <a:t>, i.e. we go from x</a:t>
-            </a:r>
-            <a:r>
-              <a:rPr lang="en-US" sz="2000" baseline="-25000" dirty="0"/>
-              <a:t>4</a:t>
-            </a:r>
-            <a:r>
-              <a:rPr lang="en-US" sz="2000" dirty="0"/>
-              <a:t> to x</a:t>
-            </a:r>
-            <a:r>
-              <a:rPr lang="en-US" sz="2000" baseline="-25000" dirty="0"/>
-              <a:t>1</a:t>
-            </a:r>
-            <a:r>
-              <a:rPr lang="en-US" sz="2000" dirty="0"/>
-              <a:t> </a:t>
-            </a:r>
-          </a:p>
-        </p:txBody>
-      </p:sp>
-      <p:pic>
-        <p:nvPicPr>
-          <p:cNvPr id="11" name="Picture 10">
-            <a:extLst>
-              <a:ext uri="{FF2B5EF4-FFF2-40B4-BE49-F238E27FC236}">
-                <a16:creationId xmlns:a16="http://schemas.microsoft.com/office/drawing/2014/main" id="{B9B21D62-6790-0D1A-89CC-1C32D7078B75}"/>
-              </a:ext>
-            </a:extLst>
-          </p:cNvPr>
-          <p:cNvPicPr>
-            <a:picLocks noChangeAspect="1"/>
-          </p:cNvPicPr>
-          <p:nvPr/>
-        </p:nvPicPr>
-        <p:blipFill>
-          <a:blip r:embed="rId5"/>
-          <a:stretch>
-            <a:fillRect/>
-          </a:stretch>
-        </p:blipFill>
-        <p:spPr>
-          <a:xfrm>
-            <a:off x="4538589" y="4026189"/>
-            <a:ext cx="3114821" cy="1697089"/>
+            <a:off x="4413640" y="4185626"/>
+            <a:ext cx="3364719" cy="1246192"/>
           </a:xfrm>
           <a:prstGeom prst="rect">
             <a:avLst/>
@@ -12663,7 +12691,7 @@
     </p:spTree>
     <p:extLst>
       <p:ext uri="{BB962C8B-B14F-4D97-AF65-F5344CB8AC3E}">
-        <p14:creationId xmlns:p14="http://schemas.microsoft.com/office/powerpoint/2010/main" val="608839967"/>
+        <p14:creationId xmlns:p14="http://schemas.microsoft.com/office/powerpoint/2010/main" val="3991159061"/>
       </p:ext>
     </p:extLst>
   </p:cSld>
@@ -12712,10 +12740,10 @@
           <a:lstStyle/>
           <a:p>
             <a:r>
-              <a:rPr lang="en-US" dirty="0">
+              <a:rPr lang="en-US" dirty="0" err="1">
                 <a:latin typeface="LM Sans 10" panose="00000500000000000000" pitchFamily="50" charset="0"/>
               </a:rPr>
-              <a:t>Gaussian elimination: Implementation</a:t>
+              <a:t>Backsubstitution</a:t>
             </a:r>
             <a:endParaRPr lang="uk-UA" dirty="0"/>
           </a:p>
@@ -12743,15 +12771,99 @@
           <a:lstStyle/>
           <a:p>
             <a:endParaRPr lang="en-US"/>
+          </a:p>
+        </p:txBody>
+      </p:sp>
+      <p:sp>
+        <p:nvSpPr>
+          <p:cNvPr id="6" name="Rectangle 5">
+            <a:extLst>
+              <a:ext uri="{FF2B5EF4-FFF2-40B4-BE49-F238E27FC236}">
+                <a16:creationId xmlns:a16="http://schemas.microsoft.com/office/drawing/2014/main" id="{01DAA315-8DA7-57E7-479F-D67B62B1A867}"/>
+              </a:ext>
+            </a:extLst>
+          </p:cNvPr>
+          <p:cNvSpPr/>
+          <p:nvPr/>
+        </p:nvSpPr>
+        <p:spPr>
+          <a:xfrm>
+            <a:off x="767979" y="1249846"/>
+            <a:ext cx="9736248" cy="400110"/>
+          </a:xfrm>
+          <a:prstGeom prst="rect">
+            <a:avLst/>
+          </a:prstGeom>
+        </p:spPr>
+        <p:txBody>
+          <a:bodyPr wrap="square">
+            <a:spAutoFit/>
+          </a:bodyPr>
+          <a:lstStyle/>
+          <a:p>
+            <a:pPr algn="just">
+              <a:spcAft>
+                <a:spcPts val="600"/>
+              </a:spcAft>
+              <a:buClr>
+                <a:srgbClr val="0808FF"/>
+              </a:buClr>
+            </a:pPr>
+            <a:r>
+              <a:rPr lang="en-US" sz="2000" dirty="0"/>
+              <a:t>After the Gaussian elimination we have the following system of equations</a:t>
+            </a:r>
+          </a:p>
+        </p:txBody>
+      </p:sp>
+      <p:sp>
+        <p:nvSpPr>
+          <p:cNvPr id="7" name="Rectangle 6">
+            <a:extLst>
+              <a:ext uri="{FF2B5EF4-FFF2-40B4-BE49-F238E27FC236}">
+                <a16:creationId xmlns:a16="http://schemas.microsoft.com/office/drawing/2014/main" id="{601C23DF-3E81-3A15-EE30-C15E79F333F6}"/>
+              </a:ext>
+            </a:extLst>
+          </p:cNvPr>
+          <p:cNvSpPr/>
+          <p:nvPr/>
+        </p:nvSpPr>
+        <p:spPr>
+          <a:xfrm>
+            <a:off x="5749413" y="2229830"/>
+            <a:ext cx="475092" cy="400110"/>
+          </a:xfrm>
+          <a:prstGeom prst="rect">
+            <a:avLst/>
+          </a:prstGeom>
+        </p:spPr>
+        <p:txBody>
+          <a:bodyPr wrap="square">
+            <a:spAutoFit/>
+          </a:bodyPr>
+          <a:lstStyle/>
+          <a:p>
+            <a:pPr algn="just">
+              <a:spcAft>
+                <a:spcPts val="600"/>
+              </a:spcAft>
+              <a:buClr>
+                <a:srgbClr val="0808FF"/>
+              </a:buClr>
+            </a:pPr>
+            <a:r>
+              <a:rPr lang="en-US" sz="2000" dirty="0"/>
+              <a:t>or</a:t>
+            </a:r>
           </a:p>
         </p:txBody>
       </p:sp>
       <p:pic>
         <p:nvPicPr>
-          <p:cNvPr id="5" name="Picture 4">
-            <a:extLst>
-              <a:ext uri="{FF2B5EF4-FFF2-40B4-BE49-F238E27FC236}">
-                <a16:creationId xmlns:a16="http://schemas.microsoft.com/office/drawing/2014/main" id="{BEA058B3-ACD7-3F18-71D1-2DB1CD08CB3F}"/>
+          <p:cNvPr id="3" name="Picture 2">
+            <a:extLst>
+              <a:ext uri="{FF2B5EF4-FFF2-40B4-BE49-F238E27FC236}">
+                <a16:creationId xmlns:a16="http://schemas.microsoft.com/office/drawing/2014/main" id="{99550A0E-F4B1-1C26-C41B-1E79AE2C76E5}"/>
               </a:ext>
             </a:extLst>
           </p:cNvPr>
@@ -12768,8 +12880,134 @@
         </p:blipFill>
         <p:spPr>
           <a:xfrm>
-            <a:off x="621767" y="1561921"/>
-            <a:ext cx="6523426" cy="4474940"/>
+            <a:off x="2246486" y="1884557"/>
+            <a:ext cx="2900010" cy="1090656"/>
+          </a:xfrm>
+          <a:prstGeom prst="rect">
+            <a:avLst/>
+          </a:prstGeom>
+        </p:spPr>
+      </p:pic>
+      <p:pic>
+        <p:nvPicPr>
+          <p:cNvPr id="8" name="Picture 7">
+            <a:extLst>
+              <a:ext uri="{FF2B5EF4-FFF2-40B4-BE49-F238E27FC236}">
+                <a16:creationId xmlns:a16="http://schemas.microsoft.com/office/drawing/2014/main" id="{AAC897AC-FB4A-9AAB-2D2C-977EF5E219F2}"/>
+              </a:ext>
+            </a:extLst>
+          </p:cNvPr>
+          <p:cNvPicPr>
+            <a:picLocks noChangeAspect="1"/>
+          </p:cNvPicPr>
+          <p:nvPr/>
+        </p:nvPicPr>
+        <p:blipFill>
+          <a:blip r:embed="rId4"/>
+          <a:stretch>
+            <a:fillRect/>
+          </a:stretch>
+        </p:blipFill>
+        <p:spPr>
+          <a:xfrm>
+            <a:off x="6670880" y="1929009"/>
+            <a:ext cx="2686701" cy="1046204"/>
+          </a:xfrm>
+          <a:prstGeom prst="rect">
+            <a:avLst/>
+          </a:prstGeom>
+        </p:spPr>
+      </p:pic>
+      <p:sp>
+        <p:nvSpPr>
+          <p:cNvPr id="9" name="Rectangle 8">
+            <a:extLst>
+              <a:ext uri="{FF2B5EF4-FFF2-40B4-BE49-F238E27FC236}">
+                <a16:creationId xmlns:a16="http://schemas.microsoft.com/office/drawing/2014/main" id="{6D1B4419-7A3A-2767-96F5-E7993E7BA583}"/>
+              </a:ext>
+            </a:extLst>
+          </p:cNvPr>
+          <p:cNvSpPr/>
+          <p:nvPr/>
+        </p:nvSpPr>
+        <p:spPr>
+          <a:xfrm>
+            <a:off x="767979" y="3300646"/>
+            <a:ext cx="9736248" cy="400110"/>
+          </a:xfrm>
+          <a:prstGeom prst="rect">
+            <a:avLst/>
+          </a:prstGeom>
+        </p:spPr>
+        <p:txBody>
+          <a:bodyPr wrap="square">
+            <a:spAutoFit/>
+          </a:bodyPr>
+          <a:lstStyle/>
+          <a:p>
+            <a:pPr algn="just">
+              <a:spcAft>
+                <a:spcPts val="600"/>
+              </a:spcAft>
+              <a:buClr>
+                <a:srgbClr val="0808FF"/>
+              </a:buClr>
+            </a:pPr>
+            <a:r>
+              <a:rPr lang="en-US" sz="2000" dirty="0"/>
+              <a:t>The solution now proceeds through </a:t>
+            </a:r>
+            <a:r>
+              <a:rPr lang="en-US" sz="2000" i="1" dirty="0" err="1"/>
+              <a:t>backsubstitution</a:t>
+            </a:r>
+            <a:r>
+              <a:rPr lang="en-US" sz="2000" dirty="0"/>
+              <a:t>, i.e. we go from x</a:t>
+            </a:r>
+            <a:r>
+              <a:rPr lang="en-US" sz="2000" baseline="-25000" dirty="0"/>
+              <a:t>4</a:t>
+            </a:r>
+            <a:r>
+              <a:rPr lang="en-US" sz="2000" dirty="0"/>
+              <a:t> to x</a:t>
+            </a:r>
+            <a:r>
+              <a:rPr lang="en-US" sz="2000" baseline="-25000" dirty="0"/>
+              <a:t>1</a:t>
+            </a:r>
+            <a:r>
+              <a:rPr lang="en-US" sz="2000" dirty="0"/>
+              <a:t> </a:t>
+            </a:r>
+          </a:p>
+        </p:txBody>
+      </p:sp>
+      <p:pic>
+        <p:nvPicPr>
+          <p:cNvPr id="11" name="Picture 10">
+            <a:extLst>
+              <a:ext uri="{FF2B5EF4-FFF2-40B4-BE49-F238E27FC236}">
+                <a16:creationId xmlns:a16="http://schemas.microsoft.com/office/drawing/2014/main" id="{B9B21D62-6790-0D1A-89CC-1C32D7078B75}"/>
+              </a:ext>
+            </a:extLst>
+          </p:cNvPr>
+          <p:cNvPicPr>
+            <a:picLocks noChangeAspect="1"/>
+          </p:cNvPicPr>
+          <p:nvPr/>
+        </p:nvPicPr>
+        <p:blipFill>
+          <a:blip r:embed="rId5"/>
+          <a:stretch>
+            <a:fillRect/>
+          </a:stretch>
+        </p:blipFill>
+        <p:spPr>
+          <a:xfrm>
+            <a:off x="4538589" y="4026189"/>
+            <a:ext cx="3114821" cy="1697089"/>
           </a:xfrm>
           <a:prstGeom prst="rect">
             <a:avLst/>
@@ -12779,7 +13017,7 @@
     </p:spTree>
     <p:extLst>
       <p:ext uri="{BB962C8B-B14F-4D97-AF65-F5344CB8AC3E}">
-        <p14:creationId xmlns:p14="http://schemas.microsoft.com/office/powerpoint/2010/main" val="2499898874"/>
+        <p14:creationId xmlns:p14="http://schemas.microsoft.com/office/powerpoint/2010/main" val="608839967"/>
       </p:ext>
     </p:extLst>
   </p:cSld>
